--- a/Lessons/Version Control, CI-CD & Cloud Native Infrastructure.pptx
+++ b/Lessons/Version Control, CI-CD & Cloud Native Infrastructure.pptx
@@ -17,14 +17,15 @@
     <p:sldId id="406" r:id="rId11"/>
     <p:sldId id="458" r:id="rId12"/>
     <p:sldId id="462" r:id="rId13"/>
-    <p:sldId id="460" r:id="rId14"/>
-    <p:sldId id="459" r:id="rId15"/>
-    <p:sldId id="425" r:id="rId16"/>
-    <p:sldId id="439" r:id="rId17"/>
-    <p:sldId id="438" r:id="rId18"/>
-    <p:sldId id="442" r:id="rId19"/>
-    <p:sldId id="457" r:id="rId20"/>
-    <p:sldId id="384" r:id="rId21"/>
+    <p:sldId id="463" r:id="rId14"/>
+    <p:sldId id="460" r:id="rId15"/>
+    <p:sldId id="459" r:id="rId16"/>
+    <p:sldId id="425" r:id="rId17"/>
+    <p:sldId id="439" r:id="rId18"/>
+    <p:sldId id="438" r:id="rId19"/>
+    <p:sldId id="442" r:id="rId20"/>
+    <p:sldId id="457" r:id="rId21"/>
+    <p:sldId id="384" r:id="rId22"/>
   </p:sldIdLst>
   <p:sldSz cx="12192000" cy="6858000"/>
   <p:notesSz cx="6858000" cy="9144000"/>
@@ -270,7 +271,7 @@
           <a:p>
             <a:fld id="{9966DB91-138F-4CD5-A612-7C7F020113DC}" type="datetimeFigureOut">
               <a:rPr lang="en-US" smtClean="0"/>
-              <a:t>2/12/2025</a:t>
+              <a:t>2/17/2025</a:t>
             </a:fld>
             <a:endParaRPr lang="en-US"/>
           </a:p>
@@ -481,7 +482,7 @@
           <a:p>
             <a:fld id="{9966DB91-138F-4CD5-A612-7C7F020113DC}" type="datetimeFigureOut">
               <a:rPr lang="en-US" smtClean="0"/>
-              <a:t>2/12/2025</a:t>
+              <a:t>2/17/2025</a:t>
             </a:fld>
             <a:endParaRPr lang="en-US"/>
           </a:p>
@@ -696,7 +697,7 @@
           <a:p>
             <a:fld id="{9966DB91-138F-4CD5-A612-7C7F020113DC}" type="datetimeFigureOut">
               <a:rPr lang="en-US" smtClean="0"/>
-              <a:t>2/12/2025</a:t>
+              <a:t>2/17/2025</a:t>
             </a:fld>
             <a:endParaRPr lang="en-US"/>
           </a:p>
@@ -1083,7 +1084,7 @@
           <a:p>
             <a:fld id="{9966DB91-138F-4CD5-A612-7C7F020113DC}" type="datetimeFigureOut">
               <a:rPr lang="en-US" smtClean="0"/>
-              <a:t>2/12/2025</a:t>
+              <a:t>2/17/2025</a:t>
             </a:fld>
             <a:endParaRPr lang="en-US"/>
           </a:p>
@@ -1362,7 +1363,7 @@
           <a:p>
             <a:fld id="{9966DB91-138F-4CD5-A612-7C7F020113DC}" type="datetimeFigureOut">
               <a:rPr lang="en-US" smtClean="0"/>
-              <a:t>2/12/2025</a:t>
+              <a:t>2/17/2025</a:t>
             </a:fld>
             <a:endParaRPr lang="en-US"/>
           </a:p>
@@ -1630,7 +1631,7 @@
           <a:p>
             <a:fld id="{9966DB91-138F-4CD5-A612-7C7F020113DC}" type="datetimeFigureOut">
               <a:rPr lang="en-US" smtClean="0"/>
-              <a:t>2/12/2025</a:t>
+              <a:t>2/17/2025</a:t>
             </a:fld>
             <a:endParaRPr lang="en-US"/>
           </a:p>
@@ -2046,7 +2047,7 @@
           <a:p>
             <a:fld id="{9966DB91-138F-4CD5-A612-7C7F020113DC}" type="datetimeFigureOut">
               <a:rPr lang="en-US" smtClean="0"/>
-              <a:t>2/12/2025</a:t>
+              <a:t>2/17/2025</a:t>
             </a:fld>
             <a:endParaRPr lang="en-US"/>
           </a:p>
@@ -2195,7 +2196,7 @@
           <a:p>
             <a:fld id="{9966DB91-138F-4CD5-A612-7C7F020113DC}" type="datetimeFigureOut">
               <a:rPr lang="en-US" smtClean="0"/>
-              <a:t>2/12/2025</a:t>
+              <a:t>2/17/2025</a:t>
             </a:fld>
             <a:endParaRPr lang="en-US"/>
           </a:p>
@@ -2321,7 +2322,7 @@
           <a:p>
             <a:fld id="{9966DB91-138F-4CD5-A612-7C7F020113DC}" type="datetimeFigureOut">
               <a:rPr lang="en-US" smtClean="0"/>
-              <a:t>2/12/2025</a:t>
+              <a:t>2/17/2025</a:t>
             </a:fld>
             <a:endParaRPr lang="en-US"/>
           </a:p>
@@ -2572,7 +2573,7 @@
           <a:p>
             <a:fld id="{9966DB91-138F-4CD5-A612-7C7F020113DC}" type="datetimeFigureOut">
               <a:rPr lang="en-US" smtClean="0"/>
-              <a:t>2/12/2025</a:t>
+              <a:t>2/17/2025</a:t>
             </a:fld>
             <a:endParaRPr lang="en-US"/>
           </a:p>
@@ -3017,7 +3018,7 @@
           <a:p>
             <a:fld id="{9966DB91-138F-4CD5-A612-7C7F020113DC}" type="datetimeFigureOut">
               <a:rPr lang="en-US" smtClean="0"/>
-              <a:t>2/12/2025</a:t>
+              <a:t>2/17/2025</a:t>
             </a:fld>
             <a:endParaRPr lang="en-US"/>
           </a:p>
@@ -3344,7 +3345,7 @@
           <a:p>
             <a:fld id="{9966DB91-138F-4CD5-A612-7C7F020113DC}" type="datetimeFigureOut">
               <a:rPr lang="en-US" smtClean="0"/>
-              <a:t>2/12/2025</a:t>
+              <a:t>2/17/2025</a:t>
             </a:fld>
             <a:endParaRPr lang="en-US"/>
           </a:p>
@@ -4653,34 +4654,34 @@
               <a:buNone/>
             </a:pPr>
             <a:r>
-              <a:rPr lang="he-IL" sz="1700" b="1" dirty="0">
+              <a:rPr lang="he-IL" sz="1600" b="1" dirty="0">
                 <a:latin typeface="Calibri" panose="020F0502020204030204" pitchFamily="34" charset="0"/>
                 <a:cs typeface="Calibri" panose="020F0502020204030204" pitchFamily="34" charset="0"/>
               </a:rPr>
               <a:t>התקנת </a:t>
             </a:r>
             <a:r>
-              <a:rPr lang="en-US" sz="1700" b="1" dirty="0">
+              <a:rPr lang="en-US" sz="1600" b="1" dirty="0">
                 <a:latin typeface="Calibri" panose="020F0502020204030204" pitchFamily="34" charset="0"/>
                 <a:cs typeface="Calibri" panose="020F0502020204030204" pitchFamily="34" charset="0"/>
               </a:rPr>
               <a:t>Git</a:t>
             </a:r>
             <a:r>
-              <a:rPr lang="he-IL" sz="1700" b="1" dirty="0">
+              <a:rPr lang="he-IL" sz="1600" b="1" dirty="0">
                 <a:latin typeface="Calibri" panose="020F0502020204030204" pitchFamily="34" charset="0"/>
                 <a:cs typeface="Calibri" panose="020F0502020204030204" pitchFamily="34" charset="0"/>
               </a:rPr>
               <a:t> ב-</a:t>
             </a:r>
             <a:r>
-              <a:rPr lang="en-US" sz="1700" b="1" dirty="0">
+              <a:rPr lang="en-US" sz="1600" b="1" dirty="0">
                 <a:latin typeface="Calibri" panose="020F0502020204030204" pitchFamily="34" charset="0"/>
                 <a:cs typeface="Calibri" panose="020F0502020204030204" pitchFamily="34" charset="0"/>
               </a:rPr>
               <a:t>Windows</a:t>
             </a:r>
-            <a:endParaRPr lang="he-IL" sz="1700" b="1" dirty="0">
+            <a:endParaRPr lang="he-IL" sz="1600" b="1" dirty="0">
               <a:latin typeface="Calibri" panose="020F0502020204030204" pitchFamily="34" charset="0"/>
               <a:cs typeface="Calibri" panose="020F0502020204030204" pitchFamily="34" charset="0"/>
             </a:endParaRPr>
@@ -5069,26 +5070,16 @@
               <a:buNone/>
             </a:pPr>
             <a:r>
-              <a:rPr lang="he-IL" sz="1600" b="1" dirty="0">
-                <a:latin typeface="Calibri" panose="020F0502020204030204" pitchFamily="34" charset="0"/>
-                <a:cs typeface="Calibri" panose="020F0502020204030204" pitchFamily="34" charset="0"/>
-              </a:rPr>
-              <a:t>הגדרת </a:t>
-            </a:r>
-            <a:r>
               <a:rPr lang="en-US" sz="1600" b="1" dirty="0">
                 <a:latin typeface="Calibri" panose="020F0502020204030204" pitchFamily="34" charset="0"/>
                 <a:cs typeface="Calibri" panose="020F0502020204030204" pitchFamily="34" charset="0"/>
               </a:rPr>
-              <a:t>Git</a:t>
-            </a:r>
-            <a:r>
-              <a:rPr lang="he-IL" sz="1600" b="1" dirty="0">
-                <a:latin typeface="Calibri" panose="020F0502020204030204" pitchFamily="34" charset="0"/>
-                <a:cs typeface="Calibri" panose="020F0502020204030204" pitchFamily="34" charset="0"/>
-              </a:rPr>
-              <a:t> ראשונית</a:t>
-            </a:r>
+              <a:t>GitHub</a:t>
+            </a:r>
+            <a:endParaRPr lang="he-IL" sz="1700" b="1" dirty="0">
+              <a:latin typeface="Calibri" panose="020F0502020204030204" pitchFamily="34" charset="0"/>
+              <a:cs typeface="Calibri" panose="020F0502020204030204" pitchFamily="34" charset="0"/>
+            </a:endParaRPr>
           </a:p>
           <a:p>
             <a:pPr marL="128588" lvl="1" indent="0" algn="just" rtl="1">
@@ -5098,25 +5089,25 @@
               <a:buNone/>
             </a:pPr>
             <a:r>
+              <a:rPr lang="en-US" sz="1400" b="1" dirty="0">
+                <a:latin typeface="Calibri" panose="020F0502020204030204" pitchFamily="34" charset="0"/>
+                <a:cs typeface="Calibri" panose="020F0502020204030204" pitchFamily="34" charset="0"/>
+              </a:rPr>
+              <a:t>GitHub</a:t>
+            </a:r>
+            <a:r>
+              <a:rPr lang="he-IL" sz="1400" b="1" dirty="0">
+                <a:latin typeface="Calibri" panose="020F0502020204030204" pitchFamily="34" charset="0"/>
+                <a:cs typeface="Calibri" panose="020F0502020204030204" pitchFamily="34" charset="0"/>
+              </a:rPr>
+              <a:t> </a:t>
+            </a:r>
+            <a:r>
               <a:rPr lang="he-IL" sz="1400" dirty="0">
                 <a:latin typeface="Calibri" panose="020F0502020204030204" pitchFamily="34" charset="0"/>
                 <a:cs typeface="Calibri" panose="020F0502020204030204" pitchFamily="34" charset="0"/>
               </a:rPr>
-              <a:t>ניהול גרסאות הוא הבסיס של פיתוח תוכנה מודרני. בעזרת </a:t>
-            </a:r>
-            <a:r>
-              <a:rPr lang="en-US" sz="1400" dirty="0">
-                <a:latin typeface="Calibri" panose="020F0502020204030204" pitchFamily="34" charset="0"/>
-                <a:cs typeface="Calibri" panose="020F0502020204030204" pitchFamily="34" charset="0"/>
-              </a:rPr>
-              <a:t>Git &amp; GitHub</a:t>
-            </a:r>
-            <a:r>
-              <a:rPr lang="he-IL" sz="1400" dirty="0">
-                <a:latin typeface="Calibri" panose="020F0502020204030204" pitchFamily="34" charset="0"/>
-                <a:cs typeface="Calibri" panose="020F0502020204030204" pitchFamily="34" charset="0"/>
-              </a:rPr>
-              <a:t> אנו שומרים על קוד נקי ומאורגן.</a:t>
+              <a:t>הוא אתר אינטרנט ושירות אחסון מבוסס ענן המאפשר למפתחים לאחסן ולנהל את קוד התוכנה שלהם, לעקוב אחר שינויים שבוצעו בקוד, ולשתף פעולה עם מפתחים אחרים בפרויקטים.</a:t>
             </a:r>
           </a:p>
           <a:p>
@@ -5127,71 +5118,121 @@
               <a:buNone/>
             </a:pPr>
             <a:r>
+              <a:rPr lang="he-IL" sz="1400" dirty="0">
+                <a:latin typeface="Calibri" panose="020F0502020204030204" pitchFamily="34" charset="0"/>
+                <a:cs typeface="Calibri" panose="020F0502020204030204" pitchFamily="34" charset="0"/>
+              </a:rPr>
+              <a:t>יש ליצור בחשבון ב-</a:t>
+            </a:r>
+            <a:r>
               <a:rPr lang="en-US" sz="1400" dirty="0">
                 <a:latin typeface="Calibri" panose="020F0502020204030204" pitchFamily="34" charset="0"/>
                 <a:cs typeface="Calibri" panose="020F0502020204030204" pitchFamily="34" charset="0"/>
               </a:rPr>
-              <a:t>Git</a:t>
+              <a:t>GitHub</a:t>
             </a:r>
             <a:r>
               <a:rPr lang="he-IL" sz="1400" dirty="0">
                 <a:latin typeface="Calibri" panose="020F0502020204030204" pitchFamily="34" charset="0"/>
                 <a:cs typeface="Calibri" panose="020F0502020204030204" pitchFamily="34" charset="0"/>
               </a:rPr>
-              <a:t> מאפשר לנו לעבוד בצוותים, לעקוב אחר שינויים ולהימנע ממצבים בהם קוד טוב הולך לאיבוד.</a:t>
-            </a:r>
-          </a:p>
-          <a:p>
-            <a:pPr marL="128588" lvl="1" indent="0" algn="just" rtl="1">
+              <a:t>:</a:t>
+            </a:r>
+          </a:p>
+          <a:p>
+            <a:pPr marL="414338" lvl="1" indent="-285750" algn="just" rtl="1">
               <a:lnSpc>
                 <a:spcPct val="150000"/>
               </a:lnSpc>
-              <a:buNone/>
+              <a:buFont typeface="Wingdings" panose="05000000000000000000" pitchFamily="2" charset="2"/>
+              <a:buChar char="q"/>
             </a:pPr>
+            <a:r>
+              <a:rPr lang="he-IL" sz="1400" dirty="0">
+                <a:latin typeface="Calibri" panose="020F0502020204030204" pitchFamily="34" charset="0"/>
+                <a:cs typeface="Calibri" panose="020F0502020204030204" pitchFamily="34" charset="0"/>
+              </a:rPr>
+              <a:t>יש לגלוש לאתר </a:t>
+            </a:r>
+            <a:r>
+              <a:rPr lang="en-US" sz="1400" dirty="0">
+                <a:latin typeface="Calibri" panose="020F0502020204030204" pitchFamily="34" charset="0"/>
+                <a:cs typeface="Calibri" panose="020F0502020204030204" pitchFamily="34" charset="0"/>
+                <a:hlinkClick r:id="rId2"/>
+              </a:rPr>
+              <a:t>https://github.com/</a:t>
+            </a:r>
             <a:endParaRPr lang="he-IL" sz="1400" dirty="0">
               <a:latin typeface="Calibri" panose="020F0502020204030204" pitchFamily="34" charset="0"/>
               <a:cs typeface="Calibri" panose="020F0502020204030204" pitchFamily="34" charset="0"/>
             </a:endParaRPr>
           </a:p>
           <a:p>
-            <a:pPr marL="128588" lvl="1" indent="0" algn="just" rtl="1">
+            <a:pPr marL="414338" lvl="1" indent="-285750" algn="just" rtl="1">
               <a:lnSpc>
                 <a:spcPct val="150000"/>
               </a:lnSpc>
-              <a:buNone/>
+              <a:buFont typeface="Wingdings" panose="05000000000000000000" pitchFamily="2" charset="2"/>
+              <a:buChar char="q"/>
             </a:pPr>
             <a:r>
               <a:rPr lang="he-IL" sz="1400" dirty="0">
                 <a:latin typeface="Calibri" panose="020F0502020204030204" pitchFamily="34" charset="0"/>
-                <a:ea typeface="Calibri" panose="020F0502020204030204" pitchFamily="34" charset="0"/>
-                <a:cs typeface="Calibri" panose="020F0502020204030204" pitchFamily="34" charset="0"/>
-              </a:rPr>
-              <a:t>דוגמה:</a:t>
-            </a:r>
-          </a:p>
-          <a:p>
-            <a:pPr marL="128588" lvl="1" indent="0" algn="just" rtl="1">
+                <a:cs typeface="Calibri" panose="020F0502020204030204" pitchFamily="34" charset="0"/>
+              </a:rPr>
+              <a:t>בדף הבית, לחצו על כפתור </a:t>
+            </a:r>
+            <a:r>
+              <a:rPr lang="en-US" sz="1400" dirty="0">
+                <a:latin typeface="Calibri" panose="020F0502020204030204" pitchFamily="34" charset="0"/>
+                <a:cs typeface="Calibri" panose="020F0502020204030204" pitchFamily="34" charset="0"/>
+              </a:rPr>
+              <a:t>Sign up"</a:t>
+            </a:r>
+            <a:r>
+              <a:rPr lang="he-IL" sz="1400" dirty="0">
+                <a:latin typeface="Calibri" panose="020F0502020204030204" pitchFamily="34" charset="0"/>
+                <a:cs typeface="Calibri" panose="020F0502020204030204" pitchFamily="34" charset="0"/>
+              </a:rPr>
+              <a:t>".</a:t>
+            </a:r>
+          </a:p>
+          <a:p>
+            <a:pPr marL="414338" lvl="1" indent="-285750" algn="just" rtl="1">
               <a:lnSpc>
                 <a:spcPct val="150000"/>
               </a:lnSpc>
-              <a:buNone/>
+              <a:buFont typeface="Wingdings" panose="05000000000000000000" pitchFamily="2" charset="2"/>
+              <a:buChar char="q"/>
             </a:pPr>
             <a:r>
-              <a:rPr lang="en-US" sz="1400" dirty="0">
-                <a:latin typeface="Calibri" panose="020F0502020204030204" pitchFamily="34" charset="0"/>
-                <a:ea typeface="Calibri" panose="020F0502020204030204" pitchFamily="34" charset="0"/>
-                <a:cs typeface="Calibri" panose="020F0502020204030204" pitchFamily="34" charset="0"/>
-              </a:rPr>
-              <a:t>Google Docs</a:t>
-            </a:r>
-            <a:r>
               <a:rPr lang="he-IL" sz="1400" dirty="0">
                 <a:latin typeface="Calibri" panose="020F0502020204030204" pitchFamily="34" charset="0"/>
-                <a:ea typeface="Calibri" panose="020F0502020204030204" pitchFamily="34" charset="0"/>
-                <a:cs typeface="Calibri" panose="020F0502020204030204" pitchFamily="34" charset="0"/>
-              </a:rPr>
-              <a:t> אפשר לראות גרסאות קודמות ולחזור אליהן במקרה הצורך.</a:t>
-            </a:r>
+                <a:cs typeface="Calibri" panose="020F0502020204030204" pitchFamily="34" charset="0"/>
+              </a:rPr>
+              <a:t>מלאו את הפרטים הנדרשים, כמו שם משתמש, כתובת דואר אלקטרוני וסיסמה.</a:t>
+            </a:r>
+          </a:p>
+          <a:p>
+            <a:pPr marL="414338" lvl="1" indent="-285750" algn="just" rtl="1">
+              <a:lnSpc>
+                <a:spcPct val="150000"/>
+              </a:lnSpc>
+              <a:buFont typeface="Wingdings" panose="05000000000000000000" pitchFamily="2" charset="2"/>
+              <a:buChar char="q"/>
+            </a:pPr>
+            <a:r>
+              <a:rPr lang="he-IL" sz="1400" dirty="0">
+                <a:latin typeface="Calibri" panose="020F0502020204030204" pitchFamily="34" charset="0"/>
+                <a:cs typeface="Calibri" panose="020F0502020204030204" pitchFamily="34" charset="0"/>
+              </a:rPr>
+              <a:t>עקבו אחר ההוראות לאימות החשבון.</a:t>
+            </a:r>
+            <a:endParaRPr lang="he-IL" sz="1400" dirty="0">
+              <a:latin typeface="Calibri" panose="020F0502020204030204" pitchFamily="34" charset="0"/>
+              <a:ea typeface="Calibri" panose="020F0502020204030204" pitchFamily="34" charset="0"/>
+              <a:cs typeface="Calibri" panose="020F0502020204030204" pitchFamily="34" charset="0"/>
+            </a:endParaRPr>
           </a:p>
         </p:txBody>
       </p:sp>
@@ -5210,7 +5251,7 @@
           <p:nvPr/>
         </p:nvPicPr>
         <p:blipFill rotWithShape="1">
-          <a:blip r:embed="rId2">
+          <a:blip r:embed="rId3">
             <a:extLst>
               <a:ext uri="{28A0092B-C50C-407E-A947-70E740481C1C}">
                 <a14:useLocalDpi xmlns:a14="http://schemas.microsoft.com/office/drawing/2010/main" val="0"/>
@@ -5243,7 +5284,7 @@
     </p:spTree>
     <p:extLst>
       <p:ext uri="{BB962C8B-B14F-4D97-AF65-F5344CB8AC3E}">
-        <p14:creationId xmlns:p14="http://schemas.microsoft.com/office/powerpoint/2010/main" val="2193630517"/>
+        <p14:creationId xmlns:p14="http://schemas.microsoft.com/office/powerpoint/2010/main" val="3377871543"/>
       </p:ext>
     </p:extLst>
   </p:cSld>
@@ -5337,16 +5378,26 @@
               <a:buNone/>
             </a:pPr>
             <a:r>
+              <a:rPr lang="he-IL" sz="1600" b="1" dirty="0">
+                <a:latin typeface="Calibri" panose="020F0502020204030204" pitchFamily="34" charset="0"/>
+                <a:cs typeface="Calibri" panose="020F0502020204030204" pitchFamily="34" charset="0"/>
+              </a:rPr>
+              <a:t>הגדרת </a:t>
+            </a:r>
+            <a:r>
               <a:rPr lang="en-US" sz="1600" b="1" dirty="0">
                 <a:latin typeface="Calibri" panose="020F0502020204030204" pitchFamily="34" charset="0"/>
                 <a:cs typeface="Calibri" panose="020F0502020204030204" pitchFamily="34" charset="0"/>
               </a:rPr>
-              <a:t>Version Control - Best Practices</a:t>
-            </a:r>
-            <a:endParaRPr lang="he-IL" sz="1600" b="1" dirty="0">
-              <a:latin typeface="Calibri" panose="020F0502020204030204" pitchFamily="34" charset="0"/>
-              <a:cs typeface="Calibri" panose="020F0502020204030204" pitchFamily="34" charset="0"/>
-            </a:endParaRPr>
+              <a:t>Git</a:t>
+            </a:r>
+            <a:r>
+              <a:rPr lang="he-IL" sz="1600" b="1" dirty="0">
+                <a:latin typeface="Calibri" panose="020F0502020204030204" pitchFamily="34" charset="0"/>
+                <a:cs typeface="Calibri" panose="020F0502020204030204" pitchFamily="34" charset="0"/>
+              </a:rPr>
+              <a:t> ראשונית</a:t>
+            </a:r>
           </a:p>
           <a:p>
             <a:pPr marL="128588" lvl="1" indent="0" algn="just" rtl="1">
@@ -5360,7 +5411,36 @@
                 <a:latin typeface="Calibri" panose="020F0502020204030204" pitchFamily="34" charset="0"/>
                 <a:cs typeface="Calibri" panose="020F0502020204030204" pitchFamily="34" charset="0"/>
               </a:rPr>
-              <a:t>איך להשתמש נכון בניהול גרסאות? הנה כמה עקרונות חשובים:</a:t>
+              <a:t>יש להגדיר את השם והדואר האלקטרוני עבור </a:t>
+            </a:r>
+            <a:r>
+              <a:rPr lang="en-US" sz="1400" dirty="0">
+                <a:latin typeface="Calibri" panose="020F0502020204030204" pitchFamily="34" charset="0"/>
+                <a:cs typeface="Calibri" panose="020F0502020204030204" pitchFamily="34" charset="0"/>
+              </a:rPr>
+              <a:t>Git</a:t>
+            </a:r>
+            <a:r>
+              <a:rPr lang="he-IL" sz="1400" dirty="0">
+                <a:latin typeface="Calibri" panose="020F0502020204030204" pitchFamily="34" charset="0"/>
+                <a:cs typeface="Calibri" panose="020F0502020204030204" pitchFamily="34" charset="0"/>
+              </a:rPr>
+              <a:t> לשימוש בעת ביצוע </a:t>
+            </a:r>
+            <a:r>
+              <a:rPr lang="en-US" sz="1400" dirty="0">
+                <a:latin typeface="Calibri" panose="020F0502020204030204" pitchFamily="34" charset="0"/>
+                <a:cs typeface="Calibri" panose="020F0502020204030204" pitchFamily="34" charset="0"/>
+              </a:rPr>
+              <a:t>commit</a:t>
+            </a:r>
+            <a:r>
+              <a:rPr lang="he-IL" sz="1400" dirty="0">
+                <a:latin typeface="Calibri" panose="020F0502020204030204" pitchFamily="34" charset="0"/>
+                <a:ea typeface="Calibri" panose="020F0502020204030204" pitchFamily="34" charset="0"/>
+                <a:cs typeface="Calibri" panose="020F0502020204030204" pitchFamily="34" charset="0"/>
+              </a:rPr>
+              <a:t>:</a:t>
             </a:r>
           </a:p>
           <a:p>
@@ -5372,11 +5452,12 @@
               <a:buChar char="q"/>
             </a:pPr>
             <a:r>
-              <a:rPr lang="he-IL" sz="1400" dirty="0">
-                <a:latin typeface="Calibri" panose="020F0502020204030204" pitchFamily="34" charset="0"/>
-                <a:cs typeface="Calibri" panose="020F0502020204030204" pitchFamily="34" charset="0"/>
-              </a:rPr>
-              <a:t>השתמשו בהערות טובות – תיאור ברור לכל שינוי.</a:t>
+              <a:rPr lang="en-US" sz="1400" dirty="0">
+                <a:latin typeface="Calibri" panose="020F0502020204030204" pitchFamily="34" charset="0"/>
+                <a:ea typeface="Calibri" panose="020F0502020204030204" pitchFamily="34" charset="0"/>
+                <a:cs typeface="Calibri" panose="020F0502020204030204" pitchFamily="34" charset="0"/>
+              </a:rPr>
+              <a:t>git config --global user.name "Alex Gorbachov"</a:t>
             </a:r>
           </a:p>
           <a:p>
@@ -5388,111 +5469,21 @@
               <a:buChar char="q"/>
             </a:pPr>
             <a:r>
-              <a:rPr lang="he-IL" sz="1400" dirty="0">
-                <a:latin typeface="Calibri" panose="020F0502020204030204" pitchFamily="34" charset="0"/>
-                <a:cs typeface="Calibri" panose="020F0502020204030204" pitchFamily="34" charset="0"/>
-              </a:rPr>
-              <a:t>בצעו </a:t>
-            </a:r>
-            <a:r>
               <a:rPr lang="en-US" sz="1400" dirty="0">
                 <a:latin typeface="Calibri" panose="020F0502020204030204" pitchFamily="34" charset="0"/>
-                <a:cs typeface="Calibri" panose="020F0502020204030204" pitchFamily="34" charset="0"/>
-              </a:rPr>
-              <a:t>Commit</a:t>
-            </a:r>
-            <a:r>
-              <a:rPr lang="he-IL" sz="1400" dirty="0">
-                <a:latin typeface="Calibri" panose="020F0502020204030204" pitchFamily="34" charset="0"/>
-                <a:cs typeface="Calibri" panose="020F0502020204030204" pitchFamily="34" charset="0"/>
-              </a:rPr>
-              <a:t> בתדירות גבוהה – עדיף שינויים קטנים על פני גדולים.</a:t>
-            </a:r>
-          </a:p>
-          <a:p>
-            <a:pPr marL="414338" lvl="1" indent="-285750" algn="just" rtl="1">
+                <a:ea typeface="Calibri" panose="020F0502020204030204" pitchFamily="34" charset="0"/>
+                <a:cs typeface="Calibri" panose="020F0502020204030204" pitchFamily="34" charset="0"/>
+              </a:rPr>
+              <a:t>git config --global user.email agorbach@gmail.com</a:t>
+            </a:r>
+          </a:p>
+          <a:p>
+            <a:pPr marL="414338" lvl="1" indent="-285750" algn="just">
               <a:lnSpc>
                 <a:spcPct val="150000"/>
               </a:lnSpc>
               <a:buFont typeface="Wingdings" panose="05000000000000000000" pitchFamily="2" charset="2"/>
               <a:buChar char="q"/>
-            </a:pPr>
-            <a:r>
-              <a:rPr lang="en-US" sz="1400" dirty="0">
-                <a:latin typeface="Calibri" panose="020F0502020204030204" pitchFamily="34" charset="0"/>
-                <a:cs typeface="Calibri" panose="020F0502020204030204" pitchFamily="34" charset="0"/>
-              </a:rPr>
-              <a:t>Repo</a:t>
-            </a:r>
-            <a:r>
-              <a:rPr lang="he-IL" sz="1400" dirty="0">
-                <a:latin typeface="Calibri" panose="020F0502020204030204" pitchFamily="34" charset="0"/>
-                <a:cs typeface="Calibri" panose="020F0502020204030204" pitchFamily="34" charset="0"/>
-              </a:rPr>
-              <a:t> יחיד מול ריבוי פרויקטים – איזון בין הפרדה לאיחוד.</a:t>
-            </a:r>
-          </a:p>
-          <a:p>
-            <a:pPr marL="414338" lvl="1" indent="-285750" algn="just" rtl="1">
-              <a:lnSpc>
-                <a:spcPct val="150000"/>
-              </a:lnSpc>
-              <a:buFont typeface="Wingdings" panose="05000000000000000000" pitchFamily="2" charset="2"/>
-              <a:buChar char="q"/>
-            </a:pPr>
-            <a:r>
-              <a:rPr lang="en-US" sz="1400" dirty="0">
-                <a:latin typeface="Calibri" panose="020F0502020204030204" pitchFamily="34" charset="0"/>
-                <a:cs typeface="Calibri" panose="020F0502020204030204" pitchFamily="34" charset="0"/>
-              </a:rPr>
-              <a:t>Branch/Tag</a:t>
-            </a:r>
-            <a:r>
-              <a:rPr lang="he-IL" sz="1400" dirty="0">
-                <a:latin typeface="Calibri" panose="020F0502020204030204" pitchFamily="34" charset="0"/>
-                <a:cs typeface="Calibri" panose="020F0502020204030204" pitchFamily="34" charset="0"/>
-              </a:rPr>
-              <a:t> במקום המתאים – סניפים לתכונות חדשות, תגיות לגרסאות יציבות.</a:t>
-            </a:r>
-          </a:p>
-          <a:p>
-            <a:pPr marL="414338" lvl="1" indent="-285750" algn="just" rtl="1">
-              <a:lnSpc>
-                <a:spcPct val="150000"/>
-              </a:lnSpc>
-              <a:buFont typeface="Wingdings" panose="05000000000000000000" pitchFamily="2" charset="2"/>
-              <a:buChar char="q"/>
-            </a:pPr>
-            <a:r>
-              <a:rPr lang="he-IL" sz="1400" dirty="0">
-                <a:latin typeface="Calibri" panose="020F0502020204030204" pitchFamily="34" charset="0"/>
-                <a:cs typeface="Calibri" panose="020F0502020204030204" pitchFamily="34" charset="0"/>
-              </a:rPr>
-              <a:t>הימנעו מקבצים בינאריים גדולים – הם מאטים את המערכת.</a:t>
-            </a:r>
-          </a:p>
-          <a:p>
-            <a:pPr marL="414338" lvl="1" indent="-285750" algn="just" rtl="1">
-              <a:lnSpc>
-                <a:spcPct val="150000"/>
-              </a:lnSpc>
-              <a:buFont typeface="Wingdings" panose="05000000000000000000" pitchFamily="2" charset="2"/>
-              <a:buChar char="q"/>
-            </a:pPr>
-            <a:r>
-              <a:rPr lang="he-IL" sz="1400" dirty="0">
-                <a:latin typeface="Calibri" panose="020F0502020204030204" pitchFamily="34" charset="0"/>
-                <a:cs typeface="Calibri" panose="020F0502020204030204" pitchFamily="34" charset="0"/>
-              </a:rPr>
-              <a:t>למדו לעבוד עם שורת הפקודה והכלים הגרפיים – שליטה טובה יותר במערכת.</a:t>
-            </a:r>
-          </a:p>
-          <a:p>
-            <a:pPr marL="128588" lvl="1" indent="0" algn="just" rtl="1">
-              <a:lnSpc>
-                <a:spcPct val="150000"/>
-              </a:lnSpc>
-              <a:buNone/>
             </a:pPr>
             <a:endParaRPr lang="he-IL" sz="1400" dirty="0">
               <a:latin typeface="Calibri" panose="020F0502020204030204" pitchFamily="34" charset="0"/>
@@ -5550,7 +5541,7 @@
     </p:spTree>
     <p:extLst>
       <p:ext uri="{BB962C8B-B14F-4D97-AF65-F5344CB8AC3E}">
-        <p14:creationId xmlns:p14="http://schemas.microsoft.com/office/powerpoint/2010/main" val="2302968146"/>
+        <p14:creationId xmlns:p14="http://schemas.microsoft.com/office/powerpoint/2010/main" val="2193630517"/>
       </p:ext>
     </p:extLst>
   </p:cSld>
@@ -5604,7 +5595,7 @@
                 <a:latin typeface="Calibri" panose="020F0502020204030204" pitchFamily="34" charset="0"/>
                 <a:cs typeface="Calibri" panose="020F0502020204030204" pitchFamily="34" charset="0"/>
               </a:rPr>
-              <a:t>Introduction to DevOps</a:t>
+              <a:t>Git &amp; GitHub Essentials</a:t>
             </a:r>
           </a:p>
         </p:txBody>
@@ -5633,7 +5624,7 @@
         </p:spPr>
         <p:txBody>
           <a:bodyPr>
-            <a:normAutofit fontScale="85000" lnSpcReduction="20000"/>
+            <a:normAutofit/>
           </a:bodyPr>
           <a:lstStyle/>
           <a:p>
@@ -5644,18 +5635,31 @@
               <a:buNone/>
             </a:pPr>
             <a:r>
-              <a:rPr lang="he-IL" sz="1900" b="1" dirty="0">
-                <a:latin typeface="Calibri" panose="020F0502020204030204" pitchFamily="34" charset="0"/>
-                <a:ea typeface="Calibri" panose="020F0502020204030204" pitchFamily="34" charset="0"/>
-                <a:cs typeface="Calibri" panose="020F0502020204030204" pitchFamily="34" charset="0"/>
-              </a:rPr>
-              <a:t>יתרונות</a:t>
-            </a:r>
-            <a:endParaRPr lang="he-IL" sz="1900" dirty="0">
+              <a:rPr lang="en-US" sz="1600" b="1" dirty="0">
+                <a:latin typeface="Calibri" panose="020F0502020204030204" pitchFamily="34" charset="0"/>
+                <a:cs typeface="Calibri" panose="020F0502020204030204" pitchFamily="34" charset="0"/>
+              </a:rPr>
+              <a:t>Version Control - Best Practices</a:t>
+            </a:r>
+            <a:endParaRPr lang="he-IL" sz="1600" b="1" dirty="0">
               <a:latin typeface="Calibri" panose="020F0502020204030204" pitchFamily="34" charset="0"/>
-              <a:ea typeface="Calibri" panose="020F0502020204030204" pitchFamily="34" charset="0"/>
               <a:cs typeface="Calibri" panose="020F0502020204030204" pitchFamily="34" charset="0"/>
             </a:endParaRPr>
+          </a:p>
+          <a:p>
+            <a:pPr marL="128588" lvl="1" indent="0" algn="just" rtl="1">
+              <a:lnSpc>
+                <a:spcPct val="150000"/>
+              </a:lnSpc>
+              <a:buNone/>
+            </a:pPr>
+            <a:r>
+              <a:rPr lang="he-IL" sz="1400" dirty="0">
+                <a:latin typeface="Calibri" panose="020F0502020204030204" pitchFamily="34" charset="0"/>
+                <a:cs typeface="Calibri" panose="020F0502020204030204" pitchFamily="34" charset="0"/>
+              </a:rPr>
+              <a:t>איך להשתמש נכון בניהול גרסאות? הנה כמה עקרונות חשובים:</a:t>
+            </a:r>
           </a:p>
           <a:p>
             <a:pPr marL="414338" lvl="1" indent="-285750" algn="just" rtl="1">
@@ -5666,44 +5670,11 @@
               <a:buChar char="q"/>
             </a:pPr>
             <a:r>
-              <a:rPr lang="he-IL" sz="1400" b="1" dirty="0">
-                <a:latin typeface="Calibri" panose="020F0502020204030204" pitchFamily="34" charset="0"/>
-                <a:ea typeface="Calibri" panose="020F0502020204030204" pitchFamily="34" charset="0"/>
-                <a:cs typeface="Calibri" panose="020F0502020204030204" pitchFamily="34" charset="0"/>
-              </a:rPr>
-              <a:t>שיפור שיתוף הפעולה בין צוותים</a:t>
-            </a:r>
-            <a:r>
               <a:rPr lang="he-IL" sz="1400" dirty="0">
                 <a:latin typeface="Calibri" panose="020F0502020204030204" pitchFamily="34" charset="0"/>
-                <a:ea typeface="Calibri" panose="020F0502020204030204" pitchFamily="34" charset="0"/>
-                <a:cs typeface="Calibri" panose="020F0502020204030204" pitchFamily="34" charset="0"/>
-              </a:rPr>
-              <a:t>: </a:t>
-            </a:r>
-            <a:r>
-              <a:rPr lang="en-US" sz="1400" dirty="0">
-                <a:latin typeface="Calibri" panose="020F0502020204030204" pitchFamily="34" charset="0"/>
-                <a:ea typeface="Calibri" panose="020F0502020204030204" pitchFamily="34" charset="0"/>
-                <a:cs typeface="Calibri" panose="020F0502020204030204" pitchFamily="34" charset="0"/>
-              </a:rPr>
-              <a:t>DevOps</a:t>
-            </a:r>
-            <a:r>
-              <a:rPr lang="he-IL" sz="1400" dirty="0">
-                <a:latin typeface="Calibri" panose="020F0502020204030204" pitchFamily="34" charset="0"/>
-                <a:ea typeface="Calibri" panose="020F0502020204030204" pitchFamily="34" charset="0"/>
-                <a:cs typeface="Calibri" panose="020F0502020204030204" pitchFamily="34" charset="0"/>
-              </a:rPr>
-              <a:t> מעודד שיתוף </a:t>
-            </a:r>
-            <a:r>
-              <a:rPr lang="he-IL" sz="1500" dirty="0">
-                <a:latin typeface="Calibri" panose="020F0502020204030204" pitchFamily="34" charset="0"/>
-                <a:ea typeface="Calibri" panose="020F0502020204030204" pitchFamily="34" charset="0"/>
-                <a:cs typeface="Calibri" panose="020F0502020204030204" pitchFamily="34" charset="0"/>
-              </a:rPr>
-              <a:t>פעולה ותקשורת בין צוותי הפיתוח והתפעול, מה שמוביל להבנה טובה יותר של הצרכים והאתגרים של כל צוות וליצירת פתרונות יעילים יותר.</a:t>
+                <a:cs typeface="Calibri" panose="020F0502020204030204" pitchFamily="34" charset="0"/>
+              </a:rPr>
+              <a:t>השתמשו בהערות טובות – תיאור ברור לכל שינוי.</a:t>
             </a:r>
           </a:p>
           <a:p>
@@ -5715,28 +5686,25 @@
               <a:buChar char="q"/>
             </a:pPr>
             <a:r>
-              <a:rPr lang="he-IL" sz="1500" b="1" dirty="0">
-                <a:latin typeface="Calibri" panose="020F0502020204030204" pitchFamily="34" charset="0"/>
-                <a:ea typeface="Calibri" panose="020F0502020204030204" pitchFamily="34" charset="0"/>
-                <a:cs typeface="Calibri" panose="020F0502020204030204" pitchFamily="34" charset="0"/>
-              </a:rPr>
-              <a:t>הפחתת עלויות: </a:t>
-            </a:r>
-            <a:r>
-              <a:rPr lang="en-US" sz="1500" dirty="0">
-                <a:latin typeface="Calibri" panose="020F0502020204030204" pitchFamily="34" charset="0"/>
-                <a:ea typeface="Calibri" panose="020F0502020204030204" pitchFamily="34" charset="0"/>
-                <a:cs typeface="Calibri" panose="020F0502020204030204" pitchFamily="34" charset="0"/>
-              </a:rPr>
-              <a:t>DevOps</a:t>
-            </a:r>
-            <a:r>
-              <a:rPr lang="he-IL" sz="1500" dirty="0">
-                <a:latin typeface="Calibri" panose="020F0502020204030204" pitchFamily="34" charset="0"/>
-                <a:ea typeface="Calibri" panose="020F0502020204030204" pitchFamily="34" charset="0"/>
-                <a:cs typeface="Calibri" panose="020F0502020204030204" pitchFamily="34" charset="0"/>
-              </a:rPr>
-              <a:t> יכול לסייע בהפחתת עלויות על ידי אוטומציה של תהליכים, שיפור יעילות השימוש במשאבים ומניעת תקלות.</a:t>
+              <a:rPr lang="he-IL" sz="1400" dirty="0">
+                <a:latin typeface="Calibri" panose="020F0502020204030204" pitchFamily="34" charset="0"/>
+                <a:cs typeface="Calibri" panose="020F0502020204030204" pitchFamily="34" charset="0"/>
+              </a:rPr>
+              <a:t>בצעו </a:t>
+            </a:r>
+            <a:r>
+              <a:rPr lang="en-US" sz="1400" dirty="0">
+                <a:latin typeface="Calibri" panose="020F0502020204030204" pitchFamily="34" charset="0"/>
+                <a:cs typeface="Calibri" panose="020F0502020204030204" pitchFamily="34" charset="0"/>
+              </a:rPr>
+              <a:t>Commit</a:t>
+            </a:r>
+            <a:r>
+              <a:rPr lang="he-IL" sz="1400" dirty="0">
+                <a:latin typeface="Calibri" panose="020F0502020204030204" pitchFamily="34" charset="0"/>
+                <a:cs typeface="Calibri" panose="020F0502020204030204" pitchFamily="34" charset="0"/>
+              </a:rPr>
+              <a:t> בתדירות גבוהה – עדיף שינויים קטנים על פני גדולים.</a:t>
             </a:r>
           </a:p>
           <a:p>
@@ -5748,28 +5716,18 @@
               <a:buChar char="q"/>
             </a:pPr>
             <a:r>
-              <a:rPr lang="he-IL" sz="1500" b="1" dirty="0">
-                <a:latin typeface="Calibri" panose="020F0502020204030204" pitchFamily="34" charset="0"/>
-                <a:ea typeface="Calibri" panose="020F0502020204030204" pitchFamily="34" charset="0"/>
-                <a:cs typeface="Calibri" panose="020F0502020204030204" pitchFamily="34" charset="0"/>
-              </a:rPr>
-              <a:t>שיפור איכות המוצר: </a:t>
-            </a:r>
-            <a:r>
-              <a:rPr lang="en-US" sz="1500" dirty="0">
-                <a:latin typeface="Calibri" panose="020F0502020204030204" pitchFamily="34" charset="0"/>
-                <a:ea typeface="Calibri" panose="020F0502020204030204" pitchFamily="34" charset="0"/>
-                <a:cs typeface="Calibri" panose="020F0502020204030204" pitchFamily="34" charset="0"/>
-              </a:rPr>
-              <a:t>DevOps</a:t>
-            </a:r>
-            <a:r>
-              <a:rPr lang="he-IL" sz="1500" dirty="0">
-                <a:latin typeface="Calibri" panose="020F0502020204030204" pitchFamily="34" charset="0"/>
-                <a:ea typeface="Calibri" panose="020F0502020204030204" pitchFamily="34" charset="0"/>
-                <a:cs typeface="Calibri" panose="020F0502020204030204" pitchFamily="34" charset="0"/>
-              </a:rPr>
-              <a:t> מאפשר זיהוי ותיקון בעיות מוקדם יותר בתהליך הפיתוח, מה שמוביל למוצרים איכותיים יותר.</a:t>
+              <a:rPr lang="en-US" sz="1400" dirty="0">
+                <a:latin typeface="Calibri" panose="020F0502020204030204" pitchFamily="34" charset="0"/>
+                <a:cs typeface="Calibri" panose="020F0502020204030204" pitchFamily="34" charset="0"/>
+              </a:rPr>
+              <a:t>Repo</a:t>
+            </a:r>
+            <a:r>
+              <a:rPr lang="he-IL" sz="1400" dirty="0">
+                <a:latin typeface="Calibri" panose="020F0502020204030204" pitchFamily="34" charset="0"/>
+                <a:cs typeface="Calibri" panose="020F0502020204030204" pitchFamily="34" charset="0"/>
+              </a:rPr>
+              <a:t> יחיד מול ריבוי פרויקטים – איזון בין הפרדה לאיחוד.</a:t>
             </a:r>
           </a:p>
           <a:p>
@@ -5781,28 +5739,18 @@
               <a:buChar char="q"/>
             </a:pPr>
             <a:r>
-              <a:rPr lang="he-IL" sz="1500" b="1" dirty="0">
-                <a:latin typeface="Calibri" panose="020F0502020204030204" pitchFamily="34" charset="0"/>
-                <a:ea typeface="Calibri" panose="020F0502020204030204" pitchFamily="34" charset="0"/>
-                <a:cs typeface="Calibri" panose="020F0502020204030204" pitchFamily="34" charset="0"/>
-              </a:rPr>
-              <a:t>שיפור חוויית הלקוח: </a:t>
-            </a:r>
-            <a:r>
-              <a:rPr lang="en-US" sz="1500" dirty="0">
-                <a:latin typeface="Calibri" panose="020F0502020204030204" pitchFamily="34" charset="0"/>
-                <a:ea typeface="Calibri" panose="020F0502020204030204" pitchFamily="34" charset="0"/>
-                <a:cs typeface="Calibri" panose="020F0502020204030204" pitchFamily="34" charset="0"/>
-              </a:rPr>
-              <a:t>DevOps</a:t>
-            </a:r>
-            <a:r>
-              <a:rPr lang="he-IL" sz="1500" dirty="0">
-                <a:latin typeface="Calibri" panose="020F0502020204030204" pitchFamily="34" charset="0"/>
-                <a:ea typeface="Calibri" panose="020F0502020204030204" pitchFamily="34" charset="0"/>
-                <a:cs typeface="Calibri" panose="020F0502020204030204" pitchFamily="34" charset="0"/>
-              </a:rPr>
-              <a:t> מאפשר פריסה מהירה יותר של עדכונים ותכונות חדשות, מה שמשפר את חוויית הלקוח.</a:t>
+              <a:rPr lang="en-US" sz="1400" dirty="0">
+                <a:latin typeface="Calibri" panose="020F0502020204030204" pitchFamily="34" charset="0"/>
+                <a:cs typeface="Calibri" panose="020F0502020204030204" pitchFamily="34" charset="0"/>
+              </a:rPr>
+              <a:t>Branch/Tag</a:t>
+            </a:r>
+            <a:r>
+              <a:rPr lang="he-IL" sz="1400" dirty="0">
+                <a:latin typeface="Calibri" panose="020F0502020204030204" pitchFamily="34" charset="0"/>
+                <a:cs typeface="Calibri" panose="020F0502020204030204" pitchFamily="34" charset="0"/>
+              </a:rPr>
+              <a:t> במקום המתאים – סניפים לתכונות חדשות, תגיות לגרסאות יציבות.</a:t>
             </a:r>
           </a:p>
           <a:p>
@@ -5814,28 +5762,27 @@
               <a:buChar char="q"/>
             </a:pPr>
             <a:r>
-              <a:rPr lang="he-IL" sz="1500" b="1" dirty="0">
-                <a:latin typeface="Calibri" panose="020F0502020204030204" pitchFamily="34" charset="0"/>
-                <a:ea typeface="Calibri" panose="020F0502020204030204" pitchFamily="34" charset="0"/>
-                <a:cs typeface="Calibri" panose="020F0502020204030204" pitchFamily="34" charset="0"/>
-              </a:rPr>
-              <a:t>הגברת החדשנות: </a:t>
-            </a:r>
-            <a:r>
-              <a:rPr lang="en-US" sz="1500" dirty="0">
-                <a:latin typeface="Calibri" panose="020F0502020204030204" pitchFamily="34" charset="0"/>
-                <a:ea typeface="Calibri" panose="020F0502020204030204" pitchFamily="34" charset="0"/>
-                <a:cs typeface="Calibri" panose="020F0502020204030204" pitchFamily="34" charset="0"/>
-              </a:rPr>
-              <a:t>DevOps</a:t>
-            </a:r>
-            <a:r>
-              <a:rPr lang="he-IL" sz="1500" dirty="0">
-                <a:latin typeface="Calibri" panose="020F0502020204030204" pitchFamily="34" charset="0"/>
-                <a:ea typeface="Calibri" panose="020F0502020204030204" pitchFamily="34" charset="0"/>
-                <a:cs typeface="Calibri" panose="020F0502020204030204" pitchFamily="34" charset="0"/>
-              </a:rPr>
-              <a:t> מאפשר לצוותים להתנסות בטכנולוגיות חדשות ולפתח מוצרים חדשניים יותר.</a:t>
+              <a:rPr lang="he-IL" sz="1400" dirty="0">
+                <a:latin typeface="Calibri" panose="020F0502020204030204" pitchFamily="34" charset="0"/>
+                <a:cs typeface="Calibri" panose="020F0502020204030204" pitchFamily="34" charset="0"/>
+              </a:rPr>
+              <a:t>הימנעו מקבצים בינאריים גדולים – הם מאטים את המערכת.</a:t>
+            </a:r>
+          </a:p>
+          <a:p>
+            <a:pPr marL="414338" lvl="1" indent="-285750" algn="just" rtl="1">
+              <a:lnSpc>
+                <a:spcPct val="150000"/>
+              </a:lnSpc>
+              <a:buFont typeface="Wingdings" panose="05000000000000000000" pitchFamily="2" charset="2"/>
+              <a:buChar char="q"/>
+            </a:pPr>
+            <a:r>
+              <a:rPr lang="he-IL" sz="1400" dirty="0">
+                <a:latin typeface="Calibri" panose="020F0502020204030204" pitchFamily="34" charset="0"/>
+                <a:cs typeface="Calibri" panose="020F0502020204030204" pitchFamily="34" charset="0"/>
+              </a:rPr>
+              <a:t>למדו לעבוד עם שורת הפקודה והכלים הגרפיים – שליטה טובה יותר במערכת.</a:t>
             </a:r>
           </a:p>
           <a:p>
@@ -5845,30 +5792,6 @@
               </a:lnSpc>
               <a:buNone/>
             </a:pPr>
-            <a:r>
-              <a:rPr lang="he-IL" sz="1500" dirty="0">
-                <a:latin typeface="Calibri" panose="020F0502020204030204" pitchFamily="34" charset="0"/>
-                <a:ea typeface="Calibri" panose="020F0502020204030204" pitchFamily="34" charset="0"/>
-                <a:cs typeface="Calibri" panose="020F0502020204030204" pitchFamily="34" charset="0"/>
-              </a:rPr>
-              <a:t>בנוסף </a:t>
-            </a:r>
-            <a:r>
-              <a:rPr lang="en-US" sz="1500" dirty="0">
-                <a:latin typeface="Calibri" panose="020F0502020204030204" pitchFamily="34" charset="0"/>
-                <a:ea typeface="Calibri" panose="020F0502020204030204" pitchFamily="34" charset="0"/>
-                <a:cs typeface="Calibri" panose="020F0502020204030204" pitchFamily="34" charset="0"/>
-              </a:rPr>
-              <a:t>DevOps</a:t>
-            </a:r>
-            <a:r>
-              <a:rPr lang="he-IL" sz="1500" dirty="0">
-                <a:latin typeface="Calibri" panose="020F0502020204030204" pitchFamily="34" charset="0"/>
-                <a:ea typeface="Calibri" panose="020F0502020204030204" pitchFamily="34" charset="0"/>
-                <a:cs typeface="Calibri" panose="020F0502020204030204" pitchFamily="34" charset="0"/>
-              </a:rPr>
-              <a:t>, מציע יתרונות רבים נוספים שיכולים לסייע לארגונים לשפר את ביצועיהם ולשגשג בסביבה העסקית התחרותית של היום.</a:t>
-            </a:r>
             <a:endParaRPr lang="he-IL" sz="1400" dirty="0">
               <a:latin typeface="Calibri" panose="020F0502020204030204" pitchFamily="34" charset="0"/>
               <a:ea typeface="Calibri" panose="020F0502020204030204" pitchFamily="34" charset="0"/>
@@ -5891,7 +5814,7 @@
           </p:cNvPicPr>
           <p:nvPr/>
         </p:nvPicPr>
-        <p:blipFill>
+        <p:blipFill rotWithShape="1">
           <a:blip r:embed="rId2">
             <a:extLst>
               <a:ext uri="{28A0092B-C50C-407E-A947-70E740481C1C}">
@@ -5899,12 +5822,12 @@
               </a:ext>
             </a:extLst>
           </a:blip>
-          <a:srcRect l="4265" r="4265"/>
+          <a:srcRect l="-11108" r="-11108"/>
           <a:stretch/>
         </p:blipFill>
         <p:spPr bwMode="auto">
           <a:xfrm>
-            <a:off x="466165" y="3048148"/>
+            <a:off x="448235" y="3048148"/>
             <a:ext cx="3370729" cy="2072853"/>
           </a:xfrm>
           <a:prstGeom prst="rect">
@@ -5925,7 +5848,7 @@
     </p:spTree>
     <p:extLst>
       <p:ext uri="{BB962C8B-B14F-4D97-AF65-F5344CB8AC3E}">
-        <p14:creationId xmlns:p14="http://schemas.microsoft.com/office/powerpoint/2010/main" val="1496953991"/>
+        <p14:creationId xmlns:p14="http://schemas.microsoft.com/office/powerpoint/2010/main" val="2302968146"/>
       </p:ext>
     </p:extLst>
   </p:cSld>
@@ -6008,7 +5931,7 @@
         </p:spPr>
         <p:txBody>
           <a:bodyPr>
-            <a:normAutofit/>
+            <a:normAutofit fontScale="85000" lnSpcReduction="20000"/>
           </a:bodyPr>
           <a:lstStyle/>
           <a:p>
@@ -6019,34 +5942,199 @@
               <a:buNone/>
             </a:pPr>
             <a:r>
-              <a:rPr lang="he-IL" sz="1600" b="1" dirty="0">
+              <a:rPr lang="he-IL" sz="1900" b="1" dirty="0">
                 <a:latin typeface="Calibri" panose="020F0502020204030204" pitchFamily="34" charset="0"/>
                 <a:ea typeface="Calibri" panose="020F0502020204030204" pitchFamily="34" charset="0"/>
                 <a:cs typeface="Calibri" panose="020F0502020204030204" pitchFamily="34" charset="0"/>
               </a:rPr>
-              <a:t>למה </a:t>
-            </a:r>
-            <a:r>
-              <a:rPr lang="en-US" sz="1600" b="1" dirty="0">
-                <a:latin typeface="Calibri" panose="020F0502020204030204" pitchFamily="34" charset="0"/>
-                <a:ea typeface="Calibri" panose="020F0502020204030204" pitchFamily="34" charset="0"/>
-                <a:cs typeface="Calibri" panose="020F0502020204030204" pitchFamily="34" charset="0"/>
-              </a:rPr>
-              <a:t>DevOps</a:t>
-            </a:r>
-            <a:r>
-              <a:rPr lang="he-IL" sz="1600" b="1" dirty="0">
-                <a:latin typeface="Calibri" panose="020F0502020204030204" pitchFamily="34" charset="0"/>
-                <a:ea typeface="Calibri" panose="020F0502020204030204" pitchFamily="34" charset="0"/>
-                <a:cs typeface="Calibri" panose="020F0502020204030204" pitchFamily="34" charset="0"/>
-              </a:rPr>
-              <a:t> חשוב?</a:t>
-            </a:r>
-            <a:endParaRPr lang="he-IL" sz="1600" dirty="0">
+              <a:t>יתרונות</a:t>
+            </a:r>
+            <a:endParaRPr lang="he-IL" sz="1900" dirty="0">
               <a:latin typeface="Calibri" panose="020F0502020204030204" pitchFamily="34" charset="0"/>
               <a:ea typeface="Calibri" panose="020F0502020204030204" pitchFamily="34" charset="0"/>
               <a:cs typeface="Calibri" panose="020F0502020204030204" pitchFamily="34" charset="0"/>
             </a:endParaRPr>
+          </a:p>
+          <a:p>
+            <a:pPr marL="414338" lvl="1" indent="-285750" algn="just" rtl="1">
+              <a:lnSpc>
+                <a:spcPct val="150000"/>
+              </a:lnSpc>
+              <a:buFont typeface="Wingdings" panose="05000000000000000000" pitchFamily="2" charset="2"/>
+              <a:buChar char="q"/>
+            </a:pPr>
+            <a:r>
+              <a:rPr lang="he-IL" sz="1400" b="1" dirty="0">
+                <a:latin typeface="Calibri" panose="020F0502020204030204" pitchFamily="34" charset="0"/>
+                <a:ea typeface="Calibri" panose="020F0502020204030204" pitchFamily="34" charset="0"/>
+                <a:cs typeface="Calibri" panose="020F0502020204030204" pitchFamily="34" charset="0"/>
+              </a:rPr>
+              <a:t>שיפור שיתוף הפעולה בין צוותים</a:t>
+            </a:r>
+            <a:r>
+              <a:rPr lang="he-IL" sz="1400" dirty="0">
+                <a:latin typeface="Calibri" panose="020F0502020204030204" pitchFamily="34" charset="0"/>
+                <a:ea typeface="Calibri" panose="020F0502020204030204" pitchFamily="34" charset="0"/>
+                <a:cs typeface="Calibri" panose="020F0502020204030204" pitchFamily="34" charset="0"/>
+              </a:rPr>
+              <a:t>: </a:t>
+            </a:r>
+            <a:r>
+              <a:rPr lang="en-US" sz="1400" dirty="0">
+                <a:latin typeface="Calibri" panose="020F0502020204030204" pitchFamily="34" charset="0"/>
+                <a:ea typeface="Calibri" panose="020F0502020204030204" pitchFamily="34" charset="0"/>
+                <a:cs typeface="Calibri" panose="020F0502020204030204" pitchFamily="34" charset="0"/>
+              </a:rPr>
+              <a:t>DevOps</a:t>
+            </a:r>
+            <a:r>
+              <a:rPr lang="he-IL" sz="1400" dirty="0">
+                <a:latin typeface="Calibri" panose="020F0502020204030204" pitchFamily="34" charset="0"/>
+                <a:ea typeface="Calibri" panose="020F0502020204030204" pitchFamily="34" charset="0"/>
+                <a:cs typeface="Calibri" panose="020F0502020204030204" pitchFamily="34" charset="0"/>
+              </a:rPr>
+              <a:t> מעודד שיתוף </a:t>
+            </a:r>
+            <a:r>
+              <a:rPr lang="he-IL" sz="1500" dirty="0">
+                <a:latin typeface="Calibri" panose="020F0502020204030204" pitchFamily="34" charset="0"/>
+                <a:ea typeface="Calibri" panose="020F0502020204030204" pitchFamily="34" charset="0"/>
+                <a:cs typeface="Calibri" panose="020F0502020204030204" pitchFamily="34" charset="0"/>
+              </a:rPr>
+              <a:t>פעולה ותקשורת בין צוותי הפיתוח והתפעול, מה שמוביל להבנה טובה יותר של הצרכים והאתגרים של כל צוות וליצירת פתרונות יעילים יותר.</a:t>
+            </a:r>
+          </a:p>
+          <a:p>
+            <a:pPr marL="414338" lvl="1" indent="-285750" algn="just" rtl="1">
+              <a:lnSpc>
+                <a:spcPct val="150000"/>
+              </a:lnSpc>
+              <a:buFont typeface="Wingdings" panose="05000000000000000000" pitchFamily="2" charset="2"/>
+              <a:buChar char="q"/>
+            </a:pPr>
+            <a:r>
+              <a:rPr lang="he-IL" sz="1500" b="1" dirty="0">
+                <a:latin typeface="Calibri" panose="020F0502020204030204" pitchFamily="34" charset="0"/>
+                <a:ea typeface="Calibri" panose="020F0502020204030204" pitchFamily="34" charset="0"/>
+                <a:cs typeface="Calibri" panose="020F0502020204030204" pitchFamily="34" charset="0"/>
+              </a:rPr>
+              <a:t>הפחתת עלויות: </a:t>
+            </a:r>
+            <a:r>
+              <a:rPr lang="en-US" sz="1500" dirty="0">
+                <a:latin typeface="Calibri" panose="020F0502020204030204" pitchFamily="34" charset="0"/>
+                <a:ea typeface="Calibri" panose="020F0502020204030204" pitchFamily="34" charset="0"/>
+                <a:cs typeface="Calibri" panose="020F0502020204030204" pitchFamily="34" charset="0"/>
+              </a:rPr>
+              <a:t>DevOps</a:t>
+            </a:r>
+            <a:r>
+              <a:rPr lang="he-IL" sz="1500" dirty="0">
+                <a:latin typeface="Calibri" panose="020F0502020204030204" pitchFamily="34" charset="0"/>
+                <a:ea typeface="Calibri" panose="020F0502020204030204" pitchFamily="34" charset="0"/>
+                <a:cs typeface="Calibri" panose="020F0502020204030204" pitchFamily="34" charset="0"/>
+              </a:rPr>
+              <a:t> יכול לסייע בהפחתת עלויות על ידי אוטומציה של תהליכים, שיפור יעילות השימוש במשאבים ומניעת תקלות.</a:t>
+            </a:r>
+          </a:p>
+          <a:p>
+            <a:pPr marL="414338" lvl="1" indent="-285750" algn="just" rtl="1">
+              <a:lnSpc>
+                <a:spcPct val="150000"/>
+              </a:lnSpc>
+              <a:buFont typeface="Wingdings" panose="05000000000000000000" pitchFamily="2" charset="2"/>
+              <a:buChar char="q"/>
+            </a:pPr>
+            <a:r>
+              <a:rPr lang="he-IL" sz="1500" b="1" dirty="0">
+                <a:latin typeface="Calibri" panose="020F0502020204030204" pitchFamily="34" charset="0"/>
+                <a:ea typeface="Calibri" panose="020F0502020204030204" pitchFamily="34" charset="0"/>
+                <a:cs typeface="Calibri" panose="020F0502020204030204" pitchFamily="34" charset="0"/>
+              </a:rPr>
+              <a:t>שיפור איכות המוצר: </a:t>
+            </a:r>
+            <a:r>
+              <a:rPr lang="en-US" sz="1500" dirty="0">
+                <a:latin typeface="Calibri" panose="020F0502020204030204" pitchFamily="34" charset="0"/>
+                <a:ea typeface="Calibri" panose="020F0502020204030204" pitchFamily="34" charset="0"/>
+                <a:cs typeface="Calibri" panose="020F0502020204030204" pitchFamily="34" charset="0"/>
+              </a:rPr>
+              <a:t>DevOps</a:t>
+            </a:r>
+            <a:r>
+              <a:rPr lang="he-IL" sz="1500" dirty="0">
+                <a:latin typeface="Calibri" panose="020F0502020204030204" pitchFamily="34" charset="0"/>
+                <a:ea typeface="Calibri" panose="020F0502020204030204" pitchFamily="34" charset="0"/>
+                <a:cs typeface="Calibri" panose="020F0502020204030204" pitchFamily="34" charset="0"/>
+              </a:rPr>
+              <a:t> מאפשר זיהוי ותיקון בעיות מוקדם יותר בתהליך הפיתוח, מה שמוביל למוצרים איכותיים יותר.</a:t>
+            </a:r>
+          </a:p>
+          <a:p>
+            <a:pPr marL="414338" lvl="1" indent="-285750" algn="just" rtl="1">
+              <a:lnSpc>
+                <a:spcPct val="150000"/>
+              </a:lnSpc>
+              <a:buFont typeface="Wingdings" panose="05000000000000000000" pitchFamily="2" charset="2"/>
+              <a:buChar char="q"/>
+            </a:pPr>
+            <a:r>
+              <a:rPr lang="he-IL" sz="1500" b="1" dirty="0">
+                <a:latin typeface="Calibri" panose="020F0502020204030204" pitchFamily="34" charset="0"/>
+                <a:ea typeface="Calibri" panose="020F0502020204030204" pitchFamily="34" charset="0"/>
+                <a:cs typeface="Calibri" panose="020F0502020204030204" pitchFamily="34" charset="0"/>
+              </a:rPr>
+              <a:t>שיפור חוויית הלקוח: </a:t>
+            </a:r>
+            <a:r>
+              <a:rPr lang="en-US" sz="1500" dirty="0">
+                <a:latin typeface="Calibri" panose="020F0502020204030204" pitchFamily="34" charset="0"/>
+                <a:ea typeface="Calibri" panose="020F0502020204030204" pitchFamily="34" charset="0"/>
+                <a:cs typeface="Calibri" panose="020F0502020204030204" pitchFamily="34" charset="0"/>
+              </a:rPr>
+              <a:t>DevOps</a:t>
+            </a:r>
+            <a:r>
+              <a:rPr lang="he-IL" sz="1500" dirty="0">
+                <a:latin typeface="Calibri" panose="020F0502020204030204" pitchFamily="34" charset="0"/>
+                <a:ea typeface="Calibri" panose="020F0502020204030204" pitchFamily="34" charset="0"/>
+                <a:cs typeface="Calibri" panose="020F0502020204030204" pitchFamily="34" charset="0"/>
+              </a:rPr>
+              <a:t> מאפשר פריסה מהירה יותר של עדכונים ותכונות חדשות, מה שמשפר את חוויית הלקוח.</a:t>
+            </a:r>
+          </a:p>
+          <a:p>
+            <a:pPr marL="414338" lvl="1" indent="-285750" algn="just" rtl="1">
+              <a:lnSpc>
+                <a:spcPct val="150000"/>
+              </a:lnSpc>
+              <a:buFont typeface="Wingdings" panose="05000000000000000000" pitchFamily="2" charset="2"/>
+              <a:buChar char="q"/>
+            </a:pPr>
+            <a:r>
+              <a:rPr lang="he-IL" sz="1500" b="1" dirty="0">
+                <a:latin typeface="Calibri" panose="020F0502020204030204" pitchFamily="34" charset="0"/>
+                <a:ea typeface="Calibri" panose="020F0502020204030204" pitchFamily="34" charset="0"/>
+                <a:cs typeface="Calibri" panose="020F0502020204030204" pitchFamily="34" charset="0"/>
+              </a:rPr>
+              <a:t>הגברת החדשנות: </a:t>
+            </a:r>
+            <a:r>
+              <a:rPr lang="en-US" sz="1500" dirty="0">
+                <a:latin typeface="Calibri" panose="020F0502020204030204" pitchFamily="34" charset="0"/>
+                <a:ea typeface="Calibri" panose="020F0502020204030204" pitchFamily="34" charset="0"/>
+                <a:cs typeface="Calibri" panose="020F0502020204030204" pitchFamily="34" charset="0"/>
+              </a:rPr>
+              <a:t>DevOps</a:t>
+            </a:r>
+            <a:r>
+              <a:rPr lang="he-IL" sz="1500" dirty="0">
+                <a:latin typeface="Calibri" panose="020F0502020204030204" pitchFamily="34" charset="0"/>
+                <a:ea typeface="Calibri" panose="020F0502020204030204" pitchFamily="34" charset="0"/>
+                <a:cs typeface="Calibri" panose="020F0502020204030204" pitchFamily="34" charset="0"/>
+              </a:rPr>
+              <a:t> מאפשר לצוותים להתנסות בטכנולוגיות חדשות ולפתח מוצרים חדשניים יותר.</a:t>
+            </a:r>
           </a:p>
           <a:p>
             <a:pPr marL="128588" lvl="1" indent="0" algn="just" rtl="1">
@@ -6056,114 +6144,34 @@
               <a:buNone/>
             </a:pPr>
             <a:r>
-              <a:rPr lang="he-IL" sz="1400" dirty="0">
+              <a:rPr lang="he-IL" sz="1500" dirty="0">
                 <a:latin typeface="Calibri" panose="020F0502020204030204" pitchFamily="34" charset="0"/>
                 <a:ea typeface="Calibri" panose="020F0502020204030204" pitchFamily="34" charset="0"/>
                 <a:cs typeface="Calibri" panose="020F0502020204030204" pitchFamily="34" charset="0"/>
               </a:rPr>
-              <a:t>בעולם של היום, חברות כמו </a:t>
-            </a:r>
-            <a:r>
-              <a:rPr lang="en-US" sz="1400" dirty="0">
+              <a:t>בנוסף </a:t>
+            </a:r>
+            <a:r>
+              <a:rPr lang="en-US" sz="1500" dirty="0">
                 <a:latin typeface="Calibri" panose="020F0502020204030204" pitchFamily="34" charset="0"/>
                 <a:ea typeface="Calibri" panose="020F0502020204030204" pitchFamily="34" charset="0"/>
                 <a:cs typeface="Calibri" panose="020F0502020204030204" pitchFamily="34" charset="0"/>
               </a:rPr>
-              <a:t>Netflix, Amazon</a:t>
-            </a:r>
-            <a:r>
-              <a:rPr lang="he-IL" sz="1400" dirty="0">
+              <a:t>DevOps</a:t>
+            </a:r>
+            <a:r>
+              <a:rPr lang="he-IL" sz="1500" dirty="0">
                 <a:latin typeface="Calibri" panose="020F0502020204030204" pitchFamily="34" charset="0"/>
                 <a:ea typeface="Calibri" panose="020F0502020204030204" pitchFamily="34" charset="0"/>
                 <a:cs typeface="Calibri" panose="020F0502020204030204" pitchFamily="34" charset="0"/>
               </a:rPr>
-              <a:t> ו-</a:t>
-            </a:r>
-            <a:r>
-              <a:rPr lang="en-US" sz="1400" dirty="0">
-                <a:latin typeface="Calibri" panose="020F0502020204030204" pitchFamily="34" charset="0"/>
-                <a:ea typeface="Calibri" panose="020F0502020204030204" pitchFamily="34" charset="0"/>
-                <a:cs typeface="Calibri" panose="020F0502020204030204" pitchFamily="34" charset="0"/>
-              </a:rPr>
-              <a:t>Google</a:t>
-            </a:r>
-            <a:r>
-              <a:rPr lang="he-IL" sz="1400" dirty="0">
-                <a:latin typeface="Calibri" panose="020F0502020204030204" pitchFamily="34" charset="0"/>
-                <a:ea typeface="Calibri" panose="020F0502020204030204" pitchFamily="34" charset="0"/>
-                <a:cs typeface="Calibri" panose="020F0502020204030204" pitchFamily="34" charset="0"/>
-              </a:rPr>
-              <a:t> מעדכנות את המערכות שלהן מאות פעמים ביום! בלי </a:t>
-            </a:r>
-            <a:r>
-              <a:rPr lang="en-US" sz="1400" dirty="0">
-                <a:latin typeface="Calibri" panose="020F0502020204030204" pitchFamily="34" charset="0"/>
-                <a:ea typeface="Calibri" panose="020F0502020204030204" pitchFamily="34" charset="0"/>
-                <a:cs typeface="Calibri" panose="020F0502020204030204" pitchFamily="34" charset="0"/>
-              </a:rPr>
-              <a:t>DevOps</a:t>
-            </a:r>
-            <a:r>
-              <a:rPr lang="he-IL" sz="1400" dirty="0">
-                <a:latin typeface="Calibri" panose="020F0502020204030204" pitchFamily="34" charset="0"/>
-                <a:ea typeface="Calibri" panose="020F0502020204030204" pitchFamily="34" charset="0"/>
-                <a:cs typeface="Calibri" panose="020F0502020204030204" pitchFamily="34" charset="0"/>
-              </a:rPr>
-              <a:t>, זה היה בלתי אפשרי.</a:t>
-            </a:r>
-          </a:p>
-          <a:p>
-            <a:pPr marL="128588" lvl="1" indent="0" algn="just" rtl="1">
-              <a:lnSpc>
-                <a:spcPct val="150000"/>
-              </a:lnSpc>
-              <a:buNone/>
-            </a:pPr>
+              <a:t>, מציע יתרונות רבים נוספים שיכולים לסייע לארגונים לשפר את ביצועיהם ולשגשג בסביבה העסקית התחרותית של היום.</a:t>
+            </a:r>
             <a:endParaRPr lang="he-IL" sz="1400" dirty="0">
               <a:latin typeface="Calibri" panose="020F0502020204030204" pitchFamily="34" charset="0"/>
               <a:ea typeface="Calibri" panose="020F0502020204030204" pitchFamily="34" charset="0"/>
               <a:cs typeface="Calibri" panose="020F0502020204030204" pitchFamily="34" charset="0"/>
             </a:endParaRPr>
-          </a:p>
-          <a:p>
-            <a:pPr marL="128588" lvl="1" indent="0" algn="just" rtl="1">
-              <a:lnSpc>
-                <a:spcPct val="150000"/>
-              </a:lnSpc>
-              <a:buNone/>
-            </a:pPr>
-            <a:r>
-              <a:rPr lang="he-IL" sz="1400" dirty="0">
-                <a:latin typeface="Calibri" panose="020F0502020204030204" pitchFamily="34" charset="0"/>
-                <a:ea typeface="Calibri" panose="020F0502020204030204" pitchFamily="34" charset="0"/>
-                <a:cs typeface="Calibri" panose="020F0502020204030204" pitchFamily="34" charset="0"/>
-              </a:rPr>
-              <a:t>דוגמה:</a:t>
-            </a:r>
-          </a:p>
-          <a:p>
-            <a:pPr marL="128588" lvl="1" indent="0" algn="just" rtl="1">
-              <a:lnSpc>
-                <a:spcPct val="150000"/>
-              </a:lnSpc>
-              <a:buNone/>
-            </a:pPr>
-            <a:r>
-              <a:rPr lang="en-US" sz="1400" dirty="0">
-                <a:latin typeface="Calibri" panose="020F0502020204030204" pitchFamily="34" charset="0"/>
-                <a:ea typeface="Calibri" panose="020F0502020204030204" pitchFamily="34" charset="0"/>
-                <a:cs typeface="Calibri" panose="020F0502020204030204" pitchFamily="34" charset="0"/>
-              </a:rPr>
-              <a:t>Netflix</a:t>
-            </a:r>
-            <a:r>
-              <a:rPr lang="he-IL" sz="1400" dirty="0">
-                <a:latin typeface="Calibri" panose="020F0502020204030204" pitchFamily="34" charset="0"/>
-                <a:ea typeface="Calibri" panose="020F0502020204030204" pitchFamily="34" charset="0"/>
-                <a:cs typeface="Calibri" panose="020F0502020204030204" pitchFamily="34" charset="0"/>
-              </a:rPr>
-              <a:t> מריצה אלפי שינויים ביום - אם כל עדכון היה מצריך עצירה של השירות, אף אחד לא היה משתמש בו.</a:t>
-            </a:r>
           </a:p>
         </p:txBody>
       </p:sp>
@@ -6215,7 +6223,7 @@
     </p:spTree>
     <p:extLst>
       <p:ext uri="{BB962C8B-B14F-4D97-AF65-F5344CB8AC3E}">
-        <p14:creationId xmlns:p14="http://schemas.microsoft.com/office/powerpoint/2010/main" val="3414447003"/>
+        <p14:creationId xmlns:p14="http://schemas.microsoft.com/office/powerpoint/2010/main" val="1496953991"/>
       </p:ext>
     </p:extLst>
   </p:cSld>
@@ -6228,30 +6236,6 @@
 <file path=ppt/slides/slide17.xml><?xml version="1.0" encoding="utf-8"?>
 <p:sld xmlns:a="http://schemas.openxmlformats.org/drawingml/2006/main" xmlns:r="http://schemas.openxmlformats.org/officeDocument/2006/relationships" xmlns:p="http://schemas.openxmlformats.org/presentationml/2006/main">
   <p:cSld>
-    <p:bg>
-      <p:bgPr>
-        <a:gradFill rotWithShape="1">
-          <a:gsLst>
-            <a:gs pos="0">
-              <a:schemeClr val="bg2">
-                <a:tint val="94000"/>
-                <a:satMod val="80000"/>
-                <a:lumMod val="106000"/>
-              </a:schemeClr>
-            </a:gs>
-            <a:gs pos="100000">
-              <a:schemeClr val="bg2">
-                <a:shade val="80000"/>
-              </a:schemeClr>
-            </a:gs>
-          </a:gsLst>
-          <a:path path="circle">
-            <a:fillToRect l="43000" r="43000" b="100000"/>
-          </a:path>
-        </a:gradFill>
-        <a:effectLst/>
-      </p:bgPr>
-    </p:bg>
     <p:spTree>
       <p:nvGrpSpPr>
         <p:cNvPr id="1" name=""/>
@@ -6268,585 +6252,268 @@
       </p:grpSpPr>
       <p:sp>
         <p:nvSpPr>
-          <p:cNvPr id="9" name="Rectangle 8">
+          <p:cNvPr id="2" name="Title 1">
             <a:extLst>
               <a:ext uri="{FF2B5EF4-FFF2-40B4-BE49-F238E27FC236}">
-                <a16:creationId xmlns:a16="http://schemas.microsoft.com/office/drawing/2014/main" id="{0CABCAE3-64FC-4149-819F-2C1812824154}"/>
-              </a:ext>
-              <a:ext uri="{C183D7F6-B498-43B3-948B-1728B52AA6E4}">
-                <adec:decorative xmlns:adec="http://schemas.microsoft.com/office/drawing/2017/decorative" val="1"/>
+                <a16:creationId xmlns:a16="http://schemas.microsoft.com/office/drawing/2014/main" id="{A8F39DBC-ED28-2B88-72EC-6260F5A12BB5}"/>
               </a:ext>
             </a:extLst>
           </p:cNvPr>
           <p:cNvSpPr>
-            <a:spLocks noGrp="1" noRot="1" noChangeAspect="1" noMove="1" noResize="1" noEditPoints="1" noAdjustHandles="1" noChangeArrowheads="1" noChangeShapeType="1" noTextEdit="1"/>
+            <a:spLocks noGrp="1"/>
           </p:cNvSpPr>
           <p:nvPr>
-            <p:extLst>
-              <p:ext uri="{386F3935-93C4-4BCD-93E2-E3B085C9AB24}">
-                <p16:designElem xmlns:p16="http://schemas.microsoft.com/office/powerpoint/2015/main" val="1"/>
-              </p:ext>
-            </p:extLst>
+            <p:ph type="title"/>
           </p:nvPr>
         </p:nvSpPr>
-        <p:spPr>
-          <a:xfrm>
-            <a:off x="0" y="2019476"/>
-            <a:ext cx="12192000" cy="4105941"/>
-          </a:xfrm>
-          <a:prstGeom prst="rect">
-            <a:avLst/>
-          </a:prstGeom>
-          <a:gradFill flip="none" rotWithShape="1">
-            <a:gsLst>
-              <a:gs pos="0">
-                <a:schemeClr val="bg2">
-                  <a:alpha val="0"/>
-                </a:schemeClr>
-              </a:gs>
-              <a:gs pos="100000">
-                <a:schemeClr val="bg2"/>
-              </a:gs>
-            </a:gsLst>
-            <a:lin ang="5400000" scaled="0"/>
-            <a:tileRect/>
-          </a:gradFill>
-          <a:ln>
-            <a:noFill/>
-          </a:ln>
-        </p:spPr>
-        <p:style>
-          <a:lnRef idx="2">
-            <a:schemeClr val="accent1">
-              <a:shade val="50000"/>
-            </a:schemeClr>
-          </a:lnRef>
-          <a:fillRef idx="1">
-            <a:schemeClr val="accent1"/>
-          </a:fillRef>
-          <a:effectRef idx="0">
-            <a:schemeClr val="accent1"/>
-          </a:effectRef>
-          <a:fontRef idx="minor">
-            <a:schemeClr val="lt1"/>
-          </a:fontRef>
-        </p:style>
+        <p:spPr/>
         <p:txBody>
           <a:bodyPr/>
           <a:lstStyle/>
           <a:p>
-            <a:endParaRPr lang="en-US"/>
+            <a:pPr algn="l"/>
+            <a:r>
+              <a:rPr lang="en-US" dirty="0">
+                <a:latin typeface="Calibri" panose="020F0502020204030204" pitchFamily="34" charset="0"/>
+                <a:cs typeface="Calibri" panose="020F0502020204030204" pitchFamily="34" charset="0"/>
+              </a:rPr>
+              <a:t>Introduction to DevOps</a:t>
+            </a:r>
+          </a:p>
+        </p:txBody>
+      </p:sp>
+      <p:sp>
+        <p:nvSpPr>
+          <p:cNvPr id="3" name="Content Placeholder 2">
+            <a:extLst>
+              <a:ext uri="{FF2B5EF4-FFF2-40B4-BE49-F238E27FC236}">
+                <a16:creationId xmlns:a16="http://schemas.microsoft.com/office/drawing/2014/main" id="{E2B82204-E16D-1E57-4022-B1CB131AC737}"/>
+              </a:ext>
+            </a:extLst>
+          </p:cNvPr>
+          <p:cNvSpPr>
+            <a:spLocks noGrp="1"/>
+          </p:cNvSpPr>
+          <p:nvPr>
+            <p:ph idx="1"/>
+          </p:nvPr>
+        </p:nvSpPr>
+        <p:spPr>
+          <a:xfrm>
+            <a:off x="4374776" y="2115670"/>
+            <a:ext cx="6680078" cy="3937811"/>
+          </a:xfrm>
+        </p:spPr>
+        <p:txBody>
+          <a:bodyPr>
+            <a:normAutofit/>
+          </a:bodyPr>
+          <a:lstStyle/>
+          <a:p>
+            <a:pPr marL="0" indent="0" algn="just" rtl="1">
+              <a:lnSpc>
+                <a:spcPct val="150000"/>
+              </a:lnSpc>
+              <a:buNone/>
+            </a:pPr>
+            <a:r>
+              <a:rPr lang="he-IL" sz="1600" b="1" dirty="0">
+                <a:latin typeface="Calibri" panose="020F0502020204030204" pitchFamily="34" charset="0"/>
+                <a:ea typeface="Calibri" panose="020F0502020204030204" pitchFamily="34" charset="0"/>
+                <a:cs typeface="Calibri" panose="020F0502020204030204" pitchFamily="34" charset="0"/>
+              </a:rPr>
+              <a:t>למה </a:t>
+            </a:r>
+            <a:r>
+              <a:rPr lang="en-US" sz="1600" b="1" dirty="0">
+                <a:latin typeface="Calibri" panose="020F0502020204030204" pitchFamily="34" charset="0"/>
+                <a:ea typeface="Calibri" panose="020F0502020204030204" pitchFamily="34" charset="0"/>
+                <a:cs typeface="Calibri" panose="020F0502020204030204" pitchFamily="34" charset="0"/>
+              </a:rPr>
+              <a:t>DevOps</a:t>
+            </a:r>
+            <a:r>
+              <a:rPr lang="he-IL" sz="1600" b="1" dirty="0">
+                <a:latin typeface="Calibri" panose="020F0502020204030204" pitchFamily="34" charset="0"/>
+                <a:ea typeface="Calibri" panose="020F0502020204030204" pitchFamily="34" charset="0"/>
+                <a:cs typeface="Calibri" panose="020F0502020204030204" pitchFamily="34" charset="0"/>
+              </a:rPr>
+              <a:t> חשוב?</a:t>
+            </a:r>
+            <a:endParaRPr lang="he-IL" sz="1600" dirty="0">
+              <a:latin typeface="Calibri" panose="020F0502020204030204" pitchFamily="34" charset="0"/>
+              <a:ea typeface="Calibri" panose="020F0502020204030204" pitchFamily="34" charset="0"/>
+              <a:cs typeface="Calibri" panose="020F0502020204030204" pitchFamily="34" charset="0"/>
+            </a:endParaRPr>
+          </a:p>
+          <a:p>
+            <a:pPr marL="128588" lvl="1" indent="0" algn="just" rtl="1">
+              <a:lnSpc>
+                <a:spcPct val="150000"/>
+              </a:lnSpc>
+              <a:buNone/>
+            </a:pPr>
+            <a:r>
+              <a:rPr lang="he-IL" sz="1400" dirty="0">
+                <a:latin typeface="Calibri" panose="020F0502020204030204" pitchFamily="34" charset="0"/>
+                <a:ea typeface="Calibri" panose="020F0502020204030204" pitchFamily="34" charset="0"/>
+                <a:cs typeface="Calibri" panose="020F0502020204030204" pitchFamily="34" charset="0"/>
+              </a:rPr>
+              <a:t>בעולם של היום, חברות כמו </a:t>
+            </a:r>
+            <a:r>
+              <a:rPr lang="en-US" sz="1400" dirty="0">
+                <a:latin typeface="Calibri" panose="020F0502020204030204" pitchFamily="34" charset="0"/>
+                <a:ea typeface="Calibri" panose="020F0502020204030204" pitchFamily="34" charset="0"/>
+                <a:cs typeface="Calibri" panose="020F0502020204030204" pitchFamily="34" charset="0"/>
+              </a:rPr>
+              <a:t>Netflix, Amazon</a:t>
+            </a:r>
+            <a:r>
+              <a:rPr lang="he-IL" sz="1400" dirty="0">
+                <a:latin typeface="Calibri" panose="020F0502020204030204" pitchFamily="34" charset="0"/>
+                <a:ea typeface="Calibri" panose="020F0502020204030204" pitchFamily="34" charset="0"/>
+                <a:cs typeface="Calibri" panose="020F0502020204030204" pitchFamily="34" charset="0"/>
+              </a:rPr>
+              <a:t> ו-</a:t>
+            </a:r>
+            <a:r>
+              <a:rPr lang="en-US" sz="1400" dirty="0">
+                <a:latin typeface="Calibri" panose="020F0502020204030204" pitchFamily="34" charset="0"/>
+                <a:ea typeface="Calibri" panose="020F0502020204030204" pitchFamily="34" charset="0"/>
+                <a:cs typeface="Calibri" panose="020F0502020204030204" pitchFamily="34" charset="0"/>
+              </a:rPr>
+              <a:t>Google</a:t>
+            </a:r>
+            <a:r>
+              <a:rPr lang="he-IL" sz="1400" dirty="0">
+                <a:latin typeface="Calibri" panose="020F0502020204030204" pitchFamily="34" charset="0"/>
+                <a:ea typeface="Calibri" panose="020F0502020204030204" pitchFamily="34" charset="0"/>
+                <a:cs typeface="Calibri" panose="020F0502020204030204" pitchFamily="34" charset="0"/>
+              </a:rPr>
+              <a:t> מעדכנות את המערכות שלהן מאות פעמים ביום! בלי </a:t>
+            </a:r>
+            <a:r>
+              <a:rPr lang="en-US" sz="1400" dirty="0">
+                <a:latin typeface="Calibri" panose="020F0502020204030204" pitchFamily="34" charset="0"/>
+                <a:ea typeface="Calibri" panose="020F0502020204030204" pitchFamily="34" charset="0"/>
+                <a:cs typeface="Calibri" panose="020F0502020204030204" pitchFamily="34" charset="0"/>
+              </a:rPr>
+              <a:t>DevOps</a:t>
+            </a:r>
+            <a:r>
+              <a:rPr lang="he-IL" sz="1400" dirty="0">
+                <a:latin typeface="Calibri" panose="020F0502020204030204" pitchFamily="34" charset="0"/>
+                <a:ea typeface="Calibri" panose="020F0502020204030204" pitchFamily="34" charset="0"/>
+                <a:cs typeface="Calibri" panose="020F0502020204030204" pitchFamily="34" charset="0"/>
+              </a:rPr>
+              <a:t>, זה היה בלתי אפשרי.</a:t>
+            </a:r>
+          </a:p>
+          <a:p>
+            <a:pPr marL="128588" lvl="1" indent="0" algn="just" rtl="1">
+              <a:lnSpc>
+                <a:spcPct val="150000"/>
+              </a:lnSpc>
+              <a:buNone/>
+            </a:pPr>
+            <a:endParaRPr lang="he-IL" sz="1400" dirty="0">
+              <a:latin typeface="Calibri" panose="020F0502020204030204" pitchFamily="34" charset="0"/>
+              <a:ea typeface="Calibri" panose="020F0502020204030204" pitchFamily="34" charset="0"/>
+              <a:cs typeface="Calibri" panose="020F0502020204030204" pitchFamily="34" charset="0"/>
+            </a:endParaRPr>
+          </a:p>
+          <a:p>
+            <a:pPr marL="128588" lvl="1" indent="0" algn="just" rtl="1">
+              <a:lnSpc>
+                <a:spcPct val="150000"/>
+              </a:lnSpc>
+              <a:buNone/>
+            </a:pPr>
+            <a:r>
+              <a:rPr lang="he-IL" sz="1400" dirty="0">
+                <a:latin typeface="Calibri" panose="020F0502020204030204" pitchFamily="34" charset="0"/>
+                <a:ea typeface="Calibri" panose="020F0502020204030204" pitchFamily="34" charset="0"/>
+                <a:cs typeface="Calibri" panose="020F0502020204030204" pitchFamily="34" charset="0"/>
+              </a:rPr>
+              <a:t>דוגמה:</a:t>
+            </a:r>
+          </a:p>
+          <a:p>
+            <a:pPr marL="128588" lvl="1" indent="0" algn="just" rtl="1">
+              <a:lnSpc>
+                <a:spcPct val="150000"/>
+              </a:lnSpc>
+              <a:buNone/>
+            </a:pPr>
+            <a:r>
+              <a:rPr lang="en-US" sz="1400" dirty="0">
+                <a:latin typeface="Calibri" panose="020F0502020204030204" pitchFamily="34" charset="0"/>
+                <a:ea typeface="Calibri" panose="020F0502020204030204" pitchFamily="34" charset="0"/>
+                <a:cs typeface="Calibri" panose="020F0502020204030204" pitchFamily="34" charset="0"/>
+              </a:rPr>
+              <a:t>Netflix</a:t>
+            </a:r>
+            <a:r>
+              <a:rPr lang="he-IL" sz="1400" dirty="0">
+                <a:latin typeface="Calibri" panose="020F0502020204030204" pitchFamily="34" charset="0"/>
+                <a:ea typeface="Calibri" panose="020F0502020204030204" pitchFamily="34" charset="0"/>
+                <a:cs typeface="Calibri" panose="020F0502020204030204" pitchFamily="34" charset="0"/>
+              </a:rPr>
+              <a:t> מריצה אלפי שינויים ביום - אם כל עדכון היה מצריך עצירה של השירות, אף אחד לא היה משתמש בו.</a:t>
+            </a:r>
           </a:p>
         </p:txBody>
       </p:sp>
       <p:pic>
         <p:nvPicPr>
-          <p:cNvPr id="11" name="Picture 10">
+          <p:cNvPr id="1026" name="Picture 2">
             <a:extLst>
               <a:ext uri="{FF2B5EF4-FFF2-40B4-BE49-F238E27FC236}">
-                <a16:creationId xmlns:a16="http://schemas.microsoft.com/office/drawing/2014/main" id="{012FDCFE-9AD2-4D8A-8CBF-B3AA37EBF6DD}"/>
-              </a:ext>
-              <a:ext uri="{C183D7F6-B498-43B3-948B-1728B52AA6E4}">
-                <adec:decorative xmlns:adec="http://schemas.microsoft.com/office/drawing/2017/decorative" val="1"/>
+                <a16:creationId xmlns:a16="http://schemas.microsoft.com/office/drawing/2014/main" id="{9CDC6A8F-B082-2F54-471B-E26CE8EA2BA3}"/>
               </a:ext>
             </a:extLst>
           </p:cNvPr>
           <p:cNvPicPr>
-            <a:picLocks noGrp="1" noRot="1" noChangeAspect="1" noMove="1" noResize="1" noEditPoints="1" noAdjustHandles="1" noChangeArrowheads="1" noChangeShapeType="1" noCrop="1"/>
-          </p:cNvPicPr>
-          <p:nvPr>
-            <p:extLst>
-              <p:ext uri="{386F3935-93C4-4BCD-93E2-E3B085C9AB24}">
-                <p16:designElem xmlns:p16="http://schemas.microsoft.com/office/powerpoint/2015/main" val="1"/>
-              </p:ext>
-            </p:extLst>
-          </p:nvPr>
-        </p:nvPicPr>
-        <p:blipFill rotWithShape="1">
-          <a:blip r:embed="rId2">
-            <a:extLst>
-              <a:ext uri="{28A0092B-C50C-407E-A947-70E740481C1C}">
-                <a14:useLocalDpi xmlns:a14="http://schemas.microsoft.com/office/drawing/2010/main" val="0"/>
-              </a:ext>
-            </a:extLst>
-          </a:blip>
-          <a:srcRect t="1538" b="-1538"/>
-          <a:stretch/>
-        </p:blipFill>
-        <p:spPr bwMode="black">
-          <a:xfrm>
-            <a:off x="0" y="6126480"/>
-            <a:ext cx="12192000" cy="742950"/>
-          </a:xfrm>
-          <a:prstGeom prst="rect">
-            <a:avLst/>
-          </a:prstGeom>
-        </p:spPr>
-      </p:pic>
-      <p:cxnSp>
-        <p:nvCxnSpPr>
-          <p:cNvPr id="13" name="Straight Connector 12">
-            <a:extLst>
-              <a:ext uri="{FF2B5EF4-FFF2-40B4-BE49-F238E27FC236}">
-                <a16:creationId xmlns:a16="http://schemas.microsoft.com/office/drawing/2014/main" id="{FBD463FC-4CA8-4FF4-85A3-AF9F4B98D210}"/>
-              </a:ext>
-              <a:ext uri="{C183D7F6-B498-43B3-948B-1728B52AA6E4}">
-                <adec:decorative xmlns:adec="http://schemas.microsoft.com/office/drawing/2017/decorative" val="1"/>
-              </a:ext>
-            </a:extLst>
-          </p:cNvPr>
-          <p:cNvCxnSpPr>
-            <a:cxnSpLocks noGrp="1" noRot="1" noChangeAspect="1" noMove="1" noResize="1" noEditPoints="1" noAdjustHandles="1" noChangeArrowheads="1" noChangeShapeType="1"/>
-          </p:cNvCxnSpPr>
-          <p:nvPr>
-            <p:extLst>
-              <p:ext uri="{386F3935-93C4-4BCD-93E2-E3B085C9AB24}">
-                <p16:designElem xmlns:p16="http://schemas.microsoft.com/office/powerpoint/2015/main" val="1"/>
-              </p:ext>
-            </p:extLst>
-          </p:nvPr>
-        </p:nvCxnSpPr>
-        <p:spPr>
-          <a:xfrm>
-            <a:off x="0" y="6128413"/>
-            <a:ext cx="12192000" cy="0"/>
-          </a:xfrm>
-          <a:prstGeom prst="line">
-            <a:avLst/>
-          </a:prstGeom>
-          <a:ln w="12700">
-            <a:solidFill>
-              <a:srgbClr val="000001">
-                <a:alpha val="20000"/>
-              </a:srgbClr>
-            </a:solidFill>
-          </a:ln>
-        </p:spPr>
-        <p:style>
-          <a:lnRef idx="1">
-            <a:schemeClr val="accent1"/>
-          </a:lnRef>
-          <a:fillRef idx="0">
-            <a:schemeClr val="accent1"/>
-          </a:fillRef>
-          <a:effectRef idx="0">
-            <a:schemeClr val="accent1"/>
-          </a:effectRef>
-          <a:fontRef idx="minor">
-            <a:schemeClr val="tx1"/>
-          </a:fontRef>
-        </p:style>
-      </p:cxnSp>
-      <p:cxnSp>
-        <p:nvCxnSpPr>
-          <p:cNvPr id="15" name="Straight Connector 14">
-            <a:extLst>
-              <a:ext uri="{FF2B5EF4-FFF2-40B4-BE49-F238E27FC236}">
-                <a16:creationId xmlns:a16="http://schemas.microsoft.com/office/drawing/2014/main" id="{BECF35C3-8B44-4F4B-BD25-4C01823DB22A}"/>
-              </a:ext>
-              <a:ext uri="{C183D7F6-B498-43B3-948B-1728B52AA6E4}">
-                <adec:decorative xmlns:adec="http://schemas.microsoft.com/office/drawing/2017/decorative" val="1"/>
-              </a:ext>
-            </a:extLst>
-          </p:cNvPr>
-          <p:cNvCxnSpPr>
-            <a:cxnSpLocks noGrp="1" noRot="1" noChangeAspect="1" noMove="1" noResize="1" noEditPoints="1" noAdjustHandles="1" noChangeArrowheads="1" noChangeShapeType="1"/>
-          </p:cNvCxnSpPr>
-          <p:nvPr>
-            <p:extLst>
-              <p:ext uri="{386F3935-93C4-4BCD-93E2-E3B085C9AB24}">
-                <p16:designElem xmlns:p16="http://schemas.microsoft.com/office/powerpoint/2015/main" val="1"/>
-              </p:ext>
-            </p:extLst>
-          </p:nvPr>
-        </p:nvCxnSpPr>
-        <p:spPr>
-          <a:xfrm>
-            <a:off x="2417780" y="3528542"/>
-            <a:ext cx="8637072" cy="0"/>
-          </a:xfrm>
-          <a:prstGeom prst="line">
-            <a:avLst/>
-          </a:prstGeom>
-          <a:ln w="31750"/>
-        </p:spPr>
-        <p:style>
-          <a:lnRef idx="3">
-            <a:schemeClr val="accent1"/>
-          </a:lnRef>
-          <a:fillRef idx="0">
-            <a:schemeClr val="accent1"/>
-          </a:fillRef>
-          <a:effectRef idx="2">
-            <a:schemeClr val="accent1"/>
-          </a:effectRef>
-          <a:fontRef idx="minor">
-            <a:schemeClr val="tx1"/>
-          </a:fontRef>
-        </p:style>
-      </p:cxnSp>
-      <p:sp useBgFill="1">
-        <p:nvSpPr>
-          <p:cNvPr id="17" name="Rectangle 16">
-            <a:extLst>
-              <a:ext uri="{FF2B5EF4-FFF2-40B4-BE49-F238E27FC236}">
-                <a16:creationId xmlns:a16="http://schemas.microsoft.com/office/drawing/2014/main" id="{8BC298DB-2D5C-40A1-9A78-6B4A12198A9B}"/>
-              </a:ext>
-              <a:ext uri="{C183D7F6-B498-43B3-948B-1728B52AA6E4}">
-                <adec:decorative xmlns:adec="http://schemas.microsoft.com/office/drawing/2017/decorative" val="1"/>
-              </a:ext>
-            </a:extLst>
-          </p:cNvPr>
-          <p:cNvSpPr>
-            <a:spLocks noGrp="1" noRot="1" noChangeAspect="1" noMove="1" noResize="1" noEditPoints="1" noAdjustHandles="1" noChangeArrowheads="1" noChangeShapeType="1" noTextEdit="1"/>
-          </p:cNvSpPr>
-          <p:nvPr>
-            <p:extLst>
-              <p:ext uri="{386F3935-93C4-4BCD-93E2-E3B085C9AB24}">
-                <p16:designElem xmlns:p16="http://schemas.microsoft.com/office/powerpoint/2015/main" val="1"/>
-              </p:ext>
-            </p:extLst>
-          </p:nvPr>
-        </p:nvSpPr>
-        <p:spPr>
-          <a:xfrm>
-            <a:off x="2" y="0"/>
-            <a:ext cx="12191695" cy="6858000"/>
-          </a:xfrm>
-          <a:prstGeom prst="rect">
-            <a:avLst/>
-          </a:prstGeom>
-          <a:ln>
-            <a:noFill/>
-          </a:ln>
-        </p:spPr>
-        <p:style>
-          <a:lnRef idx="2">
-            <a:schemeClr val="accent1">
-              <a:shade val="50000"/>
-            </a:schemeClr>
-          </a:lnRef>
-          <a:fillRef idx="1">
-            <a:schemeClr val="accent1"/>
-          </a:fillRef>
-          <a:effectRef idx="0">
-            <a:schemeClr val="accent1"/>
-          </a:effectRef>
-          <a:fontRef idx="minor">
-            <a:schemeClr val="lt1"/>
-          </a:fontRef>
-        </p:style>
-        <p:txBody>
-          <a:bodyPr rtlCol="0" anchor="ctr"/>
-          <a:lstStyle/>
-          <a:p>
-            <a:pPr algn="ctr"/>
-            <a:endParaRPr lang="en-US"/>
-          </a:p>
-        </p:txBody>
-      </p:sp>
-      <p:sp>
-        <p:nvSpPr>
-          <p:cNvPr id="19" name="Rectangle 18">
-            <a:extLst>
-              <a:ext uri="{FF2B5EF4-FFF2-40B4-BE49-F238E27FC236}">
-                <a16:creationId xmlns:a16="http://schemas.microsoft.com/office/drawing/2014/main" id="{35C2355B-7CE9-4192-9142-A41CA0A0C08B}"/>
-              </a:ext>
-              <a:ext uri="{C183D7F6-B498-43B3-948B-1728B52AA6E4}">
-                <adec:decorative xmlns:adec="http://schemas.microsoft.com/office/drawing/2017/decorative" val="1"/>
-              </a:ext>
-            </a:extLst>
-          </p:cNvPr>
-          <p:cNvSpPr>
-            <a:spLocks noGrp="1" noRot="1" noChangeAspect="1" noMove="1" noResize="1" noEditPoints="1" noAdjustHandles="1" noChangeArrowheads="1" noChangeShapeType="1" noTextEdit="1"/>
-          </p:cNvSpPr>
-          <p:nvPr>
-            <p:extLst>
-              <p:ext uri="{386F3935-93C4-4BCD-93E2-E3B085C9AB24}">
-                <p16:designElem xmlns:p16="http://schemas.microsoft.com/office/powerpoint/2015/main" val="1"/>
-              </p:ext>
-            </p:extLst>
-          </p:nvPr>
-        </p:nvSpPr>
-        <p:spPr>
-          <a:xfrm>
-            <a:off x="0" y="2019476"/>
-            <a:ext cx="12192000" cy="4105941"/>
-          </a:xfrm>
-          <a:prstGeom prst="rect">
-            <a:avLst/>
-          </a:prstGeom>
-          <a:gradFill flip="none" rotWithShape="1">
-            <a:gsLst>
-              <a:gs pos="0">
-                <a:schemeClr val="bg2">
-                  <a:alpha val="0"/>
-                </a:schemeClr>
-              </a:gs>
-              <a:gs pos="100000">
-                <a:schemeClr val="bg2"/>
-              </a:gs>
-            </a:gsLst>
-            <a:lin ang="5400000" scaled="0"/>
-            <a:tileRect/>
-          </a:gradFill>
-          <a:ln>
-            <a:noFill/>
-          </a:ln>
-        </p:spPr>
-        <p:style>
-          <a:lnRef idx="2">
-            <a:schemeClr val="accent1">
-              <a:shade val="50000"/>
-            </a:schemeClr>
-          </a:lnRef>
-          <a:fillRef idx="1">
-            <a:schemeClr val="accent1"/>
-          </a:fillRef>
-          <a:effectRef idx="0">
-            <a:schemeClr val="accent1"/>
-          </a:effectRef>
-          <a:fontRef idx="minor">
-            <a:schemeClr val="lt1"/>
-          </a:fontRef>
-        </p:style>
-        <p:txBody>
-          <a:bodyPr rtlCol="0" anchor="ctr"/>
-          <a:lstStyle/>
-          <a:p>
-            <a:pPr lvl="0" algn="ctr"/>
-            <a:endParaRPr lang="en-US"/>
-          </a:p>
-        </p:txBody>
-      </p:sp>
-      <p:sp>
-        <p:nvSpPr>
-          <p:cNvPr id="2" name="Title 1">
-            <a:extLst>
-              <a:ext uri="{FF2B5EF4-FFF2-40B4-BE49-F238E27FC236}">
-                <a16:creationId xmlns:a16="http://schemas.microsoft.com/office/drawing/2014/main" id="{3904F0A1-6473-022B-9E11-257E8278EF66}"/>
-              </a:ext>
-            </a:extLst>
-          </p:cNvPr>
-          <p:cNvSpPr>
-            <a:spLocks noGrp="1"/>
-          </p:cNvSpPr>
-          <p:nvPr>
-            <p:ph type="title"/>
-          </p:nvPr>
-        </p:nvSpPr>
-        <p:spPr>
-          <a:xfrm>
-            <a:off x="6585200" y="967167"/>
-            <a:ext cx="4151306" cy="2374516"/>
-          </a:xfrm>
-        </p:spPr>
-        <p:txBody>
-          <a:bodyPr vert="horz" lIns="91440" tIns="45720" rIns="91440" bIns="0" rtlCol="0" anchor="b">
-            <a:normAutofit/>
-          </a:bodyPr>
-          <a:lstStyle/>
-          <a:p>
-            <a:r>
-              <a:rPr lang="en-US" sz="3700" dirty="0">
-                <a:latin typeface="Calibri" panose="020F0502020204030204" pitchFamily="34" charset="0"/>
-                <a:ea typeface="Calibri" panose="020F0502020204030204" pitchFamily="34" charset="0"/>
-                <a:cs typeface="Calibri" panose="020F0502020204030204" pitchFamily="34" charset="0"/>
-              </a:rPr>
-              <a:t>Cloud Native Infrastructure</a:t>
-            </a:r>
-          </a:p>
-        </p:txBody>
-      </p:sp>
-      <p:pic>
-        <p:nvPicPr>
-          <p:cNvPr id="6" name="Graphic 5" descr="User">
-            <a:extLst>
-              <a:ext uri="{FF2B5EF4-FFF2-40B4-BE49-F238E27FC236}">
-                <a16:creationId xmlns:a16="http://schemas.microsoft.com/office/drawing/2014/main" id="{0F782309-2578-8AA0-7498-38713D34185A}"/>
-              </a:ext>
-            </a:extLst>
-          </p:cNvPr>
-          <p:cNvPicPr>
-            <a:picLocks noChangeAspect="1"/>
+            <a:picLocks noChangeAspect="1" noChangeArrowheads="1"/>
           </p:cNvPicPr>
           <p:nvPr/>
         </p:nvPicPr>
         <p:blipFill>
-          <a:blip r:embed="rId3">
+          <a:blip r:embed="rId2">
             <a:extLst>
               <a:ext uri="{28A0092B-C50C-407E-A947-70E740481C1C}">
                 <a14:useLocalDpi xmlns:a14="http://schemas.microsoft.com/office/drawing/2010/main" val="0"/>
               </a:ext>
-              <a:ext uri="{96DAC541-7B7A-43D3-8B79-37D633B846F1}">
-                <asvg:svgBlip xmlns:asvg="http://schemas.microsoft.com/office/drawing/2016/SVG/main" r:embed="rId4"/>
-              </a:ext>
             </a:extLst>
           </a:blip>
-          <a:stretch>
-            <a:fillRect/>
-          </a:stretch>
+          <a:srcRect l="4265" r="4265"/>
+          <a:stretch/>
         </p:blipFill>
-        <p:spPr>
-          <a:xfrm>
-            <a:off x="1279869" y="805583"/>
-            <a:ext cx="4660762" cy="4660762"/>
+        <p:spPr bwMode="auto">
+          <a:xfrm>
+            <a:off x="466165" y="3048148"/>
+            <a:ext cx="3370729" cy="2072853"/>
           </a:xfrm>
           <a:prstGeom prst="rect">
             <a:avLst/>
           </a:prstGeom>
+          <a:noFill/>
+          <a:extLst>
+            <a:ext uri="{909E8E84-426E-40DD-AFC4-6F175D3DCCD1}">
+              <a14:hiddenFill xmlns:a14="http://schemas.microsoft.com/office/drawing/2010/main">
+                <a:solidFill>
+                  <a:srgbClr val="FFFFFF"/>
+                </a:solidFill>
+              </a14:hiddenFill>
+            </a:ext>
+          </a:extLst>
         </p:spPr>
       </p:pic>
-      <p:cxnSp>
-        <p:nvCxnSpPr>
-          <p:cNvPr id="21" name="Straight Connector 20">
-            <a:extLst>
-              <a:ext uri="{FF2B5EF4-FFF2-40B4-BE49-F238E27FC236}">
-                <a16:creationId xmlns:a16="http://schemas.microsoft.com/office/drawing/2014/main" id="{06D05ED8-39E4-42F8-92CB-704C2BD0D215}"/>
-              </a:ext>
-              <a:ext uri="{C183D7F6-B498-43B3-948B-1728B52AA6E4}">
-                <adec:decorative xmlns:adec="http://schemas.microsoft.com/office/drawing/2017/decorative" val="1"/>
-              </a:ext>
-            </a:extLst>
-          </p:cNvPr>
-          <p:cNvCxnSpPr>
-            <a:cxnSpLocks noGrp="1" noRot="1" noChangeAspect="1" noMove="1" noResize="1" noEditPoints="1" noAdjustHandles="1" noChangeArrowheads="1" noChangeShapeType="1"/>
-          </p:cNvCxnSpPr>
-          <p:nvPr>
-            <p:extLst>
-              <p:ext uri="{386F3935-93C4-4BCD-93E2-E3B085C9AB24}">
-                <p16:designElem xmlns:p16="http://schemas.microsoft.com/office/powerpoint/2015/main" val="1"/>
-              </p:ext>
-            </p:extLst>
-          </p:nvPr>
-        </p:nvCxnSpPr>
-        <p:spPr>
-          <a:xfrm>
-            <a:off x="6579647" y="3526496"/>
-            <a:ext cx="4149931" cy="0"/>
-          </a:xfrm>
-          <a:prstGeom prst="line">
-            <a:avLst/>
-          </a:prstGeom>
-          <a:ln w="31750"/>
-        </p:spPr>
-        <p:style>
-          <a:lnRef idx="3">
-            <a:schemeClr val="accent1"/>
-          </a:lnRef>
-          <a:fillRef idx="0">
-            <a:schemeClr val="accent1"/>
-          </a:fillRef>
-          <a:effectRef idx="2">
-            <a:schemeClr val="accent1"/>
-          </a:effectRef>
-          <a:fontRef idx="minor">
-            <a:schemeClr val="tx1"/>
-          </a:fontRef>
-        </p:style>
-      </p:cxnSp>
-      <p:pic>
-        <p:nvPicPr>
-          <p:cNvPr id="23" name="Picture 22">
-            <a:extLst>
-              <a:ext uri="{FF2B5EF4-FFF2-40B4-BE49-F238E27FC236}">
-                <a16:creationId xmlns:a16="http://schemas.microsoft.com/office/drawing/2014/main" id="{45CE2E7C-6AA3-4710-825D-4CDDF788C7BC}"/>
-              </a:ext>
-              <a:ext uri="{C183D7F6-B498-43B3-948B-1728B52AA6E4}">
-                <adec:decorative xmlns:adec="http://schemas.microsoft.com/office/drawing/2017/decorative" val="1"/>
-              </a:ext>
-            </a:extLst>
-          </p:cNvPr>
-          <p:cNvPicPr>
-            <a:picLocks noGrp="1" noRot="1" noChangeAspect="1" noMove="1" noResize="1" noEditPoints="1" noAdjustHandles="1" noChangeArrowheads="1" noChangeShapeType="1" noCrop="1"/>
-          </p:cNvPicPr>
-          <p:nvPr>
-            <p:extLst>
-              <p:ext uri="{386F3935-93C4-4BCD-93E2-E3B085C9AB24}">
-                <p16:designElem xmlns:p16="http://schemas.microsoft.com/office/powerpoint/2015/main" val="1"/>
-              </p:ext>
-            </p:extLst>
-          </p:nvPr>
-        </p:nvPicPr>
-        <p:blipFill rotWithShape="1">
-          <a:blip r:embed="rId2">
-            <a:extLst>
-              <a:ext uri="{28A0092B-C50C-407E-A947-70E740481C1C}">
-                <a14:useLocalDpi xmlns:a14="http://schemas.microsoft.com/office/drawing/2010/main" val="0"/>
-              </a:ext>
-            </a:extLst>
-          </a:blip>
-          <a:srcRect t="1538" b="-1538"/>
-          <a:stretch/>
-        </p:blipFill>
-        <p:spPr bwMode="black">
-          <a:xfrm>
-            <a:off x="0" y="6126480"/>
-            <a:ext cx="12192000" cy="742950"/>
-          </a:xfrm>
-          <a:prstGeom prst="rect">
-            <a:avLst/>
-          </a:prstGeom>
-        </p:spPr>
-      </p:pic>
-      <p:cxnSp>
-        <p:nvCxnSpPr>
-          <p:cNvPr id="25" name="Straight Connector 24">
-            <a:extLst>
-              <a:ext uri="{FF2B5EF4-FFF2-40B4-BE49-F238E27FC236}">
-                <a16:creationId xmlns:a16="http://schemas.microsoft.com/office/drawing/2014/main" id="{3256C6C3-0EDC-4651-AB37-9F26CFAA6C86}"/>
-              </a:ext>
-              <a:ext uri="{C183D7F6-B498-43B3-948B-1728B52AA6E4}">
-                <adec:decorative xmlns:adec="http://schemas.microsoft.com/office/drawing/2017/decorative" val="1"/>
-              </a:ext>
-            </a:extLst>
-          </p:cNvPr>
-          <p:cNvCxnSpPr>
-            <a:cxnSpLocks noGrp="1" noRot="1" noChangeAspect="1" noMove="1" noResize="1" noEditPoints="1" noAdjustHandles="1" noChangeArrowheads="1" noChangeShapeType="1"/>
-          </p:cNvCxnSpPr>
-          <p:nvPr>
-            <p:extLst>
-              <p:ext uri="{386F3935-93C4-4BCD-93E2-E3B085C9AB24}">
-                <p16:designElem xmlns:p16="http://schemas.microsoft.com/office/powerpoint/2015/main" val="1"/>
-              </p:ext>
-            </p:extLst>
-          </p:nvPr>
-        </p:nvCxnSpPr>
-        <p:spPr>
-          <a:xfrm>
-            <a:off x="0" y="6128413"/>
-            <a:ext cx="12192000" cy="0"/>
-          </a:xfrm>
-          <a:prstGeom prst="line">
-            <a:avLst/>
-          </a:prstGeom>
-          <a:ln w="12700">
-            <a:solidFill>
-              <a:srgbClr val="000001">
-                <a:alpha val="20000"/>
-              </a:srgbClr>
-            </a:solidFill>
-          </a:ln>
-        </p:spPr>
-        <p:style>
-          <a:lnRef idx="1">
-            <a:schemeClr val="accent1"/>
-          </a:lnRef>
-          <a:fillRef idx="0">
-            <a:schemeClr val="accent1"/>
-          </a:fillRef>
-          <a:effectRef idx="0">
-            <a:schemeClr val="accent1"/>
-          </a:effectRef>
-          <a:fontRef idx="minor">
-            <a:schemeClr val="tx1"/>
-          </a:fontRef>
-        </p:style>
-      </p:cxnSp>
     </p:spTree>
     <p:extLst>
       <p:ext uri="{BB962C8B-B14F-4D97-AF65-F5344CB8AC3E}">
-        <p14:creationId xmlns:p14="http://schemas.microsoft.com/office/powerpoint/2010/main" val="4244303271"/>
+        <p14:creationId xmlns:p14="http://schemas.microsoft.com/office/powerpoint/2010/main" val="3414447003"/>
       </p:ext>
     </p:extLst>
   </p:cSld>
@@ -7284,7 +6951,7 @@
                 <a:ea typeface="Calibri" panose="020F0502020204030204" pitchFamily="34" charset="0"/>
                 <a:cs typeface="Calibri" panose="020F0502020204030204" pitchFamily="34" charset="0"/>
               </a:rPr>
-              <a:t>CI/CD Implementation</a:t>
+              <a:t>Cloud Native Infrastructure</a:t>
             </a:r>
           </a:p>
         </p:txBody>
@@ -7477,7 +7144,7 @@
     </p:spTree>
     <p:extLst>
       <p:ext uri="{BB962C8B-B14F-4D97-AF65-F5344CB8AC3E}">
-        <p14:creationId xmlns:p14="http://schemas.microsoft.com/office/powerpoint/2010/main" val="1704789148"/>
+        <p14:creationId xmlns:p14="http://schemas.microsoft.com/office/powerpoint/2010/main" val="4244303271"/>
       </p:ext>
     </p:extLst>
   </p:cSld>
@@ -7915,7 +7582,7 @@
                 <a:ea typeface="Calibri" panose="020F0502020204030204" pitchFamily="34" charset="0"/>
                 <a:cs typeface="Calibri" panose="020F0502020204030204" pitchFamily="34" charset="0"/>
               </a:rPr>
-              <a:t>Deployment Strategies</a:t>
+              <a:t>CI/CD Implementation</a:t>
             </a:r>
           </a:p>
         </p:txBody>
@@ -8108,7 +7775,7 @@
     </p:spTree>
     <p:extLst>
       <p:ext uri="{BB962C8B-B14F-4D97-AF65-F5344CB8AC3E}">
-        <p14:creationId xmlns:p14="http://schemas.microsoft.com/office/powerpoint/2010/main" val="3983306791"/>
+        <p14:creationId xmlns:p14="http://schemas.microsoft.com/office/powerpoint/2010/main" val="1704789148"/>
       </p:ext>
     </p:extLst>
   </p:cSld>
@@ -8673,6 +8340,637 @@
 </file>
 
 <file path=ppt/slides/slide20.xml><?xml version="1.0" encoding="utf-8"?>
+<p:sld xmlns:a="http://schemas.openxmlformats.org/drawingml/2006/main" xmlns:r="http://schemas.openxmlformats.org/officeDocument/2006/relationships" xmlns:p="http://schemas.openxmlformats.org/presentationml/2006/main">
+  <p:cSld>
+    <p:bg>
+      <p:bgPr>
+        <a:gradFill rotWithShape="1">
+          <a:gsLst>
+            <a:gs pos="0">
+              <a:schemeClr val="bg2">
+                <a:tint val="94000"/>
+                <a:satMod val="80000"/>
+                <a:lumMod val="106000"/>
+              </a:schemeClr>
+            </a:gs>
+            <a:gs pos="100000">
+              <a:schemeClr val="bg2">
+                <a:shade val="80000"/>
+              </a:schemeClr>
+            </a:gs>
+          </a:gsLst>
+          <a:path path="circle">
+            <a:fillToRect l="43000" r="43000" b="100000"/>
+          </a:path>
+        </a:gradFill>
+        <a:effectLst/>
+      </p:bgPr>
+    </p:bg>
+    <p:spTree>
+      <p:nvGrpSpPr>
+        <p:cNvPr id="1" name=""/>
+        <p:cNvGrpSpPr/>
+        <p:nvPr/>
+      </p:nvGrpSpPr>
+      <p:grpSpPr>
+        <a:xfrm>
+          <a:off x="0" y="0"/>
+          <a:ext cx="0" cy="0"/>
+          <a:chOff x="0" y="0"/>
+          <a:chExt cx="0" cy="0"/>
+        </a:xfrm>
+      </p:grpSpPr>
+      <p:sp>
+        <p:nvSpPr>
+          <p:cNvPr id="9" name="Rectangle 8">
+            <a:extLst>
+              <a:ext uri="{FF2B5EF4-FFF2-40B4-BE49-F238E27FC236}">
+                <a16:creationId xmlns:a16="http://schemas.microsoft.com/office/drawing/2014/main" id="{0CABCAE3-64FC-4149-819F-2C1812824154}"/>
+              </a:ext>
+              <a:ext uri="{C183D7F6-B498-43B3-948B-1728B52AA6E4}">
+                <adec:decorative xmlns:adec="http://schemas.microsoft.com/office/drawing/2017/decorative" val="1"/>
+              </a:ext>
+            </a:extLst>
+          </p:cNvPr>
+          <p:cNvSpPr>
+            <a:spLocks noGrp="1" noRot="1" noChangeAspect="1" noMove="1" noResize="1" noEditPoints="1" noAdjustHandles="1" noChangeArrowheads="1" noChangeShapeType="1" noTextEdit="1"/>
+          </p:cNvSpPr>
+          <p:nvPr>
+            <p:extLst>
+              <p:ext uri="{386F3935-93C4-4BCD-93E2-E3B085C9AB24}">
+                <p16:designElem xmlns:p16="http://schemas.microsoft.com/office/powerpoint/2015/main" val="1"/>
+              </p:ext>
+            </p:extLst>
+          </p:nvPr>
+        </p:nvSpPr>
+        <p:spPr>
+          <a:xfrm>
+            <a:off x="0" y="2019476"/>
+            <a:ext cx="12192000" cy="4105941"/>
+          </a:xfrm>
+          <a:prstGeom prst="rect">
+            <a:avLst/>
+          </a:prstGeom>
+          <a:gradFill flip="none" rotWithShape="1">
+            <a:gsLst>
+              <a:gs pos="0">
+                <a:schemeClr val="bg2">
+                  <a:alpha val="0"/>
+                </a:schemeClr>
+              </a:gs>
+              <a:gs pos="100000">
+                <a:schemeClr val="bg2"/>
+              </a:gs>
+            </a:gsLst>
+            <a:lin ang="5400000" scaled="0"/>
+            <a:tileRect/>
+          </a:gradFill>
+          <a:ln>
+            <a:noFill/>
+          </a:ln>
+        </p:spPr>
+        <p:style>
+          <a:lnRef idx="2">
+            <a:schemeClr val="accent1">
+              <a:shade val="50000"/>
+            </a:schemeClr>
+          </a:lnRef>
+          <a:fillRef idx="1">
+            <a:schemeClr val="accent1"/>
+          </a:fillRef>
+          <a:effectRef idx="0">
+            <a:schemeClr val="accent1"/>
+          </a:effectRef>
+          <a:fontRef idx="minor">
+            <a:schemeClr val="lt1"/>
+          </a:fontRef>
+        </p:style>
+        <p:txBody>
+          <a:bodyPr/>
+          <a:lstStyle/>
+          <a:p>
+            <a:endParaRPr lang="en-US"/>
+          </a:p>
+        </p:txBody>
+      </p:sp>
+      <p:pic>
+        <p:nvPicPr>
+          <p:cNvPr id="11" name="Picture 10">
+            <a:extLst>
+              <a:ext uri="{FF2B5EF4-FFF2-40B4-BE49-F238E27FC236}">
+                <a16:creationId xmlns:a16="http://schemas.microsoft.com/office/drawing/2014/main" id="{012FDCFE-9AD2-4D8A-8CBF-B3AA37EBF6DD}"/>
+              </a:ext>
+              <a:ext uri="{C183D7F6-B498-43B3-948B-1728B52AA6E4}">
+                <adec:decorative xmlns:adec="http://schemas.microsoft.com/office/drawing/2017/decorative" val="1"/>
+              </a:ext>
+            </a:extLst>
+          </p:cNvPr>
+          <p:cNvPicPr>
+            <a:picLocks noGrp="1" noRot="1" noChangeAspect="1" noMove="1" noResize="1" noEditPoints="1" noAdjustHandles="1" noChangeArrowheads="1" noChangeShapeType="1" noCrop="1"/>
+          </p:cNvPicPr>
+          <p:nvPr>
+            <p:extLst>
+              <p:ext uri="{386F3935-93C4-4BCD-93E2-E3B085C9AB24}">
+                <p16:designElem xmlns:p16="http://schemas.microsoft.com/office/powerpoint/2015/main" val="1"/>
+              </p:ext>
+            </p:extLst>
+          </p:nvPr>
+        </p:nvPicPr>
+        <p:blipFill rotWithShape="1">
+          <a:blip r:embed="rId2">
+            <a:extLst>
+              <a:ext uri="{28A0092B-C50C-407E-A947-70E740481C1C}">
+                <a14:useLocalDpi xmlns:a14="http://schemas.microsoft.com/office/drawing/2010/main" val="0"/>
+              </a:ext>
+            </a:extLst>
+          </a:blip>
+          <a:srcRect t="1538" b="-1538"/>
+          <a:stretch/>
+        </p:blipFill>
+        <p:spPr bwMode="black">
+          <a:xfrm>
+            <a:off x="0" y="6126480"/>
+            <a:ext cx="12192000" cy="742950"/>
+          </a:xfrm>
+          <a:prstGeom prst="rect">
+            <a:avLst/>
+          </a:prstGeom>
+        </p:spPr>
+      </p:pic>
+      <p:cxnSp>
+        <p:nvCxnSpPr>
+          <p:cNvPr id="13" name="Straight Connector 12">
+            <a:extLst>
+              <a:ext uri="{FF2B5EF4-FFF2-40B4-BE49-F238E27FC236}">
+                <a16:creationId xmlns:a16="http://schemas.microsoft.com/office/drawing/2014/main" id="{FBD463FC-4CA8-4FF4-85A3-AF9F4B98D210}"/>
+              </a:ext>
+              <a:ext uri="{C183D7F6-B498-43B3-948B-1728B52AA6E4}">
+                <adec:decorative xmlns:adec="http://schemas.microsoft.com/office/drawing/2017/decorative" val="1"/>
+              </a:ext>
+            </a:extLst>
+          </p:cNvPr>
+          <p:cNvCxnSpPr>
+            <a:cxnSpLocks noGrp="1" noRot="1" noChangeAspect="1" noMove="1" noResize="1" noEditPoints="1" noAdjustHandles="1" noChangeArrowheads="1" noChangeShapeType="1"/>
+          </p:cNvCxnSpPr>
+          <p:nvPr>
+            <p:extLst>
+              <p:ext uri="{386F3935-93C4-4BCD-93E2-E3B085C9AB24}">
+                <p16:designElem xmlns:p16="http://schemas.microsoft.com/office/powerpoint/2015/main" val="1"/>
+              </p:ext>
+            </p:extLst>
+          </p:nvPr>
+        </p:nvCxnSpPr>
+        <p:spPr>
+          <a:xfrm>
+            <a:off x="0" y="6128413"/>
+            <a:ext cx="12192000" cy="0"/>
+          </a:xfrm>
+          <a:prstGeom prst="line">
+            <a:avLst/>
+          </a:prstGeom>
+          <a:ln w="12700">
+            <a:solidFill>
+              <a:srgbClr val="000001">
+                <a:alpha val="20000"/>
+              </a:srgbClr>
+            </a:solidFill>
+          </a:ln>
+        </p:spPr>
+        <p:style>
+          <a:lnRef idx="1">
+            <a:schemeClr val="accent1"/>
+          </a:lnRef>
+          <a:fillRef idx="0">
+            <a:schemeClr val="accent1"/>
+          </a:fillRef>
+          <a:effectRef idx="0">
+            <a:schemeClr val="accent1"/>
+          </a:effectRef>
+          <a:fontRef idx="minor">
+            <a:schemeClr val="tx1"/>
+          </a:fontRef>
+        </p:style>
+      </p:cxnSp>
+      <p:cxnSp>
+        <p:nvCxnSpPr>
+          <p:cNvPr id="15" name="Straight Connector 14">
+            <a:extLst>
+              <a:ext uri="{FF2B5EF4-FFF2-40B4-BE49-F238E27FC236}">
+                <a16:creationId xmlns:a16="http://schemas.microsoft.com/office/drawing/2014/main" id="{BECF35C3-8B44-4F4B-BD25-4C01823DB22A}"/>
+              </a:ext>
+              <a:ext uri="{C183D7F6-B498-43B3-948B-1728B52AA6E4}">
+                <adec:decorative xmlns:adec="http://schemas.microsoft.com/office/drawing/2017/decorative" val="1"/>
+              </a:ext>
+            </a:extLst>
+          </p:cNvPr>
+          <p:cNvCxnSpPr>
+            <a:cxnSpLocks noGrp="1" noRot="1" noChangeAspect="1" noMove="1" noResize="1" noEditPoints="1" noAdjustHandles="1" noChangeArrowheads="1" noChangeShapeType="1"/>
+          </p:cNvCxnSpPr>
+          <p:nvPr>
+            <p:extLst>
+              <p:ext uri="{386F3935-93C4-4BCD-93E2-E3B085C9AB24}">
+                <p16:designElem xmlns:p16="http://schemas.microsoft.com/office/powerpoint/2015/main" val="1"/>
+              </p:ext>
+            </p:extLst>
+          </p:nvPr>
+        </p:nvCxnSpPr>
+        <p:spPr>
+          <a:xfrm>
+            <a:off x="2417780" y="3528542"/>
+            <a:ext cx="8637072" cy="0"/>
+          </a:xfrm>
+          <a:prstGeom prst="line">
+            <a:avLst/>
+          </a:prstGeom>
+          <a:ln w="31750"/>
+        </p:spPr>
+        <p:style>
+          <a:lnRef idx="3">
+            <a:schemeClr val="accent1"/>
+          </a:lnRef>
+          <a:fillRef idx="0">
+            <a:schemeClr val="accent1"/>
+          </a:fillRef>
+          <a:effectRef idx="2">
+            <a:schemeClr val="accent1"/>
+          </a:effectRef>
+          <a:fontRef idx="minor">
+            <a:schemeClr val="tx1"/>
+          </a:fontRef>
+        </p:style>
+      </p:cxnSp>
+      <p:sp useBgFill="1">
+        <p:nvSpPr>
+          <p:cNvPr id="17" name="Rectangle 16">
+            <a:extLst>
+              <a:ext uri="{FF2B5EF4-FFF2-40B4-BE49-F238E27FC236}">
+                <a16:creationId xmlns:a16="http://schemas.microsoft.com/office/drawing/2014/main" id="{8BC298DB-2D5C-40A1-9A78-6B4A12198A9B}"/>
+              </a:ext>
+              <a:ext uri="{C183D7F6-B498-43B3-948B-1728B52AA6E4}">
+                <adec:decorative xmlns:adec="http://schemas.microsoft.com/office/drawing/2017/decorative" val="1"/>
+              </a:ext>
+            </a:extLst>
+          </p:cNvPr>
+          <p:cNvSpPr>
+            <a:spLocks noGrp="1" noRot="1" noChangeAspect="1" noMove="1" noResize="1" noEditPoints="1" noAdjustHandles="1" noChangeArrowheads="1" noChangeShapeType="1" noTextEdit="1"/>
+          </p:cNvSpPr>
+          <p:nvPr>
+            <p:extLst>
+              <p:ext uri="{386F3935-93C4-4BCD-93E2-E3B085C9AB24}">
+                <p16:designElem xmlns:p16="http://schemas.microsoft.com/office/powerpoint/2015/main" val="1"/>
+              </p:ext>
+            </p:extLst>
+          </p:nvPr>
+        </p:nvSpPr>
+        <p:spPr>
+          <a:xfrm>
+            <a:off x="2" y="0"/>
+            <a:ext cx="12191695" cy="6858000"/>
+          </a:xfrm>
+          <a:prstGeom prst="rect">
+            <a:avLst/>
+          </a:prstGeom>
+          <a:ln>
+            <a:noFill/>
+          </a:ln>
+        </p:spPr>
+        <p:style>
+          <a:lnRef idx="2">
+            <a:schemeClr val="accent1">
+              <a:shade val="50000"/>
+            </a:schemeClr>
+          </a:lnRef>
+          <a:fillRef idx="1">
+            <a:schemeClr val="accent1"/>
+          </a:fillRef>
+          <a:effectRef idx="0">
+            <a:schemeClr val="accent1"/>
+          </a:effectRef>
+          <a:fontRef idx="minor">
+            <a:schemeClr val="lt1"/>
+          </a:fontRef>
+        </p:style>
+        <p:txBody>
+          <a:bodyPr rtlCol="0" anchor="ctr"/>
+          <a:lstStyle/>
+          <a:p>
+            <a:pPr algn="ctr"/>
+            <a:endParaRPr lang="en-US"/>
+          </a:p>
+        </p:txBody>
+      </p:sp>
+      <p:sp>
+        <p:nvSpPr>
+          <p:cNvPr id="19" name="Rectangle 18">
+            <a:extLst>
+              <a:ext uri="{FF2B5EF4-FFF2-40B4-BE49-F238E27FC236}">
+                <a16:creationId xmlns:a16="http://schemas.microsoft.com/office/drawing/2014/main" id="{35C2355B-7CE9-4192-9142-A41CA0A0C08B}"/>
+              </a:ext>
+              <a:ext uri="{C183D7F6-B498-43B3-948B-1728B52AA6E4}">
+                <adec:decorative xmlns:adec="http://schemas.microsoft.com/office/drawing/2017/decorative" val="1"/>
+              </a:ext>
+            </a:extLst>
+          </p:cNvPr>
+          <p:cNvSpPr>
+            <a:spLocks noGrp="1" noRot="1" noChangeAspect="1" noMove="1" noResize="1" noEditPoints="1" noAdjustHandles="1" noChangeArrowheads="1" noChangeShapeType="1" noTextEdit="1"/>
+          </p:cNvSpPr>
+          <p:nvPr>
+            <p:extLst>
+              <p:ext uri="{386F3935-93C4-4BCD-93E2-E3B085C9AB24}">
+                <p16:designElem xmlns:p16="http://schemas.microsoft.com/office/powerpoint/2015/main" val="1"/>
+              </p:ext>
+            </p:extLst>
+          </p:nvPr>
+        </p:nvSpPr>
+        <p:spPr>
+          <a:xfrm>
+            <a:off x="0" y="2019476"/>
+            <a:ext cx="12192000" cy="4105941"/>
+          </a:xfrm>
+          <a:prstGeom prst="rect">
+            <a:avLst/>
+          </a:prstGeom>
+          <a:gradFill flip="none" rotWithShape="1">
+            <a:gsLst>
+              <a:gs pos="0">
+                <a:schemeClr val="bg2">
+                  <a:alpha val="0"/>
+                </a:schemeClr>
+              </a:gs>
+              <a:gs pos="100000">
+                <a:schemeClr val="bg2"/>
+              </a:gs>
+            </a:gsLst>
+            <a:lin ang="5400000" scaled="0"/>
+            <a:tileRect/>
+          </a:gradFill>
+          <a:ln>
+            <a:noFill/>
+          </a:ln>
+        </p:spPr>
+        <p:style>
+          <a:lnRef idx="2">
+            <a:schemeClr val="accent1">
+              <a:shade val="50000"/>
+            </a:schemeClr>
+          </a:lnRef>
+          <a:fillRef idx="1">
+            <a:schemeClr val="accent1"/>
+          </a:fillRef>
+          <a:effectRef idx="0">
+            <a:schemeClr val="accent1"/>
+          </a:effectRef>
+          <a:fontRef idx="minor">
+            <a:schemeClr val="lt1"/>
+          </a:fontRef>
+        </p:style>
+        <p:txBody>
+          <a:bodyPr rtlCol="0" anchor="ctr"/>
+          <a:lstStyle/>
+          <a:p>
+            <a:pPr lvl="0" algn="ctr"/>
+            <a:endParaRPr lang="en-US"/>
+          </a:p>
+        </p:txBody>
+      </p:sp>
+      <p:sp>
+        <p:nvSpPr>
+          <p:cNvPr id="2" name="Title 1">
+            <a:extLst>
+              <a:ext uri="{FF2B5EF4-FFF2-40B4-BE49-F238E27FC236}">
+                <a16:creationId xmlns:a16="http://schemas.microsoft.com/office/drawing/2014/main" id="{3904F0A1-6473-022B-9E11-257E8278EF66}"/>
+              </a:ext>
+            </a:extLst>
+          </p:cNvPr>
+          <p:cNvSpPr>
+            <a:spLocks noGrp="1"/>
+          </p:cNvSpPr>
+          <p:nvPr>
+            <p:ph type="title"/>
+          </p:nvPr>
+        </p:nvSpPr>
+        <p:spPr>
+          <a:xfrm>
+            <a:off x="6585200" y="967167"/>
+            <a:ext cx="4151306" cy="2374516"/>
+          </a:xfrm>
+        </p:spPr>
+        <p:txBody>
+          <a:bodyPr vert="horz" lIns="91440" tIns="45720" rIns="91440" bIns="0" rtlCol="0" anchor="b">
+            <a:normAutofit/>
+          </a:bodyPr>
+          <a:lstStyle/>
+          <a:p>
+            <a:r>
+              <a:rPr lang="en-US" sz="3700" dirty="0">
+                <a:latin typeface="Calibri" panose="020F0502020204030204" pitchFamily="34" charset="0"/>
+                <a:ea typeface="Calibri" panose="020F0502020204030204" pitchFamily="34" charset="0"/>
+                <a:cs typeface="Calibri" panose="020F0502020204030204" pitchFamily="34" charset="0"/>
+              </a:rPr>
+              <a:t>Deployment Strategies</a:t>
+            </a:r>
+          </a:p>
+        </p:txBody>
+      </p:sp>
+      <p:pic>
+        <p:nvPicPr>
+          <p:cNvPr id="6" name="Graphic 5" descr="User">
+            <a:extLst>
+              <a:ext uri="{FF2B5EF4-FFF2-40B4-BE49-F238E27FC236}">
+                <a16:creationId xmlns:a16="http://schemas.microsoft.com/office/drawing/2014/main" id="{0F782309-2578-8AA0-7498-38713D34185A}"/>
+              </a:ext>
+            </a:extLst>
+          </p:cNvPr>
+          <p:cNvPicPr>
+            <a:picLocks noChangeAspect="1"/>
+          </p:cNvPicPr>
+          <p:nvPr/>
+        </p:nvPicPr>
+        <p:blipFill>
+          <a:blip r:embed="rId3">
+            <a:extLst>
+              <a:ext uri="{28A0092B-C50C-407E-A947-70E740481C1C}">
+                <a14:useLocalDpi xmlns:a14="http://schemas.microsoft.com/office/drawing/2010/main" val="0"/>
+              </a:ext>
+              <a:ext uri="{96DAC541-7B7A-43D3-8B79-37D633B846F1}">
+                <asvg:svgBlip xmlns:asvg="http://schemas.microsoft.com/office/drawing/2016/SVG/main" r:embed="rId4"/>
+              </a:ext>
+            </a:extLst>
+          </a:blip>
+          <a:stretch>
+            <a:fillRect/>
+          </a:stretch>
+        </p:blipFill>
+        <p:spPr>
+          <a:xfrm>
+            <a:off x="1279869" y="805583"/>
+            <a:ext cx="4660762" cy="4660762"/>
+          </a:xfrm>
+          <a:prstGeom prst="rect">
+            <a:avLst/>
+          </a:prstGeom>
+        </p:spPr>
+      </p:pic>
+      <p:cxnSp>
+        <p:nvCxnSpPr>
+          <p:cNvPr id="21" name="Straight Connector 20">
+            <a:extLst>
+              <a:ext uri="{FF2B5EF4-FFF2-40B4-BE49-F238E27FC236}">
+                <a16:creationId xmlns:a16="http://schemas.microsoft.com/office/drawing/2014/main" id="{06D05ED8-39E4-42F8-92CB-704C2BD0D215}"/>
+              </a:ext>
+              <a:ext uri="{C183D7F6-B498-43B3-948B-1728B52AA6E4}">
+                <adec:decorative xmlns:adec="http://schemas.microsoft.com/office/drawing/2017/decorative" val="1"/>
+              </a:ext>
+            </a:extLst>
+          </p:cNvPr>
+          <p:cNvCxnSpPr>
+            <a:cxnSpLocks noGrp="1" noRot="1" noChangeAspect="1" noMove="1" noResize="1" noEditPoints="1" noAdjustHandles="1" noChangeArrowheads="1" noChangeShapeType="1"/>
+          </p:cNvCxnSpPr>
+          <p:nvPr>
+            <p:extLst>
+              <p:ext uri="{386F3935-93C4-4BCD-93E2-E3B085C9AB24}">
+                <p16:designElem xmlns:p16="http://schemas.microsoft.com/office/powerpoint/2015/main" val="1"/>
+              </p:ext>
+            </p:extLst>
+          </p:nvPr>
+        </p:nvCxnSpPr>
+        <p:spPr>
+          <a:xfrm>
+            <a:off x="6579647" y="3526496"/>
+            <a:ext cx="4149931" cy="0"/>
+          </a:xfrm>
+          <a:prstGeom prst="line">
+            <a:avLst/>
+          </a:prstGeom>
+          <a:ln w="31750"/>
+        </p:spPr>
+        <p:style>
+          <a:lnRef idx="3">
+            <a:schemeClr val="accent1"/>
+          </a:lnRef>
+          <a:fillRef idx="0">
+            <a:schemeClr val="accent1"/>
+          </a:fillRef>
+          <a:effectRef idx="2">
+            <a:schemeClr val="accent1"/>
+          </a:effectRef>
+          <a:fontRef idx="minor">
+            <a:schemeClr val="tx1"/>
+          </a:fontRef>
+        </p:style>
+      </p:cxnSp>
+      <p:pic>
+        <p:nvPicPr>
+          <p:cNvPr id="23" name="Picture 22">
+            <a:extLst>
+              <a:ext uri="{FF2B5EF4-FFF2-40B4-BE49-F238E27FC236}">
+                <a16:creationId xmlns:a16="http://schemas.microsoft.com/office/drawing/2014/main" id="{45CE2E7C-6AA3-4710-825D-4CDDF788C7BC}"/>
+              </a:ext>
+              <a:ext uri="{C183D7F6-B498-43B3-948B-1728B52AA6E4}">
+                <adec:decorative xmlns:adec="http://schemas.microsoft.com/office/drawing/2017/decorative" val="1"/>
+              </a:ext>
+            </a:extLst>
+          </p:cNvPr>
+          <p:cNvPicPr>
+            <a:picLocks noGrp="1" noRot="1" noChangeAspect="1" noMove="1" noResize="1" noEditPoints="1" noAdjustHandles="1" noChangeArrowheads="1" noChangeShapeType="1" noCrop="1"/>
+          </p:cNvPicPr>
+          <p:nvPr>
+            <p:extLst>
+              <p:ext uri="{386F3935-93C4-4BCD-93E2-E3B085C9AB24}">
+                <p16:designElem xmlns:p16="http://schemas.microsoft.com/office/powerpoint/2015/main" val="1"/>
+              </p:ext>
+            </p:extLst>
+          </p:nvPr>
+        </p:nvPicPr>
+        <p:blipFill rotWithShape="1">
+          <a:blip r:embed="rId2">
+            <a:extLst>
+              <a:ext uri="{28A0092B-C50C-407E-A947-70E740481C1C}">
+                <a14:useLocalDpi xmlns:a14="http://schemas.microsoft.com/office/drawing/2010/main" val="0"/>
+              </a:ext>
+            </a:extLst>
+          </a:blip>
+          <a:srcRect t="1538" b="-1538"/>
+          <a:stretch/>
+        </p:blipFill>
+        <p:spPr bwMode="black">
+          <a:xfrm>
+            <a:off x="0" y="6126480"/>
+            <a:ext cx="12192000" cy="742950"/>
+          </a:xfrm>
+          <a:prstGeom prst="rect">
+            <a:avLst/>
+          </a:prstGeom>
+        </p:spPr>
+      </p:pic>
+      <p:cxnSp>
+        <p:nvCxnSpPr>
+          <p:cNvPr id="25" name="Straight Connector 24">
+            <a:extLst>
+              <a:ext uri="{FF2B5EF4-FFF2-40B4-BE49-F238E27FC236}">
+                <a16:creationId xmlns:a16="http://schemas.microsoft.com/office/drawing/2014/main" id="{3256C6C3-0EDC-4651-AB37-9F26CFAA6C86}"/>
+              </a:ext>
+              <a:ext uri="{C183D7F6-B498-43B3-948B-1728B52AA6E4}">
+                <adec:decorative xmlns:adec="http://schemas.microsoft.com/office/drawing/2017/decorative" val="1"/>
+              </a:ext>
+            </a:extLst>
+          </p:cNvPr>
+          <p:cNvCxnSpPr>
+            <a:cxnSpLocks noGrp="1" noRot="1" noChangeAspect="1" noMove="1" noResize="1" noEditPoints="1" noAdjustHandles="1" noChangeArrowheads="1" noChangeShapeType="1"/>
+          </p:cNvCxnSpPr>
+          <p:nvPr>
+            <p:extLst>
+              <p:ext uri="{386F3935-93C4-4BCD-93E2-E3B085C9AB24}">
+                <p16:designElem xmlns:p16="http://schemas.microsoft.com/office/powerpoint/2015/main" val="1"/>
+              </p:ext>
+            </p:extLst>
+          </p:nvPr>
+        </p:nvCxnSpPr>
+        <p:spPr>
+          <a:xfrm>
+            <a:off x="0" y="6128413"/>
+            <a:ext cx="12192000" cy="0"/>
+          </a:xfrm>
+          <a:prstGeom prst="line">
+            <a:avLst/>
+          </a:prstGeom>
+          <a:ln w="12700">
+            <a:solidFill>
+              <a:srgbClr val="000001">
+                <a:alpha val="20000"/>
+              </a:srgbClr>
+            </a:solidFill>
+          </a:ln>
+        </p:spPr>
+        <p:style>
+          <a:lnRef idx="1">
+            <a:schemeClr val="accent1"/>
+          </a:lnRef>
+          <a:fillRef idx="0">
+            <a:schemeClr val="accent1"/>
+          </a:fillRef>
+          <a:effectRef idx="0">
+            <a:schemeClr val="accent1"/>
+          </a:effectRef>
+          <a:fontRef idx="minor">
+            <a:schemeClr val="tx1"/>
+          </a:fontRef>
+        </p:style>
+      </p:cxnSp>
+    </p:spTree>
+    <p:extLst>
+      <p:ext uri="{BB962C8B-B14F-4D97-AF65-F5344CB8AC3E}">
+        <p14:creationId xmlns:p14="http://schemas.microsoft.com/office/powerpoint/2010/main" val="3983306791"/>
+      </p:ext>
+    </p:extLst>
+  </p:cSld>
+  <p:clrMapOvr>
+    <a:masterClrMapping/>
+  </p:clrMapOvr>
+</p:sld>
+</file>
+
+<file path=ppt/slides/slide21.xml><?xml version="1.0" encoding="utf-8"?>
 <p:sld xmlns:a="http://schemas.openxmlformats.org/drawingml/2006/main" xmlns:r="http://schemas.openxmlformats.org/officeDocument/2006/relationships" xmlns:p="http://schemas.openxmlformats.org/presentationml/2006/main">
   <p:cSld>
     <p:bg>

--- a/Lessons/Version Control, CI-CD & Cloud Native Infrastructure.pptx
+++ b/Lessons/Version Control, CI-CD & Cloud Native Infrastructure.pptx
@@ -19,36 +19,35 @@
     <p:sldId id="462" r:id="rId13"/>
     <p:sldId id="463" r:id="rId14"/>
     <p:sldId id="460" r:id="rId15"/>
-    <p:sldId id="464" r:id="rId16"/>
-    <p:sldId id="465" r:id="rId17"/>
-    <p:sldId id="466" r:id="rId18"/>
-    <p:sldId id="468" r:id="rId19"/>
-    <p:sldId id="469" r:id="rId20"/>
-    <p:sldId id="467" r:id="rId21"/>
-    <p:sldId id="459" r:id="rId22"/>
-    <p:sldId id="438" r:id="rId23"/>
-    <p:sldId id="470" r:id="rId24"/>
-    <p:sldId id="471" r:id="rId25"/>
-    <p:sldId id="472" r:id="rId26"/>
-    <p:sldId id="473" r:id="rId27"/>
-    <p:sldId id="475" r:id="rId28"/>
-    <p:sldId id="477" r:id="rId29"/>
-    <p:sldId id="478" r:id="rId30"/>
-    <p:sldId id="479" r:id="rId31"/>
-    <p:sldId id="480" r:id="rId32"/>
-    <p:sldId id="476" r:id="rId33"/>
-    <p:sldId id="481" r:id="rId34"/>
-    <p:sldId id="442" r:id="rId35"/>
-    <p:sldId id="483" r:id="rId36"/>
-    <p:sldId id="484" r:id="rId37"/>
-    <p:sldId id="485" r:id="rId38"/>
-    <p:sldId id="486" r:id="rId39"/>
-    <p:sldId id="487" r:id="rId40"/>
-    <p:sldId id="457" r:id="rId41"/>
-    <p:sldId id="488" r:id="rId42"/>
-    <p:sldId id="489" r:id="rId43"/>
-    <p:sldId id="490" r:id="rId44"/>
-    <p:sldId id="384" r:id="rId45"/>
+    <p:sldId id="465" r:id="rId16"/>
+    <p:sldId id="466" r:id="rId17"/>
+    <p:sldId id="468" r:id="rId18"/>
+    <p:sldId id="469" r:id="rId19"/>
+    <p:sldId id="467" r:id="rId20"/>
+    <p:sldId id="459" r:id="rId21"/>
+    <p:sldId id="438" r:id="rId22"/>
+    <p:sldId id="470" r:id="rId23"/>
+    <p:sldId id="471" r:id="rId24"/>
+    <p:sldId id="472" r:id="rId25"/>
+    <p:sldId id="473" r:id="rId26"/>
+    <p:sldId id="475" r:id="rId27"/>
+    <p:sldId id="477" r:id="rId28"/>
+    <p:sldId id="478" r:id="rId29"/>
+    <p:sldId id="479" r:id="rId30"/>
+    <p:sldId id="480" r:id="rId31"/>
+    <p:sldId id="476" r:id="rId32"/>
+    <p:sldId id="481" r:id="rId33"/>
+    <p:sldId id="442" r:id="rId34"/>
+    <p:sldId id="483" r:id="rId35"/>
+    <p:sldId id="484" r:id="rId36"/>
+    <p:sldId id="485" r:id="rId37"/>
+    <p:sldId id="486" r:id="rId38"/>
+    <p:sldId id="487" r:id="rId39"/>
+    <p:sldId id="457" r:id="rId40"/>
+    <p:sldId id="488" r:id="rId41"/>
+    <p:sldId id="489" r:id="rId42"/>
+    <p:sldId id="490" r:id="rId43"/>
+    <p:sldId id="384" r:id="rId44"/>
   </p:sldIdLst>
   <p:sldSz cx="12192000" cy="6858000"/>
   <p:notesSz cx="6858000" cy="9144000"/>
@@ -5717,304 +5716,6 @@
                 <a:latin typeface="Calibri" panose="020F0502020204030204" pitchFamily="34" charset="0"/>
                 <a:cs typeface="Calibri" panose="020F0502020204030204" pitchFamily="34" charset="0"/>
               </a:rPr>
-              <a:t>עבודה עם </a:t>
-            </a:r>
-            <a:r>
-              <a:rPr lang="en-US" sz="1600" b="1" dirty="0">
-                <a:latin typeface="Calibri" panose="020F0502020204030204" pitchFamily="34" charset="0"/>
-                <a:cs typeface="Calibri" panose="020F0502020204030204" pitchFamily="34" charset="0"/>
-              </a:rPr>
-              <a:t>Git</a:t>
-            </a:r>
-            <a:endParaRPr lang="he-IL" sz="1600" b="1" dirty="0">
-              <a:latin typeface="Calibri" panose="020F0502020204030204" pitchFamily="34" charset="0"/>
-              <a:cs typeface="Calibri" panose="020F0502020204030204" pitchFamily="34" charset="0"/>
-            </a:endParaRPr>
-          </a:p>
-          <a:p>
-            <a:pPr marL="414338" lvl="1" indent="-285750" algn="just" rtl="1">
-              <a:lnSpc>
-                <a:spcPct val="150000"/>
-              </a:lnSpc>
-              <a:buFont typeface="Wingdings" panose="05000000000000000000" pitchFamily="2" charset="2"/>
-              <a:buChar char="q"/>
-            </a:pPr>
-            <a:r>
-              <a:rPr lang="he-IL" sz="1400" dirty="0">
-                <a:latin typeface="Calibri" panose="020F0502020204030204" pitchFamily="34" charset="0"/>
-                <a:cs typeface="Calibri" panose="020F0502020204030204" pitchFamily="34" charset="0"/>
-              </a:rPr>
-              <a:t>יש להגדיר את השם והדואר האלקטרוני עבור </a:t>
-            </a:r>
-            <a:r>
-              <a:rPr lang="en-US" sz="1400" dirty="0">
-                <a:latin typeface="Calibri" panose="020F0502020204030204" pitchFamily="34" charset="0"/>
-                <a:cs typeface="Calibri" panose="020F0502020204030204" pitchFamily="34" charset="0"/>
-              </a:rPr>
-              <a:t>Git</a:t>
-            </a:r>
-            <a:r>
-              <a:rPr lang="he-IL" sz="1400" dirty="0">
-                <a:latin typeface="Calibri" panose="020F0502020204030204" pitchFamily="34" charset="0"/>
-                <a:cs typeface="Calibri" panose="020F0502020204030204" pitchFamily="34" charset="0"/>
-              </a:rPr>
-              <a:t> לשימוש בעת ביצוע </a:t>
-            </a:r>
-            <a:r>
-              <a:rPr lang="en-US" sz="1400" dirty="0">
-                <a:latin typeface="Calibri" panose="020F0502020204030204" pitchFamily="34" charset="0"/>
-                <a:cs typeface="Calibri" panose="020F0502020204030204" pitchFamily="34" charset="0"/>
-              </a:rPr>
-              <a:t>commit</a:t>
-            </a:r>
-            <a:r>
-              <a:rPr lang="he-IL" sz="1400" dirty="0">
-                <a:latin typeface="Calibri" panose="020F0502020204030204" pitchFamily="34" charset="0"/>
-                <a:ea typeface="Calibri" panose="020F0502020204030204" pitchFamily="34" charset="0"/>
-                <a:cs typeface="Calibri" panose="020F0502020204030204" pitchFamily="34" charset="0"/>
-              </a:rPr>
-              <a:t>:</a:t>
-            </a:r>
-          </a:p>
-          <a:p>
-            <a:pPr marL="871538" lvl="2" indent="-285750" algn="just" rtl="1">
-              <a:lnSpc>
-                <a:spcPct val="150000"/>
-              </a:lnSpc>
-              <a:buFont typeface="Wingdings" panose="05000000000000000000" pitchFamily="2" charset="2"/>
-              <a:buChar char="q"/>
-            </a:pPr>
-            <a:r>
-              <a:rPr lang="en-US" sz="1200" dirty="0">
-                <a:latin typeface="Calibri" panose="020F0502020204030204" pitchFamily="34" charset="0"/>
-                <a:ea typeface="Calibri" panose="020F0502020204030204" pitchFamily="34" charset="0"/>
-                <a:cs typeface="Calibri" panose="020F0502020204030204" pitchFamily="34" charset="0"/>
-              </a:rPr>
-              <a:t>git config --global user.name "Alex Gorbachov"</a:t>
-            </a:r>
-          </a:p>
-          <a:p>
-            <a:pPr marL="871538" lvl="2" indent="-285750" algn="just" rtl="1">
-              <a:lnSpc>
-                <a:spcPct val="150000"/>
-              </a:lnSpc>
-              <a:buFont typeface="Wingdings" panose="05000000000000000000" pitchFamily="2" charset="2"/>
-              <a:buChar char="q"/>
-            </a:pPr>
-            <a:r>
-              <a:rPr lang="en-US" sz="1200" dirty="0">
-                <a:latin typeface="Calibri" panose="020F0502020204030204" pitchFamily="34" charset="0"/>
-                <a:ea typeface="Calibri" panose="020F0502020204030204" pitchFamily="34" charset="0"/>
-                <a:cs typeface="Calibri" panose="020F0502020204030204" pitchFamily="34" charset="0"/>
-              </a:rPr>
-              <a:t>git config --global user.email agorbach@gmail.com</a:t>
-            </a:r>
-            <a:endParaRPr lang="he-IL" sz="1200" dirty="0">
-              <a:latin typeface="Calibri" panose="020F0502020204030204" pitchFamily="34" charset="0"/>
-              <a:ea typeface="Calibri" panose="020F0502020204030204" pitchFamily="34" charset="0"/>
-              <a:cs typeface="Calibri" panose="020F0502020204030204" pitchFamily="34" charset="0"/>
-            </a:endParaRPr>
-          </a:p>
-          <a:p>
-            <a:pPr marL="414338" lvl="1" indent="-285750" algn="just" rtl="1">
-              <a:lnSpc>
-                <a:spcPct val="150000"/>
-              </a:lnSpc>
-              <a:buFont typeface="Wingdings" panose="05000000000000000000" pitchFamily="2" charset="2"/>
-              <a:buChar char="q"/>
-            </a:pPr>
-            <a:r>
-              <a:rPr lang="he-IL" sz="1400" dirty="0">
-                <a:latin typeface="Calibri" panose="020F0502020204030204" pitchFamily="34" charset="0"/>
-                <a:ea typeface="Calibri" panose="020F0502020204030204" pitchFamily="34" charset="0"/>
-                <a:cs typeface="Calibri" panose="020F0502020204030204" pitchFamily="34" charset="0"/>
-              </a:rPr>
-              <a:t>יש להקליד </a:t>
-            </a:r>
-            <a:r>
-              <a:rPr lang="en-US" sz="1400" dirty="0">
-                <a:latin typeface="Calibri" panose="020F0502020204030204" pitchFamily="34" charset="0"/>
-                <a:ea typeface="Calibri" panose="020F0502020204030204" pitchFamily="34" charset="0"/>
-                <a:cs typeface="Calibri" panose="020F0502020204030204" pitchFamily="34" charset="0"/>
-              </a:rPr>
-              <a:t>git config --list </a:t>
-            </a:r>
-            <a:r>
-              <a:rPr lang="he-IL" sz="1400" dirty="0">
-                <a:latin typeface="Calibri" panose="020F0502020204030204" pitchFamily="34" charset="0"/>
-                <a:ea typeface="Calibri" panose="020F0502020204030204" pitchFamily="34" charset="0"/>
-                <a:cs typeface="Calibri" panose="020F0502020204030204" pitchFamily="34" charset="0"/>
-              </a:rPr>
-              <a:t>, כדי לוודא ששינויים נקלטו.</a:t>
-            </a:r>
-            <a:endParaRPr lang="en-US" sz="1400" dirty="0">
-              <a:latin typeface="Calibri" panose="020F0502020204030204" pitchFamily="34" charset="0"/>
-              <a:ea typeface="Calibri" panose="020F0502020204030204" pitchFamily="34" charset="0"/>
-              <a:cs typeface="Calibri" panose="020F0502020204030204" pitchFamily="34" charset="0"/>
-            </a:endParaRPr>
-          </a:p>
-          <a:p>
-            <a:pPr marL="414338" lvl="1" indent="-285750" algn="just">
-              <a:lnSpc>
-                <a:spcPct val="150000"/>
-              </a:lnSpc>
-              <a:buFont typeface="Wingdings" panose="05000000000000000000" pitchFamily="2" charset="2"/>
-              <a:buChar char="q"/>
-            </a:pPr>
-            <a:endParaRPr lang="he-IL" sz="1400" dirty="0">
-              <a:latin typeface="Calibri" panose="020F0502020204030204" pitchFamily="34" charset="0"/>
-              <a:ea typeface="Calibri" panose="020F0502020204030204" pitchFamily="34" charset="0"/>
-              <a:cs typeface="Calibri" panose="020F0502020204030204" pitchFamily="34" charset="0"/>
-            </a:endParaRPr>
-          </a:p>
-        </p:txBody>
-      </p:sp>
-      <p:pic>
-        <p:nvPicPr>
-          <p:cNvPr id="1026" name="Picture 2">
-            <a:extLst>
-              <a:ext uri="{FF2B5EF4-FFF2-40B4-BE49-F238E27FC236}">
-                <a16:creationId xmlns:a16="http://schemas.microsoft.com/office/drawing/2014/main" id="{9CDC6A8F-B082-2F54-471B-E26CE8EA2BA3}"/>
-              </a:ext>
-            </a:extLst>
-          </p:cNvPr>
-          <p:cNvPicPr>
-            <a:picLocks noChangeAspect="1" noChangeArrowheads="1"/>
-          </p:cNvPicPr>
-          <p:nvPr/>
-        </p:nvPicPr>
-        <p:blipFill rotWithShape="1">
-          <a:blip r:embed="rId2">
-            <a:extLst>
-              <a:ext uri="{28A0092B-C50C-407E-A947-70E740481C1C}">
-                <a14:useLocalDpi xmlns:a14="http://schemas.microsoft.com/office/drawing/2010/main" val="0"/>
-              </a:ext>
-            </a:extLst>
-          </a:blip>
-          <a:srcRect l="-11108" r="-11108"/>
-          <a:stretch/>
-        </p:blipFill>
-        <p:spPr bwMode="auto">
-          <a:xfrm>
-            <a:off x="448235" y="3048148"/>
-            <a:ext cx="3370729" cy="2072853"/>
-          </a:xfrm>
-          <a:prstGeom prst="rect">
-            <a:avLst/>
-          </a:prstGeom>
-          <a:noFill/>
-          <a:extLst>
-            <a:ext uri="{909E8E84-426E-40DD-AFC4-6F175D3DCCD1}">
-              <a14:hiddenFill xmlns:a14="http://schemas.microsoft.com/office/drawing/2010/main">
-                <a:solidFill>
-                  <a:srgbClr val="FFFFFF"/>
-                </a:solidFill>
-              </a14:hiddenFill>
-            </a:ext>
-          </a:extLst>
-        </p:spPr>
-      </p:pic>
-    </p:spTree>
-    <p:extLst>
-      <p:ext uri="{BB962C8B-B14F-4D97-AF65-F5344CB8AC3E}">
-        <p14:creationId xmlns:p14="http://schemas.microsoft.com/office/powerpoint/2010/main" val="2049263575"/>
-      </p:ext>
-    </p:extLst>
-  </p:cSld>
-  <p:clrMapOvr>
-    <a:masterClrMapping/>
-  </p:clrMapOvr>
-</p:sld>
-</file>
-
-<file path=ppt/slides/slide16.xml><?xml version="1.0" encoding="utf-8"?>
-<p:sld xmlns:a="http://schemas.openxmlformats.org/drawingml/2006/main" xmlns:r="http://schemas.openxmlformats.org/officeDocument/2006/relationships" xmlns:p="http://schemas.openxmlformats.org/presentationml/2006/main">
-  <p:cSld>
-    <p:spTree>
-      <p:nvGrpSpPr>
-        <p:cNvPr id="1" name=""/>
-        <p:cNvGrpSpPr/>
-        <p:nvPr/>
-      </p:nvGrpSpPr>
-      <p:grpSpPr>
-        <a:xfrm>
-          <a:off x="0" y="0"/>
-          <a:ext cx="0" cy="0"/>
-          <a:chOff x="0" y="0"/>
-          <a:chExt cx="0" cy="0"/>
-        </a:xfrm>
-      </p:grpSpPr>
-      <p:sp>
-        <p:nvSpPr>
-          <p:cNvPr id="2" name="Title 1">
-            <a:extLst>
-              <a:ext uri="{FF2B5EF4-FFF2-40B4-BE49-F238E27FC236}">
-                <a16:creationId xmlns:a16="http://schemas.microsoft.com/office/drawing/2014/main" id="{A8F39DBC-ED28-2B88-72EC-6260F5A12BB5}"/>
-              </a:ext>
-            </a:extLst>
-          </p:cNvPr>
-          <p:cNvSpPr>
-            <a:spLocks noGrp="1"/>
-          </p:cNvSpPr>
-          <p:nvPr>
-            <p:ph type="title"/>
-          </p:nvPr>
-        </p:nvSpPr>
-        <p:spPr/>
-        <p:txBody>
-          <a:bodyPr/>
-          <a:lstStyle/>
-          <a:p>
-            <a:pPr algn="l"/>
-            <a:r>
-              <a:rPr lang="en-US" dirty="0">
-                <a:latin typeface="Calibri" panose="020F0502020204030204" pitchFamily="34" charset="0"/>
-                <a:cs typeface="Calibri" panose="020F0502020204030204" pitchFamily="34" charset="0"/>
-              </a:rPr>
-              <a:t>Git &amp; GitHub Essentials</a:t>
-            </a:r>
-          </a:p>
-        </p:txBody>
-      </p:sp>
-      <p:sp>
-        <p:nvSpPr>
-          <p:cNvPr id="3" name="Content Placeholder 2">
-            <a:extLst>
-              <a:ext uri="{FF2B5EF4-FFF2-40B4-BE49-F238E27FC236}">
-                <a16:creationId xmlns:a16="http://schemas.microsoft.com/office/drawing/2014/main" id="{E2B82204-E16D-1E57-4022-B1CB131AC737}"/>
-              </a:ext>
-            </a:extLst>
-          </p:cNvPr>
-          <p:cNvSpPr>
-            <a:spLocks noGrp="1"/>
-          </p:cNvSpPr>
-          <p:nvPr>
-            <p:ph idx="1"/>
-          </p:nvPr>
-        </p:nvSpPr>
-        <p:spPr>
-          <a:xfrm>
-            <a:off x="4374776" y="2115670"/>
-            <a:ext cx="6680078" cy="3937811"/>
-          </a:xfrm>
-        </p:spPr>
-        <p:txBody>
-          <a:bodyPr>
-            <a:normAutofit/>
-          </a:bodyPr>
-          <a:lstStyle/>
-          <a:p>
-            <a:pPr marL="0" indent="0" algn="just" rtl="1">
-              <a:lnSpc>
-                <a:spcPct val="150000"/>
-              </a:lnSpc>
-              <a:buNone/>
-            </a:pPr>
-            <a:r>
-              <a:rPr lang="he-IL" sz="1600" b="1" dirty="0">
-                <a:latin typeface="Calibri" panose="020F0502020204030204" pitchFamily="34" charset="0"/>
-                <a:cs typeface="Calibri" panose="020F0502020204030204" pitchFamily="34" charset="0"/>
-              </a:rPr>
               <a:t>מושגי יסוד ב-</a:t>
             </a:r>
             <a:r>
@@ -6283,7 +5984,7 @@
 </p:sld>
 </file>
 
-<file path=ppt/slides/slide17.xml><?xml version="1.0" encoding="utf-8"?>
+<file path=ppt/slides/slide16.xml><?xml version="1.0" encoding="utf-8"?>
 <p:sld xmlns:a="http://schemas.openxmlformats.org/drawingml/2006/main" xmlns:r="http://schemas.openxmlformats.org/officeDocument/2006/relationships" xmlns:p="http://schemas.openxmlformats.org/presentationml/2006/main">
   <p:cSld>
     <p:spTree>
@@ -6433,7 +6134,7 @@
 </p:sld>
 </file>
 
-<file path=ppt/slides/slide18.xml><?xml version="1.0" encoding="utf-8"?>
+<file path=ppt/slides/slide17.xml><?xml version="1.0" encoding="utf-8"?>
 <p:sld xmlns:a="http://schemas.openxmlformats.org/drawingml/2006/main" xmlns:r="http://schemas.openxmlformats.org/officeDocument/2006/relationships" xmlns:p="http://schemas.openxmlformats.org/presentationml/2006/main">
   <p:cSld>
     <p:spTree>
@@ -7607,7 +7308,7 @@
 </p:sld>
 </file>
 
-<file path=ppt/slides/slide19.xml><?xml version="1.0" encoding="utf-8"?>
+<file path=ppt/slides/slide18.xml><?xml version="1.0" encoding="utf-8"?>
 <p:sld xmlns:a="http://schemas.openxmlformats.org/drawingml/2006/main" xmlns:r="http://schemas.openxmlformats.org/officeDocument/2006/relationships" xmlns:p="http://schemas.openxmlformats.org/presentationml/2006/main">
   <p:cSld>
     <p:spTree>
@@ -7846,6 +7547,158 @@
     <p:extLst>
       <p:ext uri="{BB962C8B-B14F-4D97-AF65-F5344CB8AC3E}">
         <p14:creationId xmlns:p14="http://schemas.microsoft.com/office/powerpoint/2010/main" val="3710054969"/>
+      </p:ext>
+    </p:extLst>
+  </p:cSld>
+  <p:clrMapOvr>
+    <a:masterClrMapping/>
+  </p:clrMapOvr>
+</p:sld>
+</file>
+
+<file path=ppt/slides/slide19.xml><?xml version="1.0" encoding="utf-8"?>
+<p:sld xmlns:a="http://schemas.openxmlformats.org/drawingml/2006/main" xmlns:r="http://schemas.openxmlformats.org/officeDocument/2006/relationships" xmlns:p="http://schemas.openxmlformats.org/presentationml/2006/main">
+  <p:cSld>
+    <p:spTree>
+      <p:nvGrpSpPr>
+        <p:cNvPr id="1" name=""/>
+        <p:cNvGrpSpPr/>
+        <p:nvPr/>
+      </p:nvGrpSpPr>
+      <p:grpSpPr>
+        <a:xfrm>
+          <a:off x="0" y="0"/>
+          <a:ext cx="0" cy="0"/>
+          <a:chOff x="0" y="0"/>
+          <a:chExt cx="0" cy="0"/>
+        </a:xfrm>
+      </p:grpSpPr>
+      <p:sp>
+        <p:nvSpPr>
+          <p:cNvPr id="2" name="Title 1">
+            <a:extLst>
+              <a:ext uri="{FF2B5EF4-FFF2-40B4-BE49-F238E27FC236}">
+                <a16:creationId xmlns:a16="http://schemas.microsoft.com/office/drawing/2014/main" id="{A8F39DBC-ED28-2B88-72EC-6260F5A12BB5}"/>
+              </a:ext>
+            </a:extLst>
+          </p:cNvPr>
+          <p:cNvSpPr>
+            <a:spLocks noGrp="1"/>
+          </p:cNvSpPr>
+          <p:nvPr>
+            <p:ph type="title"/>
+          </p:nvPr>
+        </p:nvSpPr>
+        <p:spPr/>
+        <p:txBody>
+          <a:bodyPr/>
+          <a:lstStyle/>
+          <a:p>
+            <a:pPr algn="l"/>
+            <a:r>
+              <a:rPr lang="en-US" dirty="0">
+                <a:latin typeface="Calibri" panose="020F0502020204030204" pitchFamily="34" charset="0"/>
+                <a:cs typeface="Calibri" panose="020F0502020204030204" pitchFamily="34" charset="0"/>
+              </a:rPr>
+              <a:t>Git &amp; GitHub Essentials</a:t>
+            </a:r>
+          </a:p>
+        </p:txBody>
+      </p:sp>
+      <p:sp>
+        <p:nvSpPr>
+          <p:cNvPr id="3" name="Content Placeholder 2">
+            <a:extLst>
+              <a:ext uri="{FF2B5EF4-FFF2-40B4-BE49-F238E27FC236}">
+                <a16:creationId xmlns:a16="http://schemas.microsoft.com/office/drawing/2014/main" id="{E2B82204-E16D-1E57-4022-B1CB131AC737}"/>
+              </a:ext>
+            </a:extLst>
+          </p:cNvPr>
+          <p:cNvSpPr>
+            <a:spLocks noGrp="1"/>
+          </p:cNvSpPr>
+          <p:nvPr>
+            <p:ph idx="1"/>
+          </p:nvPr>
+        </p:nvSpPr>
+        <p:spPr>
+          <a:xfrm>
+            <a:off x="4374776" y="2115670"/>
+            <a:ext cx="6680078" cy="3937811"/>
+          </a:xfrm>
+        </p:spPr>
+        <p:txBody>
+          <a:bodyPr>
+            <a:normAutofit/>
+          </a:bodyPr>
+          <a:lstStyle/>
+          <a:p>
+            <a:pPr marL="0" indent="0" algn="just" rtl="1">
+              <a:lnSpc>
+                <a:spcPct val="150000"/>
+              </a:lnSpc>
+              <a:buNone/>
+            </a:pPr>
+            <a:r>
+              <a:rPr lang="he-IL" sz="1600" b="1" dirty="0">
+                <a:latin typeface="Calibri" panose="020F0502020204030204" pitchFamily="34" charset="0"/>
+                <a:cs typeface="Calibri" panose="020F0502020204030204" pitchFamily="34" charset="0"/>
+              </a:rPr>
+              <a:t>אסטרטגיות </a:t>
+            </a:r>
+            <a:r>
+              <a:rPr lang="en-US" sz="1600" b="1" dirty="0">
+                <a:latin typeface="Calibri" panose="020F0502020204030204" pitchFamily="34" charset="0"/>
+                <a:cs typeface="Calibri" panose="020F0502020204030204" pitchFamily="34" charset="0"/>
+              </a:rPr>
+              <a:t>Branching</a:t>
+            </a:r>
+            <a:endParaRPr lang="he-IL" sz="1600" b="1" dirty="0">
+              <a:latin typeface="Calibri" panose="020F0502020204030204" pitchFamily="34" charset="0"/>
+              <a:cs typeface="Calibri" panose="020F0502020204030204" pitchFamily="34" charset="0"/>
+            </a:endParaRPr>
+          </a:p>
+        </p:txBody>
+      </p:sp>
+      <p:sp>
+        <p:nvSpPr>
+          <p:cNvPr id="4" name="object 2">
+            <a:extLst>
+              <a:ext uri="{FF2B5EF4-FFF2-40B4-BE49-F238E27FC236}">
+                <a16:creationId xmlns:a16="http://schemas.microsoft.com/office/drawing/2014/main" id="{40C4E4F4-6824-1A04-D318-A6EEC277BB55}"/>
+              </a:ext>
+            </a:extLst>
+          </p:cNvPr>
+          <p:cNvSpPr/>
+          <p:nvPr/>
+        </p:nvSpPr>
+        <p:spPr>
+          <a:xfrm>
+            <a:off x="2234045" y="2545975"/>
+            <a:ext cx="7723909" cy="3374213"/>
+          </a:xfrm>
+          <a:prstGeom prst="rect">
+            <a:avLst/>
+          </a:prstGeom>
+          <a:blipFill>
+            <a:blip r:embed="rId2" cstate="print"/>
+            <a:stretch>
+              <a:fillRect/>
+            </a:stretch>
+          </a:blipFill>
+        </p:spPr>
+        <p:txBody>
+          <a:bodyPr wrap="square" lIns="0" tIns="0" rIns="0" bIns="0" rtlCol="0"/>
+          <a:lstStyle/>
+          <a:p>
+            <a:endParaRPr/>
+          </a:p>
+        </p:txBody>
+      </p:sp>
+    </p:spTree>
+    <p:extLst>
+      <p:ext uri="{BB962C8B-B14F-4D97-AF65-F5344CB8AC3E}">
+        <p14:creationId xmlns:p14="http://schemas.microsoft.com/office/powerpoint/2010/main" val="723633562"/>
       </p:ext>
     </p:extLst>
   </p:cSld>
@@ -8493,158 +8346,6 @@
               <a:buNone/>
             </a:pPr>
             <a:r>
-              <a:rPr lang="he-IL" sz="1600" b="1" dirty="0">
-                <a:latin typeface="Calibri" panose="020F0502020204030204" pitchFamily="34" charset="0"/>
-                <a:cs typeface="Calibri" panose="020F0502020204030204" pitchFamily="34" charset="0"/>
-              </a:rPr>
-              <a:t>אסטרטגיות </a:t>
-            </a:r>
-            <a:r>
-              <a:rPr lang="en-US" sz="1600" b="1" dirty="0">
-                <a:latin typeface="Calibri" panose="020F0502020204030204" pitchFamily="34" charset="0"/>
-                <a:cs typeface="Calibri" panose="020F0502020204030204" pitchFamily="34" charset="0"/>
-              </a:rPr>
-              <a:t>Branching</a:t>
-            </a:r>
-            <a:endParaRPr lang="he-IL" sz="1600" b="1" dirty="0">
-              <a:latin typeface="Calibri" panose="020F0502020204030204" pitchFamily="34" charset="0"/>
-              <a:cs typeface="Calibri" panose="020F0502020204030204" pitchFamily="34" charset="0"/>
-            </a:endParaRPr>
-          </a:p>
-        </p:txBody>
-      </p:sp>
-      <p:sp>
-        <p:nvSpPr>
-          <p:cNvPr id="4" name="object 2">
-            <a:extLst>
-              <a:ext uri="{FF2B5EF4-FFF2-40B4-BE49-F238E27FC236}">
-                <a16:creationId xmlns:a16="http://schemas.microsoft.com/office/drawing/2014/main" id="{40C4E4F4-6824-1A04-D318-A6EEC277BB55}"/>
-              </a:ext>
-            </a:extLst>
-          </p:cNvPr>
-          <p:cNvSpPr/>
-          <p:nvPr/>
-        </p:nvSpPr>
-        <p:spPr>
-          <a:xfrm>
-            <a:off x="2234045" y="2545975"/>
-            <a:ext cx="7723909" cy="3374213"/>
-          </a:xfrm>
-          <a:prstGeom prst="rect">
-            <a:avLst/>
-          </a:prstGeom>
-          <a:blipFill>
-            <a:blip r:embed="rId2" cstate="print"/>
-            <a:stretch>
-              <a:fillRect/>
-            </a:stretch>
-          </a:blipFill>
-        </p:spPr>
-        <p:txBody>
-          <a:bodyPr wrap="square" lIns="0" tIns="0" rIns="0" bIns="0" rtlCol="0"/>
-          <a:lstStyle/>
-          <a:p>
-            <a:endParaRPr/>
-          </a:p>
-        </p:txBody>
-      </p:sp>
-    </p:spTree>
-    <p:extLst>
-      <p:ext uri="{BB962C8B-B14F-4D97-AF65-F5344CB8AC3E}">
-        <p14:creationId xmlns:p14="http://schemas.microsoft.com/office/powerpoint/2010/main" val="723633562"/>
-      </p:ext>
-    </p:extLst>
-  </p:cSld>
-  <p:clrMapOvr>
-    <a:masterClrMapping/>
-  </p:clrMapOvr>
-</p:sld>
-</file>
-
-<file path=ppt/slides/slide21.xml><?xml version="1.0" encoding="utf-8"?>
-<p:sld xmlns:a="http://schemas.openxmlformats.org/drawingml/2006/main" xmlns:r="http://schemas.openxmlformats.org/officeDocument/2006/relationships" xmlns:p="http://schemas.openxmlformats.org/presentationml/2006/main">
-  <p:cSld>
-    <p:spTree>
-      <p:nvGrpSpPr>
-        <p:cNvPr id="1" name=""/>
-        <p:cNvGrpSpPr/>
-        <p:nvPr/>
-      </p:nvGrpSpPr>
-      <p:grpSpPr>
-        <a:xfrm>
-          <a:off x="0" y="0"/>
-          <a:ext cx="0" cy="0"/>
-          <a:chOff x="0" y="0"/>
-          <a:chExt cx="0" cy="0"/>
-        </a:xfrm>
-      </p:grpSpPr>
-      <p:sp>
-        <p:nvSpPr>
-          <p:cNvPr id="2" name="Title 1">
-            <a:extLst>
-              <a:ext uri="{FF2B5EF4-FFF2-40B4-BE49-F238E27FC236}">
-                <a16:creationId xmlns:a16="http://schemas.microsoft.com/office/drawing/2014/main" id="{A8F39DBC-ED28-2B88-72EC-6260F5A12BB5}"/>
-              </a:ext>
-            </a:extLst>
-          </p:cNvPr>
-          <p:cNvSpPr>
-            <a:spLocks noGrp="1"/>
-          </p:cNvSpPr>
-          <p:nvPr>
-            <p:ph type="title"/>
-          </p:nvPr>
-        </p:nvSpPr>
-        <p:spPr/>
-        <p:txBody>
-          <a:bodyPr/>
-          <a:lstStyle/>
-          <a:p>
-            <a:pPr algn="l"/>
-            <a:r>
-              <a:rPr lang="en-US" dirty="0">
-                <a:latin typeface="Calibri" panose="020F0502020204030204" pitchFamily="34" charset="0"/>
-                <a:cs typeface="Calibri" panose="020F0502020204030204" pitchFamily="34" charset="0"/>
-              </a:rPr>
-              <a:t>Git &amp; GitHub Essentials</a:t>
-            </a:r>
-          </a:p>
-        </p:txBody>
-      </p:sp>
-      <p:sp>
-        <p:nvSpPr>
-          <p:cNvPr id="3" name="Content Placeholder 2">
-            <a:extLst>
-              <a:ext uri="{FF2B5EF4-FFF2-40B4-BE49-F238E27FC236}">
-                <a16:creationId xmlns:a16="http://schemas.microsoft.com/office/drawing/2014/main" id="{E2B82204-E16D-1E57-4022-B1CB131AC737}"/>
-              </a:ext>
-            </a:extLst>
-          </p:cNvPr>
-          <p:cNvSpPr>
-            <a:spLocks noGrp="1"/>
-          </p:cNvSpPr>
-          <p:nvPr>
-            <p:ph idx="1"/>
-          </p:nvPr>
-        </p:nvSpPr>
-        <p:spPr>
-          <a:xfrm>
-            <a:off x="4374776" y="2115670"/>
-            <a:ext cx="6680078" cy="3937811"/>
-          </a:xfrm>
-        </p:spPr>
-        <p:txBody>
-          <a:bodyPr>
-            <a:normAutofit/>
-          </a:bodyPr>
-          <a:lstStyle/>
-          <a:p>
-            <a:pPr marL="0" indent="0" algn="just" rtl="1">
-              <a:lnSpc>
-                <a:spcPct val="150000"/>
-              </a:lnSpc>
-              <a:buNone/>
-            </a:pPr>
-            <a:r>
               <a:rPr lang="en-US" sz="1600" b="1" dirty="0">
                 <a:latin typeface="Calibri" panose="020F0502020204030204" pitchFamily="34" charset="0"/>
                 <a:cs typeface="Calibri" panose="020F0502020204030204" pitchFamily="34" charset="0"/>
@@ -8868,7 +8569,7 @@
 </p:sld>
 </file>
 
-<file path=ppt/slides/slide22.xml><?xml version="1.0" encoding="utf-8"?>
+<file path=ppt/slides/slide21.xml><?xml version="1.0" encoding="utf-8"?>
 <p:sld xmlns:a="http://schemas.openxmlformats.org/drawingml/2006/main" xmlns:r="http://schemas.openxmlformats.org/officeDocument/2006/relationships" xmlns:p="http://schemas.openxmlformats.org/presentationml/2006/main">
   <p:cSld>
     <p:bg>
@@ -9499,7 +9200,7 @@
 </p:sld>
 </file>
 
-<file path=ppt/slides/slide23.xml><?xml version="1.0" encoding="utf-8"?>
+<file path=ppt/slides/slide22.xml><?xml version="1.0" encoding="utf-8"?>
 <p:sld xmlns:a="http://schemas.openxmlformats.org/drawingml/2006/main" xmlns:r="http://schemas.openxmlformats.org/officeDocument/2006/relationships" xmlns:p="http://schemas.openxmlformats.org/presentationml/2006/main">
   <p:cSld>
     <p:spTree>
@@ -9807,7 +9508,7 @@
 </p:sld>
 </file>
 
-<file path=ppt/slides/slide24.xml><?xml version="1.0" encoding="utf-8"?>
+<file path=ppt/slides/slide23.xml><?xml version="1.0" encoding="utf-8"?>
 <p:sld xmlns:a="http://schemas.openxmlformats.org/drawingml/2006/main" xmlns:r="http://schemas.openxmlformats.org/officeDocument/2006/relationships" xmlns:p="http://schemas.openxmlformats.org/presentationml/2006/main">
   <p:cSld>
     <p:spTree>
@@ -10038,7 +9739,7 @@
 </p:sld>
 </file>
 
-<file path=ppt/slides/slide25.xml><?xml version="1.0" encoding="utf-8"?>
+<file path=ppt/slides/slide24.xml><?xml version="1.0" encoding="utf-8"?>
 <p:sld xmlns:a="http://schemas.openxmlformats.org/drawingml/2006/main" xmlns:r="http://schemas.openxmlformats.org/officeDocument/2006/relationships" xmlns:p="http://schemas.openxmlformats.org/presentationml/2006/main">
   <p:cSld>
     <p:spTree>
@@ -10398,7 +10099,7 @@
 </p:sld>
 </file>
 
-<file path=ppt/slides/slide26.xml><?xml version="1.0" encoding="utf-8"?>
+<file path=ppt/slides/slide25.xml><?xml version="1.0" encoding="utf-8"?>
 <p:sld xmlns:a="http://schemas.openxmlformats.org/drawingml/2006/main" xmlns:r="http://schemas.openxmlformats.org/officeDocument/2006/relationships" xmlns:p="http://schemas.openxmlformats.org/presentationml/2006/main">
   <p:cSld>
     <p:spTree>
@@ -10658,7 +10359,7 @@
 </p:sld>
 </file>
 
-<file path=ppt/slides/slide27.xml><?xml version="1.0" encoding="utf-8"?>
+<file path=ppt/slides/slide26.xml><?xml version="1.0" encoding="utf-8"?>
 <p:sld xmlns:a="http://schemas.openxmlformats.org/drawingml/2006/main" xmlns:r="http://schemas.openxmlformats.org/officeDocument/2006/relationships" xmlns:p="http://schemas.openxmlformats.org/presentationml/2006/main">
   <p:cSld>
     <p:spTree>
@@ -10904,7 +10605,7 @@
 </p:sld>
 </file>
 
-<file path=ppt/slides/slide28.xml><?xml version="1.0" encoding="utf-8"?>
+<file path=ppt/slides/slide27.xml><?xml version="1.0" encoding="utf-8"?>
 <p:sld xmlns:a="http://schemas.openxmlformats.org/drawingml/2006/main" xmlns:r="http://schemas.openxmlformats.org/officeDocument/2006/relationships" xmlns:p="http://schemas.openxmlformats.org/presentationml/2006/main">
   <p:cSld>
     <p:spTree>
@@ -11193,7 +10894,7 @@
 </p:sld>
 </file>
 
-<file path=ppt/slides/slide29.xml><?xml version="1.0" encoding="utf-8"?>
+<file path=ppt/slides/slide28.xml><?xml version="1.0" encoding="utf-8"?>
 <p:sld xmlns:a="http://schemas.openxmlformats.org/drawingml/2006/main" xmlns:r="http://schemas.openxmlformats.org/officeDocument/2006/relationships" xmlns:p="http://schemas.openxmlformats.org/presentationml/2006/main">
   <p:cSld>
     <p:spTree>
@@ -11557,6 +11258,238 @@
     <p:extLst>
       <p:ext uri="{BB962C8B-B14F-4D97-AF65-F5344CB8AC3E}">
         <p14:creationId xmlns:p14="http://schemas.microsoft.com/office/powerpoint/2010/main" val="861710466"/>
+      </p:ext>
+    </p:extLst>
+  </p:cSld>
+  <p:clrMapOvr>
+    <a:masterClrMapping/>
+  </p:clrMapOvr>
+</p:sld>
+</file>
+
+<file path=ppt/slides/slide29.xml><?xml version="1.0" encoding="utf-8"?>
+<p:sld xmlns:a="http://schemas.openxmlformats.org/drawingml/2006/main" xmlns:r="http://schemas.openxmlformats.org/officeDocument/2006/relationships" xmlns:p="http://schemas.openxmlformats.org/presentationml/2006/main">
+  <p:cSld>
+    <p:spTree>
+      <p:nvGrpSpPr>
+        <p:cNvPr id="1" name=""/>
+        <p:cNvGrpSpPr/>
+        <p:nvPr/>
+      </p:nvGrpSpPr>
+      <p:grpSpPr>
+        <a:xfrm>
+          <a:off x="0" y="0"/>
+          <a:ext cx="0" cy="0"/>
+          <a:chOff x="0" y="0"/>
+          <a:chExt cx="0" cy="0"/>
+        </a:xfrm>
+      </p:grpSpPr>
+      <p:sp>
+        <p:nvSpPr>
+          <p:cNvPr id="2" name="Title 1">
+            <a:extLst>
+              <a:ext uri="{FF2B5EF4-FFF2-40B4-BE49-F238E27FC236}">
+                <a16:creationId xmlns:a16="http://schemas.microsoft.com/office/drawing/2014/main" id="{A8F39DBC-ED28-2B88-72EC-6260F5A12BB5}"/>
+              </a:ext>
+            </a:extLst>
+          </p:cNvPr>
+          <p:cNvSpPr>
+            <a:spLocks noGrp="1"/>
+          </p:cNvSpPr>
+          <p:nvPr>
+            <p:ph type="title"/>
+          </p:nvPr>
+        </p:nvSpPr>
+        <p:spPr/>
+        <p:txBody>
+          <a:bodyPr/>
+          <a:lstStyle/>
+          <a:p>
+            <a:pPr algn="l"/>
+            <a:r>
+              <a:rPr lang="en-US" dirty="0">
+                <a:latin typeface="Calibri" panose="020F0502020204030204" pitchFamily="34" charset="0"/>
+                <a:cs typeface="Calibri" panose="020F0502020204030204" pitchFamily="34" charset="0"/>
+              </a:rPr>
+              <a:t>Cloud Native Infrastructure</a:t>
+            </a:r>
+          </a:p>
+        </p:txBody>
+      </p:sp>
+      <p:sp>
+        <p:nvSpPr>
+          <p:cNvPr id="3" name="Content Placeholder 2">
+            <a:extLst>
+              <a:ext uri="{FF2B5EF4-FFF2-40B4-BE49-F238E27FC236}">
+                <a16:creationId xmlns:a16="http://schemas.microsoft.com/office/drawing/2014/main" id="{E2B82204-E16D-1E57-4022-B1CB131AC737}"/>
+              </a:ext>
+            </a:extLst>
+          </p:cNvPr>
+          <p:cNvSpPr>
+            <a:spLocks noGrp="1"/>
+          </p:cNvSpPr>
+          <p:nvPr>
+            <p:ph idx="1"/>
+          </p:nvPr>
+        </p:nvSpPr>
+        <p:spPr>
+          <a:xfrm>
+            <a:off x="6400800" y="2115670"/>
+            <a:ext cx="4654054" cy="3937811"/>
+          </a:xfrm>
+        </p:spPr>
+        <p:txBody>
+          <a:bodyPr>
+            <a:normAutofit/>
+          </a:bodyPr>
+          <a:lstStyle/>
+          <a:p>
+            <a:pPr marL="0" indent="0" algn="just" rtl="1">
+              <a:lnSpc>
+                <a:spcPct val="150000"/>
+              </a:lnSpc>
+              <a:buNone/>
+            </a:pPr>
+            <a:r>
+              <a:rPr lang="en-US" sz="1600" b="1" dirty="0">
+                <a:latin typeface="Calibri" panose="020F0502020204030204" pitchFamily="34" charset="0"/>
+                <a:cs typeface="Calibri" panose="020F0502020204030204" pitchFamily="34" charset="0"/>
+              </a:rPr>
+              <a:t>API Gateways</a:t>
+            </a:r>
+            <a:endParaRPr lang="he-IL" sz="1600" b="1" dirty="0">
+              <a:latin typeface="Calibri" panose="020F0502020204030204" pitchFamily="34" charset="0"/>
+              <a:cs typeface="Calibri" panose="020F0502020204030204" pitchFamily="34" charset="0"/>
+            </a:endParaRPr>
+          </a:p>
+          <a:p>
+            <a:pPr marL="128588" lvl="1" indent="0" algn="just" rtl="1">
+              <a:lnSpc>
+                <a:spcPct val="150000"/>
+              </a:lnSpc>
+              <a:buNone/>
+            </a:pPr>
+            <a:r>
+              <a:rPr lang="he-IL" sz="1400" dirty="0">
+                <a:latin typeface="Calibri" panose="020F0502020204030204" pitchFamily="34" charset="0"/>
+                <a:cs typeface="Calibri" panose="020F0502020204030204" pitchFamily="34" charset="0"/>
+              </a:rPr>
+              <a:t>עוד נקודות חשובות:</a:t>
+            </a:r>
+          </a:p>
+          <a:p>
+            <a:pPr marL="414338" lvl="1" indent="-285750" algn="just" rtl="1">
+              <a:lnSpc>
+                <a:spcPct val="150000"/>
+              </a:lnSpc>
+              <a:buFont typeface="Wingdings" panose="05000000000000000000" pitchFamily="2" charset="2"/>
+              <a:buChar char="q"/>
+            </a:pPr>
+            <a:r>
+              <a:rPr lang="he-IL" sz="1400" dirty="0">
+                <a:latin typeface="Calibri" panose="020F0502020204030204" pitchFamily="34" charset="0"/>
+                <a:cs typeface="Calibri" panose="020F0502020204030204" pitchFamily="34" charset="0"/>
+              </a:rPr>
+              <a:t>שערי </a:t>
+            </a:r>
+            <a:r>
+              <a:rPr lang="en-US" sz="1400" dirty="0">
+                <a:latin typeface="Calibri" panose="020F0502020204030204" pitchFamily="34" charset="0"/>
+                <a:cs typeface="Calibri" panose="020F0502020204030204" pitchFamily="34" charset="0"/>
+              </a:rPr>
+              <a:t>API</a:t>
+            </a:r>
+            <a:r>
+              <a:rPr lang="he-IL" sz="1400" dirty="0">
+                <a:latin typeface="Calibri" panose="020F0502020204030204" pitchFamily="34" charset="0"/>
+                <a:cs typeface="Calibri" panose="020F0502020204030204" pitchFamily="34" charset="0"/>
+              </a:rPr>
+              <a:t> משמשים לעתים קרובות בארכיטקטורות של מיקרו-שירותים.</a:t>
+            </a:r>
+          </a:p>
+          <a:p>
+            <a:pPr marL="414338" lvl="1" indent="-285750" algn="just" rtl="1">
+              <a:lnSpc>
+                <a:spcPct val="150000"/>
+              </a:lnSpc>
+              <a:buFont typeface="Wingdings" panose="05000000000000000000" pitchFamily="2" charset="2"/>
+              <a:buChar char="q"/>
+            </a:pPr>
+            <a:r>
+              <a:rPr lang="he-IL" sz="1400" dirty="0">
+                <a:latin typeface="Calibri" panose="020F0502020204030204" pitchFamily="34" charset="0"/>
+                <a:cs typeface="Calibri" panose="020F0502020204030204" pitchFamily="34" charset="0"/>
+              </a:rPr>
+              <a:t>ישנם פתרונות רבים ושונים לשערי </a:t>
+            </a:r>
+            <a:r>
+              <a:rPr lang="en-US" sz="1400" dirty="0">
+                <a:latin typeface="Calibri" panose="020F0502020204030204" pitchFamily="34" charset="0"/>
+                <a:cs typeface="Calibri" panose="020F0502020204030204" pitchFamily="34" charset="0"/>
+              </a:rPr>
+              <a:t>API</a:t>
+            </a:r>
+            <a:r>
+              <a:rPr lang="he-IL" sz="1400" dirty="0">
+                <a:latin typeface="Calibri" panose="020F0502020204030204" pitchFamily="34" charset="0"/>
+                <a:cs typeface="Calibri" panose="020F0502020204030204" pitchFamily="34" charset="0"/>
+              </a:rPr>
+              <a:t> זמינים, הן בקוד פתוח והן מסחריים.</a:t>
+            </a:r>
+          </a:p>
+        </p:txBody>
+      </p:sp>
+      <p:pic>
+        <p:nvPicPr>
+          <p:cNvPr id="11267" name="Picture 3" descr="API Gateway Pattern. In this article, we are going to talk… | by Mehmet  Ozkaya | Design Microservices Architecture with Patterns &amp; Principles |  Medium">
+            <a:extLst>
+              <a:ext uri="{FF2B5EF4-FFF2-40B4-BE49-F238E27FC236}">
+                <a16:creationId xmlns:a16="http://schemas.microsoft.com/office/drawing/2014/main" id="{6A645B61-BEFF-88C2-651B-738D3B61DDE5}"/>
+              </a:ext>
+            </a:extLst>
+          </p:cNvPr>
+          <p:cNvPicPr>
+            <a:picLocks noChangeAspect="1" noChangeArrowheads="1"/>
+          </p:cNvPicPr>
+          <p:nvPr/>
+        </p:nvPicPr>
+        <p:blipFill>
+          <a:blip r:embed="rId2">
+            <a:extLst>
+              <a:ext uri="{28A0092B-C50C-407E-A947-70E740481C1C}">
+                <a14:useLocalDpi xmlns:a14="http://schemas.microsoft.com/office/drawing/2010/main" val="0"/>
+              </a:ext>
+            </a:extLst>
+          </a:blip>
+          <a:srcRect/>
+          <a:stretch>
+            <a:fillRect/>
+          </a:stretch>
+        </p:blipFill>
+        <p:spPr bwMode="auto">
+          <a:xfrm>
+            <a:off x="667809" y="2443753"/>
+            <a:ext cx="5732991" cy="3281643"/>
+          </a:xfrm>
+          <a:prstGeom prst="rect">
+            <a:avLst/>
+          </a:prstGeom>
+          <a:noFill/>
+          <a:extLst>
+            <a:ext uri="{909E8E84-426E-40DD-AFC4-6F175D3DCCD1}">
+              <a14:hiddenFill xmlns:a14="http://schemas.microsoft.com/office/drawing/2010/main">
+                <a:solidFill>
+                  <a:srgbClr val="FFFFFF"/>
+                </a:solidFill>
+              </a14:hiddenFill>
+            </a:ext>
+          </a:extLst>
+        </p:spPr>
+      </p:pic>
+    </p:spTree>
+    <p:extLst>
+      <p:ext uri="{BB962C8B-B14F-4D97-AF65-F5344CB8AC3E}">
+        <p14:creationId xmlns:p14="http://schemas.microsoft.com/office/powerpoint/2010/main" val="1149733181"/>
       </p:ext>
     </p:extLst>
   </p:cSld>
@@ -12093,238 +12026,6 @@
         </p:nvSpPr>
         <p:spPr>
           <a:xfrm>
-            <a:off x="6400800" y="2115670"/>
-            <a:ext cx="4654054" cy="3937811"/>
-          </a:xfrm>
-        </p:spPr>
-        <p:txBody>
-          <a:bodyPr>
-            <a:normAutofit/>
-          </a:bodyPr>
-          <a:lstStyle/>
-          <a:p>
-            <a:pPr marL="0" indent="0" algn="just" rtl="1">
-              <a:lnSpc>
-                <a:spcPct val="150000"/>
-              </a:lnSpc>
-              <a:buNone/>
-            </a:pPr>
-            <a:r>
-              <a:rPr lang="en-US" sz="1600" b="1" dirty="0">
-                <a:latin typeface="Calibri" panose="020F0502020204030204" pitchFamily="34" charset="0"/>
-                <a:cs typeface="Calibri" panose="020F0502020204030204" pitchFamily="34" charset="0"/>
-              </a:rPr>
-              <a:t>API Gateways</a:t>
-            </a:r>
-            <a:endParaRPr lang="he-IL" sz="1600" b="1" dirty="0">
-              <a:latin typeface="Calibri" panose="020F0502020204030204" pitchFamily="34" charset="0"/>
-              <a:cs typeface="Calibri" panose="020F0502020204030204" pitchFamily="34" charset="0"/>
-            </a:endParaRPr>
-          </a:p>
-          <a:p>
-            <a:pPr marL="128588" lvl="1" indent="0" algn="just" rtl="1">
-              <a:lnSpc>
-                <a:spcPct val="150000"/>
-              </a:lnSpc>
-              <a:buNone/>
-            </a:pPr>
-            <a:r>
-              <a:rPr lang="he-IL" sz="1400" dirty="0">
-                <a:latin typeface="Calibri" panose="020F0502020204030204" pitchFamily="34" charset="0"/>
-                <a:cs typeface="Calibri" panose="020F0502020204030204" pitchFamily="34" charset="0"/>
-              </a:rPr>
-              <a:t>עוד נקודות חשובות:</a:t>
-            </a:r>
-          </a:p>
-          <a:p>
-            <a:pPr marL="414338" lvl="1" indent="-285750" algn="just" rtl="1">
-              <a:lnSpc>
-                <a:spcPct val="150000"/>
-              </a:lnSpc>
-              <a:buFont typeface="Wingdings" panose="05000000000000000000" pitchFamily="2" charset="2"/>
-              <a:buChar char="q"/>
-            </a:pPr>
-            <a:r>
-              <a:rPr lang="he-IL" sz="1400" dirty="0">
-                <a:latin typeface="Calibri" panose="020F0502020204030204" pitchFamily="34" charset="0"/>
-                <a:cs typeface="Calibri" panose="020F0502020204030204" pitchFamily="34" charset="0"/>
-              </a:rPr>
-              <a:t>שערי </a:t>
-            </a:r>
-            <a:r>
-              <a:rPr lang="en-US" sz="1400" dirty="0">
-                <a:latin typeface="Calibri" panose="020F0502020204030204" pitchFamily="34" charset="0"/>
-                <a:cs typeface="Calibri" panose="020F0502020204030204" pitchFamily="34" charset="0"/>
-              </a:rPr>
-              <a:t>API</a:t>
-            </a:r>
-            <a:r>
-              <a:rPr lang="he-IL" sz="1400" dirty="0">
-                <a:latin typeface="Calibri" panose="020F0502020204030204" pitchFamily="34" charset="0"/>
-                <a:cs typeface="Calibri" panose="020F0502020204030204" pitchFamily="34" charset="0"/>
-              </a:rPr>
-              <a:t> משמשים לעתים קרובות בארכיטקטורות של מיקרו-שירותים.</a:t>
-            </a:r>
-          </a:p>
-          <a:p>
-            <a:pPr marL="414338" lvl="1" indent="-285750" algn="just" rtl="1">
-              <a:lnSpc>
-                <a:spcPct val="150000"/>
-              </a:lnSpc>
-              <a:buFont typeface="Wingdings" panose="05000000000000000000" pitchFamily="2" charset="2"/>
-              <a:buChar char="q"/>
-            </a:pPr>
-            <a:r>
-              <a:rPr lang="he-IL" sz="1400" dirty="0">
-                <a:latin typeface="Calibri" panose="020F0502020204030204" pitchFamily="34" charset="0"/>
-                <a:cs typeface="Calibri" panose="020F0502020204030204" pitchFamily="34" charset="0"/>
-              </a:rPr>
-              <a:t>ישנם פתרונות רבים ושונים לשערי </a:t>
-            </a:r>
-            <a:r>
-              <a:rPr lang="en-US" sz="1400" dirty="0">
-                <a:latin typeface="Calibri" panose="020F0502020204030204" pitchFamily="34" charset="0"/>
-                <a:cs typeface="Calibri" panose="020F0502020204030204" pitchFamily="34" charset="0"/>
-              </a:rPr>
-              <a:t>API</a:t>
-            </a:r>
-            <a:r>
-              <a:rPr lang="he-IL" sz="1400" dirty="0">
-                <a:latin typeface="Calibri" panose="020F0502020204030204" pitchFamily="34" charset="0"/>
-                <a:cs typeface="Calibri" panose="020F0502020204030204" pitchFamily="34" charset="0"/>
-              </a:rPr>
-              <a:t> זמינים, הן בקוד פתוח והן מסחריים.</a:t>
-            </a:r>
-          </a:p>
-        </p:txBody>
-      </p:sp>
-      <p:pic>
-        <p:nvPicPr>
-          <p:cNvPr id="11267" name="Picture 3" descr="API Gateway Pattern. In this article, we are going to talk… | by Mehmet  Ozkaya | Design Microservices Architecture with Patterns &amp; Principles |  Medium">
-            <a:extLst>
-              <a:ext uri="{FF2B5EF4-FFF2-40B4-BE49-F238E27FC236}">
-                <a16:creationId xmlns:a16="http://schemas.microsoft.com/office/drawing/2014/main" id="{6A645B61-BEFF-88C2-651B-738D3B61DDE5}"/>
-              </a:ext>
-            </a:extLst>
-          </p:cNvPr>
-          <p:cNvPicPr>
-            <a:picLocks noChangeAspect="1" noChangeArrowheads="1"/>
-          </p:cNvPicPr>
-          <p:nvPr/>
-        </p:nvPicPr>
-        <p:blipFill>
-          <a:blip r:embed="rId2">
-            <a:extLst>
-              <a:ext uri="{28A0092B-C50C-407E-A947-70E740481C1C}">
-                <a14:useLocalDpi xmlns:a14="http://schemas.microsoft.com/office/drawing/2010/main" val="0"/>
-              </a:ext>
-            </a:extLst>
-          </a:blip>
-          <a:srcRect/>
-          <a:stretch>
-            <a:fillRect/>
-          </a:stretch>
-        </p:blipFill>
-        <p:spPr bwMode="auto">
-          <a:xfrm>
-            <a:off x="667809" y="2443753"/>
-            <a:ext cx="5732991" cy="3281643"/>
-          </a:xfrm>
-          <a:prstGeom prst="rect">
-            <a:avLst/>
-          </a:prstGeom>
-          <a:noFill/>
-          <a:extLst>
-            <a:ext uri="{909E8E84-426E-40DD-AFC4-6F175D3DCCD1}">
-              <a14:hiddenFill xmlns:a14="http://schemas.microsoft.com/office/drawing/2010/main">
-                <a:solidFill>
-                  <a:srgbClr val="FFFFFF"/>
-                </a:solidFill>
-              </a14:hiddenFill>
-            </a:ext>
-          </a:extLst>
-        </p:spPr>
-      </p:pic>
-    </p:spTree>
-    <p:extLst>
-      <p:ext uri="{BB962C8B-B14F-4D97-AF65-F5344CB8AC3E}">
-        <p14:creationId xmlns:p14="http://schemas.microsoft.com/office/powerpoint/2010/main" val="1149733181"/>
-      </p:ext>
-    </p:extLst>
-  </p:cSld>
-  <p:clrMapOvr>
-    <a:masterClrMapping/>
-  </p:clrMapOvr>
-</p:sld>
-</file>
-
-<file path=ppt/slides/slide31.xml><?xml version="1.0" encoding="utf-8"?>
-<p:sld xmlns:a="http://schemas.openxmlformats.org/drawingml/2006/main" xmlns:r="http://schemas.openxmlformats.org/officeDocument/2006/relationships" xmlns:p="http://schemas.openxmlformats.org/presentationml/2006/main">
-  <p:cSld>
-    <p:spTree>
-      <p:nvGrpSpPr>
-        <p:cNvPr id="1" name=""/>
-        <p:cNvGrpSpPr/>
-        <p:nvPr/>
-      </p:nvGrpSpPr>
-      <p:grpSpPr>
-        <a:xfrm>
-          <a:off x="0" y="0"/>
-          <a:ext cx="0" cy="0"/>
-          <a:chOff x="0" y="0"/>
-          <a:chExt cx="0" cy="0"/>
-        </a:xfrm>
-      </p:grpSpPr>
-      <p:sp>
-        <p:nvSpPr>
-          <p:cNvPr id="2" name="Title 1">
-            <a:extLst>
-              <a:ext uri="{FF2B5EF4-FFF2-40B4-BE49-F238E27FC236}">
-                <a16:creationId xmlns:a16="http://schemas.microsoft.com/office/drawing/2014/main" id="{A8F39DBC-ED28-2B88-72EC-6260F5A12BB5}"/>
-              </a:ext>
-            </a:extLst>
-          </p:cNvPr>
-          <p:cNvSpPr>
-            <a:spLocks noGrp="1"/>
-          </p:cNvSpPr>
-          <p:nvPr>
-            <p:ph type="title"/>
-          </p:nvPr>
-        </p:nvSpPr>
-        <p:spPr/>
-        <p:txBody>
-          <a:bodyPr/>
-          <a:lstStyle/>
-          <a:p>
-            <a:pPr algn="l"/>
-            <a:r>
-              <a:rPr lang="en-US" dirty="0">
-                <a:latin typeface="Calibri" panose="020F0502020204030204" pitchFamily="34" charset="0"/>
-                <a:cs typeface="Calibri" panose="020F0502020204030204" pitchFamily="34" charset="0"/>
-              </a:rPr>
-              <a:t>Cloud Native Infrastructure</a:t>
-            </a:r>
-          </a:p>
-        </p:txBody>
-      </p:sp>
-      <p:sp>
-        <p:nvSpPr>
-          <p:cNvPr id="3" name="Content Placeholder 2">
-            <a:extLst>
-              <a:ext uri="{FF2B5EF4-FFF2-40B4-BE49-F238E27FC236}">
-                <a16:creationId xmlns:a16="http://schemas.microsoft.com/office/drawing/2014/main" id="{E2B82204-E16D-1E57-4022-B1CB131AC737}"/>
-              </a:ext>
-            </a:extLst>
-          </p:cNvPr>
-          <p:cNvSpPr>
-            <a:spLocks noGrp="1"/>
-          </p:cNvSpPr>
-          <p:nvPr>
-            <p:ph idx="1"/>
-          </p:nvPr>
-        </p:nvSpPr>
-        <p:spPr>
-          <a:xfrm>
             <a:off x="6096000" y="2115670"/>
             <a:ext cx="4958854" cy="3937811"/>
           </a:xfrm>
@@ -12549,7 +12250,7 @@
 </p:sld>
 </file>
 
-<file path=ppt/slides/slide32.xml><?xml version="1.0" encoding="utf-8"?>
+<file path=ppt/slides/slide31.xml><?xml version="1.0" encoding="utf-8"?>
 <p:sld xmlns:a="http://schemas.openxmlformats.org/drawingml/2006/main" xmlns:r="http://schemas.openxmlformats.org/officeDocument/2006/relationships" xmlns:p="http://schemas.openxmlformats.org/presentationml/2006/main">
   <p:cSld>
     <p:spTree>
@@ -12808,7 +12509,7 @@
 </p:sld>
 </file>
 
-<file path=ppt/slides/slide33.xml><?xml version="1.0" encoding="utf-8"?>
+<file path=ppt/slides/slide32.xml><?xml version="1.0" encoding="utf-8"?>
 <p:sld xmlns:a="http://schemas.openxmlformats.org/drawingml/2006/main" xmlns:r="http://schemas.openxmlformats.org/officeDocument/2006/relationships" xmlns:p="http://schemas.openxmlformats.org/presentationml/2006/main">
   <p:cSld>
     <p:spTree>
@@ -13087,7 +12788,7 @@
 </p:sld>
 </file>
 
-<file path=ppt/slides/slide34.xml><?xml version="1.0" encoding="utf-8"?>
+<file path=ppt/slides/slide33.xml><?xml version="1.0" encoding="utf-8"?>
 <p:sld xmlns:a="http://schemas.openxmlformats.org/drawingml/2006/main" xmlns:r="http://schemas.openxmlformats.org/officeDocument/2006/relationships" xmlns:p="http://schemas.openxmlformats.org/presentationml/2006/main">
   <p:cSld>
     <p:bg>
@@ -13718,6 +13419,255 @@
 </p:sld>
 </file>
 
+<file path=ppt/slides/slide34.xml><?xml version="1.0" encoding="utf-8"?>
+<p:sld xmlns:a="http://schemas.openxmlformats.org/drawingml/2006/main" xmlns:r="http://schemas.openxmlformats.org/officeDocument/2006/relationships" xmlns:p="http://schemas.openxmlformats.org/presentationml/2006/main">
+  <p:cSld>
+    <p:spTree>
+      <p:nvGrpSpPr>
+        <p:cNvPr id="1" name="">
+          <a:extLst>
+            <a:ext uri="{FF2B5EF4-FFF2-40B4-BE49-F238E27FC236}">
+              <a16:creationId xmlns:a16="http://schemas.microsoft.com/office/drawing/2014/main" id="{609176F4-BE4E-453F-27F8-9CA5306A9C64}"/>
+            </a:ext>
+          </a:extLst>
+        </p:cNvPr>
+        <p:cNvGrpSpPr/>
+        <p:nvPr/>
+      </p:nvGrpSpPr>
+      <p:grpSpPr>
+        <a:xfrm>
+          <a:off x="0" y="0"/>
+          <a:ext cx="0" cy="0"/>
+          <a:chOff x="0" y="0"/>
+          <a:chExt cx="0" cy="0"/>
+        </a:xfrm>
+      </p:grpSpPr>
+      <p:sp>
+        <p:nvSpPr>
+          <p:cNvPr id="2" name="Title 1">
+            <a:extLst>
+              <a:ext uri="{FF2B5EF4-FFF2-40B4-BE49-F238E27FC236}">
+                <a16:creationId xmlns:a16="http://schemas.microsoft.com/office/drawing/2014/main" id="{860EBB72-7AC1-D540-43BF-C0A8CC0CE703}"/>
+              </a:ext>
+            </a:extLst>
+          </p:cNvPr>
+          <p:cNvSpPr>
+            <a:spLocks noGrp="1"/>
+          </p:cNvSpPr>
+          <p:nvPr>
+            <p:ph type="title"/>
+          </p:nvPr>
+        </p:nvSpPr>
+        <p:spPr/>
+        <p:txBody>
+          <a:bodyPr/>
+          <a:lstStyle/>
+          <a:p>
+            <a:pPr algn="l"/>
+            <a:r>
+              <a:rPr lang="en-US" dirty="0">
+                <a:latin typeface="Calibri" panose="020F0502020204030204" pitchFamily="34" charset="0"/>
+                <a:cs typeface="Calibri" panose="020F0502020204030204" pitchFamily="34" charset="0"/>
+              </a:rPr>
+              <a:t>CI/CD Implementation</a:t>
+            </a:r>
+          </a:p>
+        </p:txBody>
+      </p:sp>
+      <p:sp>
+        <p:nvSpPr>
+          <p:cNvPr id="3" name="Content Placeholder 2">
+            <a:extLst>
+              <a:ext uri="{FF2B5EF4-FFF2-40B4-BE49-F238E27FC236}">
+                <a16:creationId xmlns:a16="http://schemas.microsoft.com/office/drawing/2014/main" id="{DF54082C-F901-4BF9-BC14-96327AE7AF62}"/>
+              </a:ext>
+            </a:extLst>
+          </p:cNvPr>
+          <p:cNvSpPr>
+            <a:spLocks noGrp="1"/>
+          </p:cNvSpPr>
+          <p:nvPr>
+            <p:ph idx="1"/>
+          </p:nvPr>
+        </p:nvSpPr>
+        <p:spPr>
+          <a:xfrm>
+            <a:off x="4374776" y="2115670"/>
+            <a:ext cx="6680078" cy="3937811"/>
+          </a:xfrm>
+        </p:spPr>
+        <p:txBody>
+          <a:bodyPr>
+            <a:normAutofit/>
+          </a:bodyPr>
+          <a:lstStyle/>
+          <a:p>
+            <a:pPr marL="0" indent="0" algn="just" rtl="1">
+              <a:lnSpc>
+                <a:spcPct val="150000"/>
+              </a:lnSpc>
+              <a:buNone/>
+            </a:pPr>
+            <a:r>
+              <a:rPr lang="en-US" sz="1600" b="1" dirty="0">
+                <a:latin typeface="Calibri" panose="020F0502020204030204" pitchFamily="34" charset="0"/>
+                <a:cs typeface="Calibri" panose="020F0502020204030204" pitchFamily="34" charset="0"/>
+              </a:rPr>
+              <a:t>CI/CD</a:t>
+            </a:r>
+            <a:r>
+              <a:rPr lang="he-IL" sz="1600" b="1" dirty="0">
+                <a:latin typeface="Calibri" panose="020F0502020204030204" pitchFamily="34" charset="0"/>
+                <a:cs typeface="Calibri" panose="020F0502020204030204" pitchFamily="34" charset="0"/>
+              </a:rPr>
+              <a:t> מבוא</a:t>
+            </a:r>
+          </a:p>
+          <a:p>
+            <a:pPr marL="128588" lvl="1" indent="0" algn="just" rtl="1">
+              <a:lnSpc>
+                <a:spcPct val="150000"/>
+              </a:lnSpc>
+              <a:buNone/>
+            </a:pPr>
+            <a:r>
+              <a:rPr lang="en-US" sz="1400" dirty="0">
+                <a:latin typeface="Calibri" panose="020F0502020204030204" pitchFamily="34" charset="0"/>
+                <a:cs typeface="Calibri" panose="020F0502020204030204" pitchFamily="34" charset="0"/>
+              </a:rPr>
+              <a:t>CI/CD</a:t>
+            </a:r>
+            <a:r>
+              <a:rPr lang="he-IL" sz="1400" dirty="0">
+                <a:latin typeface="Calibri" panose="020F0502020204030204" pitchFamily="34" charset="0"/>
+                <a:cs typeface="Calibri" panose="020F0502020204030204" pitchFamily="34" charset="0"/>
+              </a:rPr>
+              <a:t> מאפשר לנו לכתוב קוד, לבדוק אותו ולהעלות אותו לפרודקשן אוטומטית.</a:t>
+            </a:r>
+          </a:p>
+          <a:p>
+            <a:pPr marL="128588" lvl="1" indent="0" algn="just" rtl="1">
+              <a:lnSpc>
+                <a:spcPct val="150000"/>
+              </a:lnSpc>
+              <a:buNone/>
+            </a:pPr>
+            <a:r>
+              <a:rPr lang="en-US" sz="1400" dirty="0">
+                <a:latin typeface="Calibri" panose="020F0502020204030204" pitchFamily="34" charset="0"/>
+                <a:cs typeface="Calibri" panose="020F0502020204030204" pitchFamily="34" charset="0"/>
+              </a:rPr>
+              <a:t> Continuous Integration (CI) </a:t>
+            </a:r>
+            <a:r>
+              <a:rPr lang="he-IL" sz="1400" dirty="0">
+                <a:latin typeface="Calibri" panose="020F0502020204030204" pitchFamily="34" charset="0"/>
+                <a:cs typeface="Calibri" panose="020F0502020204030204" pitchFamily="34" charset="0"/>
+              </a:rPr>
+              <a:t>- שילוב שינויים כל הזמן.</a:t>
+            </a:r>
+            <a:endParaRPr lang="en-US" sz="1400" dirty="0">
+              <a:latin typeface="Calibri" panose="020F0502020204030204" pitchFamily="34" charset="0"/>
+              <a:cs typeface="Calibri" panose="020F0502020204030204" pitchFamily="34" charset="0"/>
+            </a:endParaRPr>
+          </a:p>
+          <a:p>
+            <a:pPr marL="128588" lvl="1" indent="0" algn="just" rtl="1">
+              <a:lnSpc>
+                <a:spcPct val="150000"/>
+              </a:lnSpc>
+              <a:buNone/>
+            </a:pPr>
+            <a:r>
+              <a:rPr lang="en-US" sz="1400" dirty="0">
+                <a:latin typeface="Calibri" panose="020F0502020204030204" pitchFamily="34" charset="0"/>
+                <a:cs typeface="Calibri" panose="020F0502020204030204" pitchFamily="34" charset="0"/>
+              </a:rPr>
+              <a:t>Continuous Deployment (CD) </a:t>
+            </a:r>
+            <a:r>
+              <a:rPr lang="he-IL" sz="1400" dirty="0">
+                <a:latin typeface="Calibri" panose="020F0502020204030204" pitchFamily="34" charset="0"/>
+                <a:cs typeface="Calibri" panose="020F0502020204030204" pitchFamily="34" charset="0"/>
+              </a:rPr>
+              <a:t> - פריסה אוטומטית של גרסאות חדשות.</a:t>
+            </a:r>
+          </a:p>
+          <a:p>
+            <a:pPr marL="128588" lvl="1" indent="0" algn="just" rtl="1">
+              <a:lnSpc>
+                <a:spcPct val="150000"/>
+              </a:lnSpc>
+              <a:buNone/>
+            </a:pPr>
+            <a:endParaRPr lang="he-IL" sz="1400" dirty="0">
+              <a:latin typeface="Calibri" panose="020F0502020204030204" pitchFamily="34" charset="0"/>
+              <a:cs typeface="Calibri" panose="020F0502020204030204" pitchFamily="34" charset="0"/>
+            </a:endParaRPr>
+          </a:p>
+          <a:p>
+            <a:pPr marL="128588" lvl="1" indent="0" algn="just" rtl="1">
+              <a:lnSpc>
+                <a:spcPct val="150000"/>
+              </a:lnSpc>
+              <a:buNone/>
+            </a:pPr>
+            <a:endParaRPr lang="he-IL" sz="1400" dirty="0">
+              <a:latin typeface="Calibri" panose="020F0502020204030204" pitchFamily="34" charset="0"/>
+              <a:cs typeface="Calibri" panose="020F0502020204030204" pitchFamily="34" charset="0"/>
+            </a:endParaRPr>
+          </a:p>
+        </p:txBody>
+      </p:sp>
+      <p:pic>
+        <p:nvPicPr>
+          <p:cNvPr id="5" name="Picture 4" descr="A diagram of a diagram&#10;&#10;AI-generated content may be incorrect.">
+            <a:extLst>
+              <a:ext uri="{FF2B5EF4-FFF2-40B4-BE49-F238E27FC236}">
+                <a16:creationId xmlns:a16="http://schemas.microsoft.com/office/drawing/2014/main" id="{B1482998-7CE7-1C27-9BF5-CF443F617945}"/>
+              </a:ext>
+            </a:extLst>
+          </p:cNvPr>
+          <p:cNvPicPr>
+            <a:picLocks noChangeAspect="1"/>
+          </p:cNvPicPr>
+          <p:nvPr/>
+        </p:nvPicPr>
+        <p:blipFill>
+          <a:blip r:embed="rId2">
+            <a:extLst>
+              <a:ext uri="{28A0092B-C50C-407E-A947-70E740481C1C}">
+                <a14:useLocalDpi xmlns:a14="http://schemas.microsoft.com/office/drawing/2010/main" val="0"/>
+              </a:ext>
+            </a:extLst>
+          </a:blip>
+          <a:stretch>
+            <a:fillRect/>
+          </a:stretch>
+        </p:blipFill>
+        <p:spPr>
+          <a:xfrm>
+            <a:off x="284981" y="2115670"/>
+            <a:ext cx="5811019" cy="3221608"/>
+          </a:xfrm>
+          <a:prstGeom prst="rect">
+            <a:avLst/>
+          </a:prstGeom>
+        </p:spPr>
+      </p:pic>
+    </p:spTree>
+    <p:extLst>
+      <p:ext uri="{BB962C8B-B14F-4D97-AF65-F5344CB8AC3E}">
+        <p14:creationId xmlns:p14="http://schemas.microsoft.com/office/powerpoint/2010/main" val="2092015385"/>
+      </p:ext>
+    </p:extLst>
+  </p:cSld>
+  <p:clrMapOvr>
+    <a:masterClrMapping/>
+  </p:clrMapOvr>
+</p:sld>
+</file>
+
 <file path=ppt/slides/slide35.xml><?xml version="1.0" encoding="utf-8"?>
 <p:sld xmlns:a="http://schemas.openxmlformats.org/drawingml/2006/main" xmlns:r="http://schemas.openxmlformats.org/officeDocument/2006/relationships" xmlns:p="http://schemas.openxmlformats.org/presentationml/2006/main">
   <p:cSld>
@@ -13812,60 +13762,9 @@
                 <a:latin typeface="Calibri" panose="020F0502020204030204" pitchFamily="34" charset="0"/>
                 <a:cs typeface="Calibri" panose="020F0502020204030204" pitchFamily="34" charset="0"/>
               </a:rPr>
-              <a:t>CI/CD</a:t>
-            </a:r>
-            <a:r>
-              <a:rPr lang="he-IL" sz="1600" b="1" dirty="0">
-                <a:latin typeface="Calibri" panose="020F0502020204030204" pitchFamily="34" charset="0"/>
-                <a:cs typeface="Calibri" panose="020F0502020204030204" pitchFamily="34" charset="0"/>
-              </a:rPr>
-              <a:t> מבוא</a:t>
-            </a:r>
-          </a:p>
-          <a:p>
-            <a:pPr marL="128588" lvl="1" indent="0" algn="just" rtl="1">
-              <a:lnSpc>
-                <a:spcPct val="150000"/>
-              </a:lnSpc>
-              <a:buNone/>
-            </a:pPr>
-            <a:r>
-              <a:rPr lang="en-US" sz="1400" dirty="0">
-                <a:latin typeface="Calibri" panose="020F0502020204030204" pitchFamily="34" charset="0"/>
-                <a:cs typeface="Calibri" panose="020F0502020204030204" pitchFamily="34" charset="0"/>
-              </a:rPr>
-              <a:t>CI/CD</a:t>
-            </a:r>
-            <a:r>
-              <a:rPr lang="he-IL" sz="1400" dirty="0">
-                <a:latin typeface="Calibri" panose="020F0502020204030204" pitchFamily="34" charset="0"/>
-                <a:cs typeface="Calibri" panose="020F0502020204030204" pitchFamily="34" charset="0"/>
-              </a:rPr>
-              <a:t> מאפשר לנו לכתוב קוד, לבדוק אותו ולהעלות אותו לפרודקשן אוטומטית.</a:t>
-            </a:r>
-          </a:p>
-          <a:p>
-            <a:pPr marL="128588" lvl="1" indent="0" algn="just" rtl="1">
-              <a:lnSpc>
-                <a:spcPct val="150000"/>
-              </a:lnSpc>
-              <a:buNone/>
-            </a:pPr>
-            <a:r>
-              <a:rPr lang="en-US" sz="1400" dirty="0">
-                <a:latin typeface="Calibri" panose="020F0502020204030204" pitchFamily="34" charset="0"/>
-                <a:cs typeface="Calibri" panose="020F0502020204030204" pitchFamily="34" charset="0"/>
-              </a:rPr>
-              <a:t> Continuous Integration (CI) </a:t>
-            </a:r>
-            <a:r>
-              <a:rPr lang="he-IL" sz="1400" dirty="0">
-                <a:latin typeface="Calibri" panose="020F0502020204030204" pitchFamily="34" charset="0"/>
-                <a:cs typeface="Calibri" panose="020F0502020204030204" pitchFamily="34" charset="0"/>
-              </a:rPr>
-              <a:t>- שילוב שינויים כל הזמן.</a:t>
-            </a:r>
-            <a:endParaRPr lang="en-US" sz="1400" dirty="0">
+              <a:t>Continuous Integration (CI) </a:t>
+            </a:r>
+            <a:endParaRPr lang="he-IL" sz="1600" b="1" dirty="0">
               <a:latin typeface="Calibri" panose="020F0502020204030204" pitchFamily="34" charset="0"/>
               <a:cs typeface="Calibri" panose="020F0502020204030204" pitchFamily="34" charset="0"/>
             </a:endParaRPr>
@@ -13878,18 +13777,11 @@
               <a:buNone/>
             </a:pPr>
             <a:r>
-              <a:rPr lang="en-US" sz="1400" dirty="0">
-                <a:latin typeface="Calibri" panose="020F0502020204030204" pitchFamily="34" charset="0"/>
-                <a:cs typeface="Calibri" panose="020F0502020204030204" pitchFamily="34" charset="0"/>
-              </a:rPr>
-              <a:t>Continuous Deployment (CD) </a:t>
-            </a:r>
-            <a:r>
               <a:rPr lang="he-IL" sz="1400" dirty="0">
                 <a:latin typeface="Calibri" panose="020F0502020204030204" pitchFamily="34" charset="0"/>
                 <a:cs typeface="Calibri" panose="020F0502020204030204" pitchFamily="34" charset="0"/>
               </a:rPr>
-              <a:t> - פריסה אוטומטית של גרסאות חדשות.</a:t>
+              <a:t>המטרה: למנוע בעיות אינטגרציה על ידי שילוב תכוף של קוד חדש.</a:t>
             </a:r>
           </a:p>
           <a:p>
@@ -13903,6 +13795,115 @@
               <a:latin typeface="Calibri" panose="020F0502020204030204" pitchFamily="34" charset="0"/>
               <a:cs typeface="Calibri" panose="020F0502020204030204" pitchFamily="34" charset="0"/>
             </a:endParaRPr>
+          </a:p>
+          <a:p>
+            <a:pPr marL="128588" lvl="1" indent="0" algn="just" rtl="1">
+              <a:lnSpc>
+                <a:spcPct val="150000"/>
+              </a:lnSpc>
+              <a:buNone/>
+            </a:pPr>
+            <a:r>
+              <a:rPr lang="he-IL" sz="1400" dirty="0">
+                <a:latin typeface="Calibri" panose="020F0502020204030204" pitchFamily="34" charset="0"/>
+                <a:cs typeface="Calibri" panose="020F0502020204030204" pitchFamily="34" charset="0"/>
+              </a:rPr>
+              <a:t>תהליך:</a:t>
+            </a:r>
+          </a:p>
+          <a:p>
+            <a:pPr marL="414338" lvl="1" indent="-285750" algn="just" rtl="1">
+              <a:lnSpc>
+                <a:spcPct val="150000"/>
+              </a:lnSpc>
+              <a:buFont typeface="Wingdings" panose="05000000000000000000" pitchFamily="2" charset="2"/>
+              <a:buChar char="q"/>
+            </a:pPr>
+            <a:r>
+              <a:rPr lang="he-IL" sz="1400" dirty="0">
+                <a:latin typeface="Calibri" panose="020F0502020204030204" pitchFamily="34" charset="0"/>
+                <a:cs typeface="Calibri" panose="020F0502020204030204" pitchFamily="34" charset="0"/>
+              </a:rPr>
+              <a:t>מפתחים כותבים קוד חדש.</a:t>
+            </a:r>
+          </a:p>
+          <a:p>
+            <a:pPr marL="414338" lvl="1" indent="-285750" algn="just" rtl="1">
+              <a:lnSpc>
+                <a:spcPct val="150000"/>
+              </a:lnSpc>
+              <a:buFont typeface="Wingdings" panose="05000000000000000000" pitchFamily="2" charset="2"/>
+              <a:buChar char="q"/>
+            </a:pPr>
+            <a:r>
+              <a:rPr lang="he-IL" sz="1400" dirty="0">
+                <a:latin typeface="Calibri" panose="020F0502020204030204" pitchFamily="34" charset="0"/>
+                <a:cs typeface="Calibri" panose="020F0502020204030204" pitchFamily="34" charset="0"/>
+              </a:rPr>
+              <a:t>הקוד החדש עובר בדיקות אוטומטיות (יחידה, אינטגרציה).</a:t>
+            </a:r>
+          </a:p>
+          <a:p>
+            <a:pPr marL="414338" lvl="1" indent="-285750" algn="just" rtl="1">
+              <a:lnSpc>
+                <a:spcPct val="150000"/>
+              </a:lnSpc>
+              <a:buFont typeface="Wingdings" panose="05000000000000000000" pitchFamily="2" charset="2"/>
+              <a:buChar char="q"/>
+            </a:pPr>
+            <a:r>
+              <a:rPr lang="he-IL" sz="1400" dirty="0">
+                <a:latin typeface="Calibri" panose="020F0502020204030204" pitchFamily="34" charset="0"/>
+                <a:cs typeface="Calibri" panose="020F0502020204030204" pitchFamily="34" charset="0"/>
+              </a:rPr>
+              <a:t>הקוד החדש משולב למאגר המרכזי.</a:t>
+            </a:r>
+          </a:p>
+          <a:p>
+            <a:pPr marL="414338" lvl="1" indent="-285750" algn="just" rtl="1">
+              <a:lnSpc>
+                <a:spcPct val="150000"/>
+              </a:lnSpc>
+              <a:buFont typeface="Wingdings" panose="05000000000000000000" pitchFamily="2" charset="2"/>
+              <a:buChar char="q"/>
+            </a:pPr>
+            <a:r>
+              <a:rPr lang="he-IL" sz="1400" dirty="0">
+                <a:latin typeface="Calibri" panose="020F0502020204030204" pitchFamily="34" charset="0"/>
+                <a:cs typeface="Calibri" panose="020F0502020204030204" pitchFamily="34" charset="0"/>
+              </a:rPr>
+              <a:t>מערכת </a:t>
+            </a:r>
+            <a:r>
+              <a:rPr lang="en-US" sz="1400" dirty="0">
+                <a:latin typeface="Calibri" panose="020F0502020204030204" pitchFamily="34" charset="0"/>
+                <a:cs typeface="Calibri" panose="020F0502020204030204" pitchFamily="34" charset="0"/>
+              </a:rPr>
+              <a:t>CI</a:t>
+            </a:r>
+            <a:r>
+              <a:rPr lang="he-IL" sz="1400" dirty="0">
+                <a:latin typeface="Calibri" panose="020F0502020204030204" pitchFamily="34" charset="0"/>
+                <a:cs typeface="Calibri" panose="020F0502020204030204" pitchFamily="34" charset="0"/>
+              </a:rPr>
+              <a:t> בונה את האפליקציה ובודקת אותה.</a:t>
+            </a:r>
+          </a:p>
+          <a:p>
+            <a:pPr marL="414338" lvl="1" indent="-285750" algn="just" rtl="1">
+              <a:lnSpc>
+                <a:spcPct val="150000"/>
+              </a:lnSpc>
+              <a:buFont typeface="Wingdings" panose="05000000000000000000" pitchFamily="2" charset="2"/>
+              <a:buChar char="q"/>
+            </a:pPr>
+            <a:r>
+              <a:rPr lang="he-IL" sz="1400" dirty="0">
+                <a:latin typeface="Calibri" panose="020F0502020204030204" pitchFamily="34" charset="0"/>
+                <a:cs typeface="Calibri" panose="020F0502020204030204" pitchFamily="34" charset="0"/>
+              </a:rPr>
+              <a:t>אם הבנייה נכשלת, המפתחים מקבלים התראה וצריכים לתקן את הבעיה.</a:t>
+            </a:r>
           </a:p>
           <a:p>
             <a:pPr marL="128588" lvl="1" indent="0" algn="just" rtl="1">
@@ -13957,7 +13958,7 @@
     </p:spTree>
     <p:extLst>
       <p:ext uri="{BB962C8B-B14F-4D97-AF65-F5344CB8AC3E}">
-        <p14:creationId xmlns:p14="http://schemas.microsoft.com/office/powerpoint/2010/main" val="2092015385"/>
+        <p14:creationId xmlns:p14="http://schemas.microsoft.com/office/powerpoint/2010/main" val="3065669244"/>
       </p:ext>
     </p:extLst>
   </p:cSld>
@@ -14061,7 +14062,7 @@
                 <a:latin typeface="Calibri" panose="020F0502020204030204" pitchFamily="34" charset="0"/>
                 <a:cs typeface="Calibri" panose="020F0502020204030204" pitchFamily="34" charset="0"/>
               </a:rPr>
-              <a:t>Continuous Integration (CI) </a:t>
+              <a:t>Continuous Delivery (CD) </a:t>
             </a:r>
             <a:endParaRPr lang="he-IL" sz="1600" b="1" dirty="0">
               <a:latin typeface="Calibri" panose="020F0502020204030204" pitchFamily="34" charset="0"/>
@@ -14080,7 +14081,7 @@
                 <a:latin typeface="Calibri" panose="020F0502020204030204" pitchFamily="34" charset="0"/>
                 <a:cs typeface="Calibri" panose="020F0502020204030204" pitchFamily="34" charset="0"/>
               </a:rPr>
-              <a:t>המטרה: למנוע בעיות אינטגרציה על ידי שילוב תכוף של קוד חדש.</a:t>
+              <a:t>המטרה: להפוך את תהליך ההפצה של התוכנה לאוטומטי ומהיר יותר.</a:t>
             </a:r>
           </a:p>
           <a:p>
@@ -14123,7 +14124,7 @@
                 <a:latin typeface="Calibri" panose="020F0502020204030204" pitchFamily="34" charset="0"/>
                 <a:cs typeface="Calibri" panose="020F0502020204030204" pitchFamily="34" charset="0"/>
               </a:rPr>
-              <a:t>מפתחים כותבים קוד חדש.</a:t>
+              <a:t>לאחר האינטגרציה הרציפה, הקוד עובר תהליך בנייה, בדיקה והפצה אוטומטי.</a:t>
             </a:r>
           </a:p>
           <a:p>
@@ -14139,7 +14140,7 @@
                 <a:latin typeface="Calibri" panose="020F0502020204030204" pitchFamily="34" charset="0"/>
                 <a:cs typeface="Calibri" panose="020F0502020204030204" pitchFamily="34" charset="0"/>
               </a:rPr>
-              <a:t>הקוד החדש עובר בדיקות אוטומטיות (יחידה, אינטגרציה).</a:t>
+              <a:t>התוכנה מוכנה לפריסה בכל רגע נתון.</a:t>
             </a:r>
           </a:p>
           <a:p>
@@ -14155,66 +14156,8 @@
                 <a:latin typeface="Calibri" panose="020F0502020204030204" pitchFamily="34" charset="0"/>
                 <a:cs typeface="Calibri" panose="020F0502020204030204" pitchFamily="34" charset="0"/>
               </a:rPr>
-              <a:t>הקוד החדש משולב למאגר המרכזי.</a:t>
-            </a:r>
-          </a:p>
-          <a:p>
-            <a:pPr marL="414338" lvl="1" indent="-285750" algn="just" rtl="1">
-              <a:lnSpc>
-                <a:spcPct val="150000"/>
-              </a:lnSpc>
-              <a:buFont typeface="Wingdings" panose="05000000000000000000" pitchFamily="2" charset="2"/>
-              <a:buChar char="q"/>
-            </a:pPr>
-            <a:r>
-              <a:rPr lang="he-IL" sz="1400" dirty="0">
-                <a:latin typeface="Calibri" panose="020F0502020204030204" pitchFamily="34" charset="0"/>
-                <a:cs typeface="Calibri" panose="020F0502020204030204" pitchFamily="34" charset="0"/>
-              </a:rPr>
-              <a:t>מערכת </a:t>
-            </a:r>
-            <a:r>
-              <a:rPr lang="en-US" sz="1400" dirty="0">
-                <a:latin typeface="Calibri" panose="020F0502020204030204" pitchFamily="34" charset="0"/>
-                <a:cs typeface="Calibri" panose="020F0502020204030204" pitchFamily="34" charset="0"/>
-              </a:rPr>
-              <a:t>CI</a:t>
-            </a:r>
-            <a:r>
-              <a:rPr lang="he-IL" sz="1400" dirty="0">
-                <a:latin typeface="Calibri" panose="020F0502020204030204" pitchFamily="34" charset="0"/>
-                <a:cs typeface="Calibri" panose="020F0502020204030204" pitchFamily="34" charset="0"/>
-              </a:rPr>
-              <a:t> בונה את האפליקציה ובודקת אותה.</a:t>
-            </a:r>
-          </a:p>
-          <a:p>
-            <a:pPr marL="414338" lvl="1" indent="-285750" algn="just" rtl="1">
-              <a:lnSpc>
-                <a:spcPct val="150000"/>
-              </a:lnSpc>
-              <a:buFont typeface="Wingdings" panose="05000000000000000000" pitchFamily="2" charset="2"/>
-              <a:buChar char="q"/>
-            </a:pPr>
-            <a:r>
-              <a:rPr lang="he-IL" sz="1400" dirty="0">
-                <a:latin typeface="Calibri" panose="020F0502020204030204" pitchFamily="34" charset="0"/>
-                <a:cs typeface="Calibri" panose="020F0502020204030204" pitchFamily="34" charset="0"/>
-              </a:rPr>
-              <a:t>אם הבנייה נכשלת, המפתחים מקבלים התראה וצריכים לתקן את הבעיה.</a:t>
-            </a:r>
-          </a:p>
-          <a:p>
-            <a:pPr marL="128588" lvl="1" indent="0" algn="just" rtl="1">
-              <a:lnSpc>
-                <a:spcPct val="150000"/>
-              </a:lnSpc>
-              <a:buNone/>
-            </a:pPr>
-            <a:endParaRPr lang="he-IL" sz="1400" dirty="0">
-              <a:latin typeface="Calibri" panose="020F0502020204030204" pitchFamily="34" charset="0"/>
-              <a:cs typeface="Calibri" panose="020F0502020204030204" pitchFamily="34" charset="0"/>
-            </a:endParaRPr>
+              <a:t>ניתן לפרוס את התוכנה לסביבת הייצור בלחיצת כפתור.</a:t>
+            </a:r>
           </a:p>
         </p:txBody>
       </p:sp>
@@ -14257,7 +14200,7 @@
     </p:spTree>
     <p:extLst>
       <p:ext uri="{BB962C8B-B14F-4D97-AF65-F5344CB8AC3E}">
-        <p14:creationId xmlns:p14="http://schemas.microsoft.com/office/powerpoint/2010/main" val="3065669244"/>
+        <p14:creationId xmlns:p14="http://schemas.microsoft.com/office/powerpoint/2010/main" val="3794804924"/>
       </p:ext>
     </p:extLst>
   </p:cSld>
@@ -14340,248 +14283,6 @@
         </p:nvSpPr>
         <p:spPr>
           <a:xfrm>
-            <a:off x="4374776" y="2115670"/>
-            <a:ext cx="6680078" cy="3937811"/>
-          </a:xfrm>
-        </p:spPr>
-        <p:txBody>
-          <a:bodyPr>
-            <a:normAutofit/>
-          </a:bodyPr>
-          <a:lstStyle/>
-          <a:p>
-            <a:pPr marL="0" indent="0" algn="just" rtl="1">
-              <a:lnSpc>
-                <a:spcPct val="150000"/>
-              </a:lnSpc>
-              <a:buNone/>
-            </a:pPr>
-            <a:r>
-              <a:rPr lang="en-US" sz="1600" b="1" dirty="0">
-                <a:latin typeface="Calibri" panose="020F0502020204030204" pitchFamily="34" charset="0"/>
-                <a:cs typeface="Calibri" panose="020F0502020204030204" pitchFamily="34" charset="0"/>
-              </a:rPr>
-              <a:t>Continuous Delivery (CD) </a:t>
-            </a:r>
-            <a:endParaRPr lang="he-IL" sz="1600" b="1" dirty="0">
-              <a:latin typeface="Calibri" panose="020F0502020204030204" pitchFamily="34" charset="0"/>
-              <a:cs typeface="Calibri" panose="020F0502020204030204" pitchFamily="34" charset="0"/>
-            </a:endParaRPr>
-          </a:p>
-          <a:p>
-            <a:pPr marL="128588" lvl="1" indent="0" algn="just" rtl="1">
-              <a:lnSpc>
-                <a:spcPct val="150000"/>
-              </a:lnSpc>
-              <a:buNone/>
-            </a:pPr>
-            <a:r>
-              <a:rPr lang="he-IL" sz="1400" dirty="0">
-                <a:latin typeface="Calibri" panose="020F0502020204030204" pitchFamily="34" charset="0"/>
-                <a:cs typeface="Calibri" panose="020F0502020204030204" pitchFamily="34" charset="0"/>
-              </a:rPr>
-              <a:t>המטרה: להפוך את תהליך ההפצה של התוכנה לאוטומטי ומהיר יותר.</a:t>
-            </a:r>
-          </a:p>
-          <a:p>
-            <a:pPr marL="128588" lvl="1" indent="0" algn="just" rtl="1">
-              <a:lnSpc>
-                <a:spcPct val="150000"/>
-              </a:lnSpc>
-              <a:buNone/>
-            </a:pPr>
-            <a:endParaRPr lang="he-IL" sz="1400" dirty="0">
-              <a:latin typeface="Calibri" panose="020F0502020204030204" pitchFamily="34" charset="0"/>
-              <a:cs typeface="Calibri" panose="020F0502020204030204" pitchFamily="34" charset="0"/>
-            </a:endParaRPr>
-          </a:p>
-          <a:p>
-            <a:pPr marL="128588" lvl="1" indent="0" algn="just" rtl="1">
-              <a:lnSpc>
-                <a:spcPct val="150000"/>
-              </a:lnSpc>
-              <a:buNone/>
-            </a:pPr>
-            <a:r>
-              <a:rPr lang="he-IL" sz="1400" dirty="0">
-                <a:latin typeface="Calibri" panose="020F0502020204030204" pitchFamily="34" charset="0"/>
-                <a:cs typeface="Calibri" panose="020F0502020204030204" pitchFamily="34" charset="0"/>
-              </a:rPr>
-              <a:t>תהליך:</a:t>
-            </a:r>
-          </a:p>
-          <a:p>
-            <a:pPr marL="414338" lvl="1" indent="-285750" algn="just" rtl="1">
-              <a:lnSpc>
-                <a:spcPct val="150000"/>
-              </a:lnSpc>
-              <a:buFont typeface="Wingdings" panose="05000000000000000000" pitchFamily="2" charset="2"/>
-              <a:buChar char="q"/>
-            </a:pPr>
-            <a:r>
-              <a:rPr lang="he-IL" sz="1400" dirty="0">
-                <a:latin typeface="Calibri" panose="020F0502020204030204" pitchFamily="34" charset="0"/>
-                <a:cs typeface="Calibri" panose="020F0502020204030204" pitchFamily="34" charset="0"/>
-              </a:rPr>
-              <a:t>לאחר האינטגרציה הרציפה, הקוד עובר תהליך בנייה, בדיקה והפצה אוטומטי.</a:t>
-            </a:r>
-          </a:p>
-          <a:p>
-            <a:pPr marL="414338" lvl="1" indent="-285750" algn="just" rtl="1">
-              <a:lnSpc>
-                <a:spcPct val="150000"/>
-              </a:lnSpc>
-              <a:buFont typeface="Wingdings" panose="05000000000000000000" pitchFamily="2" charset="2"/>
-              <a:buChar char="q"/>
-            </a:pPr>
-            <a:r>
-              <a:rPr lang="he-IL" sz="1400" dirty="0">
-                <a:latin typeface="Calibri" panose="020F0502020204030204" pitchFamily="34" charset="0"/>
-                <a:cs typeface="Calibri" panose="020F0502020204030204" pitchFamily="34" charset="0"/>
-              </a:rPr>
-              <a:t>התוכנה מוכנה לפריסה בכל רגע נתון.</a:t>
-            </a:r>
-          </a:p>
-          <a:p>
-            <a:pPr marL="414338" lvl="1" indent="-285750" algn="just" rtl="1">
-              <a:lnSpc>
-                <a:spcPct val="150000"/>
-              </a:lnSpc>
-              <a:buFont typeface="Wingdings" panose="05000000000000000000" pitchFamily="2" charset="2"/>
-              <a:buChar char="q"/>
-            </a:pPr>
-            <a:r>
-              <a:rPr lang="he-IL" sz="1400" dirty="0">
-                <a:latin typeface="Calibri" panose="020F0502020204030204" pitchFamily="34" charset="0"/>
-                <a:cs typeface="Calibri" panose="020F0502020204030204" pitchFamily="34" charset="0"/>
-              </a:rPr>
-              <a:t>ניתן לפרוס את התוכנה לסביבת הייצור בלחיצת כפתור.</a:t>
-            </a:r>
-          </a:p>
-        </p:txBody>
-      </p:sp>
-      <p:pic>
-        <p:nvPicPr>
-          <p:cNvPr id="5" name="Picture 4" descr="A diagram of a diagram&#10;&#10;AI-generated content may be incorrect.">
-            <a:extLst>
-              <a:ext uri="{FF2B5EF4-FFF2-40B4-BE49-F238E27FC236}">
-                <a16:creationId xmlns:a16="http://schemas.microsoft.com/office/drawing/2014/main" id="{B1482998-7CE7-1C27-9BF5-CF443F617945}"/>
-              </a:ext>
-            </a:extLst>
-          </p:cNvPr>
-          <p:cNvPicPr>
-            <a:picLocks noChangeAspect="1"/>
-          </p:cNvPicPr>
-          <p:nvPr/>
-        </p:nvPicPr>
-        <p:blipFill>
-          <a:blip r:embed="rId2">
-            <a:extLst>
-              <a:ext uri="{28A0092B-C50C-407E-A947-70E740481C1C}">
-                <a14:useLocalDpi xmlns:a14="http://schemas.microsoft.com/office/drawing/2010/main" val="0"/>
-              </a:ext>
-            </a:extLst>
-          </a:blip>
-          <a:stretch>
-            <a:fillRect/>
-          </a:stretch>
-        </p:blipFill>
-        <p:spPr>
-          <a:xfrm>
-            <a:off x="284981" y="2115670"/>
-            <a:ext cx="5811019" cy="3221608"/>
-          </a:xfrm>
-          <a:prstGeom prst="rect">
-            <a:avLst/>
-          </a:prstGeom>
-        </p:spPr>
-      </p:pic>
-    </p:spTree>
-    <p:extLst>
-      <p:ext uri="{BB962C8B-B14F-4D97-AF65-F5344CB8AC3E}">
-        <p14:creationId xmlns:p14="http://schemas.microsoft.com/office/powerpoint/2010/main" val="3794804924"/>
-      </p:ext>
-    </p:extLst>
-  </p:cSld>
-  <p:clrMapOvr>
-    <a:masterClrMapping/>
-  </p:clrMapOvr>
-</p:sld>
-</file>
-
-<file path=ppt/slides/slide38.xml><?xml version="1.0" encoding="utf-8"?>
-<p:sld xmlns:a="http://schemas.openxmlformats.org/drawingml/2006/main" xmlns:r="http://schemas.openxmlformats.org/officeDocument/2006/relationships" xmlns:p="http://schemas.openxmlformats.org/presentationml/2006/main">
-  <p:cSld>
-    <p:spTree>
-      <p:nvGrpSpPr>
-        <p:cNvPr id="1" name="">
-          <a:extLst>
-            <a:ext uri="{FF2B5EF4-FFF2-40B4-BE49-F238E27FC236}">
-              <a16:creationId xmlns:a16="http://schemas.microsoft.com/office/drawing/2014/main" id="{609176F4-BE4E-453F-27F8-9CA5306A9C64}"/>
-            </a:ext>
-          </a:extLst>
-        </p:cNvPr>
-        <p:cNvGrpSpPr/>
-        <p:nvPr/>
-      </p:nvGrpSpPr>
-      <p:grpSpPr>
-        <a:xfrm>
-          <a:off x="0" y="0"/>
-          <a:ext cx="0" cy="0"/>
-          <a:chOff x="0" y="0"/>
-          <a:chExt cx="0" cy="0"/>
-        </a:xfrm>
-      </p:grpSpPr>
-      <p:sp>
-        <p:nvSpPr>
-          <p:cNvPr id="2" name="Title 1">
-            <a:extLst>
-              <a:ext uri="{FF2B5EF4-FFF2-40B4-BE49-F238E27FC236}">
-                <a16:creationId xmlns:a16="http://schemas.microsoft.com/office/drawing/2014/main" id="{860EBB72-7AC1-D540-43BF-C0A8CC0CE703}"/>
-              </a:ext>
-            </a:extLst>
-          </p:cNvPr>
-          <p:cNvSpPr>
-            <a:spLocks noGrp="1"/>
-          </p:cNvSpPr>
-          <p:nvPr>
-            <p:ph type="title"/>
-          </p:nvPr>
-        </p:nvSpPr>
-        <p:spPr/>
-        <p:txBody>
-          <a:bodyPr/>
-          <a:lstStyle/>
-          <a:p>
-            <a:pPr algn="l"/>
-            <a:r>
-              <a:rPr lang="en-US" dirty="0">
-                <a:latin typeface="Calibri" panose="020F0502020204030204" pitchFamily="34" charset="0"/>
-                <a:cs typeface="Calibri" panose="020F0502020204030204" pitchFamily="34" charset="0"/>
-              </a:rPr>
-              <a:t>CI/CD Implementation</a:t>
-            </a:r>
-          </a:p>
-        </p:txBody>
-      </p:sp>
-      <p:sp>
-        <p:nvSpPr>
-          <p:cNvPr id="3" name="Content Placeholder 2">
-            <a:extLst>
-              <a:ext uri="{FF2B5EF4-FFF2-40B4-BE49-F238E27FC236}">
-                <a16:creationId xmlns:a16="http://schemas.microsoft.com/office/drawing/2014/main" id="{DF54082C-F901-4BF9-BC14-96327AE7AF62}"/>
-              </a:ext>
-            </a:extLst>
-          </p:cNvPr>
-          <p:cNvSpPr>
-            <a:spLocks noGrp="1"/>
-          </p:cNvSpPr>
-          <p:nvPr>
-            <p:ph idx="1"/>
-          </p:nvPr>
-        </p:nvSpPr>
-        <p:spPr>
-          <a:xfrm>
             <a:off x="6096000" y="2115670"/>
             <a:ext cx="4958854" cy="3937811"/>
           </a:xfrm>
@@ -14695,7 +14396,7 @@
 </p:sld>
 </file>
 
-<file path=ppt/slides/slide39.xml><?xml version="1.0" encoding="utf-8"?>
+<file path=ppt/slides/slide38.xml><?xml version="1.0" encoding="utf-8"?>
 <p:sld xmlns:a="http://schemas.openxmlformats.org/drawingml/2006/main" xmlns:r="http://schemas.openxmlformats.org/officeDocument/2006/relationships" xmlns:p="http://schemas.openxmlformats.org/presentationml/2006/main">
   <p:cSld>
     <p:spTree>
@@ -14858,247 +14559,7 @@
 </p:sld>
 </file>
 
-<file path=ppt/slides/slide4.xml><?xml version="1.0" encoding="utf-8"?>
-<p:sld xmlns:a="http://schemas.openxmlformats.org/drawingml/2006/main" xmlns:r="http://schemas.openxmlformats.org/officeDocument/2006/relationships" xmlns:p="http://schemas.openxmlformats.org/presentationml/2006/main">
-  <p:cSld>
-    <p:spTree>
-      <p:nvGrpSpPr>
-        <p:cNvPr id="1" name=""/>
-        <p:cNvGrpSpPr/>
-        <p:nvPr/>
-      </p:nvGrpSpPr>
-      <p:grpSpPr>
-        <a:xfrm>
-          <a:off x="0" y="0"/>
-          <a:ext cx="0" cy="0"/>
-          <a:chOff x="0" y="0"/>
-          <a:chExt cx="0" cy="0"/>
-        </a:xfrm>
-      </p:grpSpPr>
-      <p:sp>
-        <p:nvSpPr>
-          <p:cNvPr id="2" name="Title 1">
-            <a:extLst>
-              <a:ext uri="{FF2B5EF4-FFF2-40B4-BE49-F238E27FC236}">
-                <a16:creationId xmlns:a16="http://schemas.microsoft.com/office/drawing/2014/main" id="{A8F39DBC-ED28-2B88-72EC-6260F5A12BB5}"/>
-              </a:ext>
-            </a:extLst>
-          </p:cNvPr>
-          <p:cNvSpPr>
-            <a:spLocks noGrp="1"/>
-          </p:cNvSpPr>
-          <p:nvPr>
-            <p:ph type="title"/>
-          </p:nvPr>
-        </p:nvSpPr>
-        <p:spPr/>
-        <p:txBody>
-          <a:bodyPr/>
-          <a:lstStyle/>
-          <a:p>
-            <a:pPr algn="r" rtl="1"/>
-            <a:r>
-              <a:rPr lang="he-IL" dirty="0">
-                <a:latin typeface="Calibri" panose="020F0502020204030204" pitchFamily="34" charset="0"/>
-                <a:cs typeface="Calibri" panose="020F0502020204030204" pitchFamily="34" charset="0"/>
-              </a:rPr>
-              <a:t>נושאי השיעור</a:t>
-            </a:r>
-            <a:endParaRPr lang="en-US" dirty="0">
-              <a:latin typeface="Calibri" panose="020F0502020204030204" pitchFamily="34" charset="0"/>
-              <a:cs typeface="Calibri" panose="020F0502020204030204" pitchFamily="34" charset="0"/>
-            </a:endParaRPr>
-          </a:p>
-        </p:txBody>
-      </p:sp>
-      <p:sp>
-        <p:nvSpPr>
-          <p:cNvPr id="3" name="Content Placeholder 2">
-            <a:extLst>
-              <a:ext uri="{FF2B5EF4-FFF2-40B4-BE49-F238E27FC236}">
-                <a16:creationId xmlns:a16="http://schemas.microsoft.com/office/drawing/2014/main" id="{E2B82204-E16D-1E57-4022-B1CB131AC737}"/>
-              </a:ext>
-            </a:extLst>
-          </p:cNvPr>
-          <p:cNvSpPr>
-            <a:spLocks noGrp="1"/>
-          </p:cNvSpPr>
-          <p:nvPr>
-            <p:ph idx="1"/>
-          </p:nvPr>
-        </p:nvSpPr>
-        <p:spPr>
-          <a:xfrm>
-            <a:off x="4374776" y="2115670"/>
-            <a:ext cx="6680078" cy="3937811"/>
-          </a:xfrm>
-        </p:spPr>
-        <p:txBody>
-          <a:bodyPr>
-            <a:noAutofit/>
-          </a:bodyPr>
-          <a:lstStyle/>
-          <a:p>
-            <a:pPr marL="358775" indent="-358775" algn="just">
-              <a:lnSpc>
-                <a:spcPct val="150000"/>
-              </a:lnSpc>
-              <a:buFont typeface="Wingdings" panose="05000000000000000000" pitchFamily="2" charset="2"/>
-              <a:buChar char="q"/>
-            </a:pPr>
-            <a:r>
-              <a:rPr lang="en-US" sz="1400" dirty="0">
-                <a:latin typeface="Calibri" panose="020F0502020204030204" pitchFamily="34" charset="0"/>
-                <a:cs typeface="Calibri" panose="020F0502020204030204" pitchFamily="34" charset="0"/>
-              </a:rPr>
-              <a:t>Git &amp; GitHub Essentials</a:t>
-            </a:r>
-          </a:p>
-          <a:p>
-            <a:pPr marL="358775" indent="-358775" algn="just">
-              <a:lnSpc>
-                <a:spcPct val="150000"/>
-              </a:lnSpc>
-              <a:buFont typeface="Wingdings" panose="05000000000000000000" pitchFamily="2" charset="2"/>
-              <a:buChar char="q"/>
-            </a:pPr>
-            <a:r>
-              <a:rPr lang="en-US" sz="1400" dirty="0">
-                <a:latin typeface="Calibri" panose="020F0502020204030204" pitchFamily="34" charset="0"/>
-                <a:cs typeface="Calibri" panose="020F0502020204030204" pitchFamily="34" charset="0"/>
-              </a:rPr>
-              <a:t>Cloud Native Infrastructure</a:t>
-            </a:r>
-          </a:p>
-          <a:p>
-            <a:pPr marL="815975" lvl="1" indent="-358775" algn="just">
-              <a:lnSpc>
-                <a:spcPct val="150000"/>
-              </a:lnSpc>
-              <a:buFont typeface="Wingdings" panose="05000000000000000000" pitchFamily="2" charset="2"/>
-              <a:buChar char="q"/>
-            </a:pPr>
-            <a:r>
-              <a:rPr lang="en-US" sz="1200" dirty="0">
-                <a:latin typeface="Calibri" panose="020F0502020204030204" pitchFamily="34" charset="0"/>
-                <a:cs typeface="Calibri" panose="020F0502020204030204" pitchFamily="34" charset="0"/>
-              </a:rPr>
-              <a:t>Infrastructure patterns</a:t>
-            </a:r>
-          </a:p>
-          <a:p>
-            <a:pPr marL="815975" lvl="1" indent="-358775" algn="just">
-              <a:lnSpc>
-                <a:spcPct val="150000"/>
-              </a:lnSpc>
-              <a:buFont typeface="Wingdings" panose="05000000000000000000" pitchFamily="2" charset="2"/>
-              <a:buChar char="q"/>
-            </a:pPr>
-            <a:r>
-              <a:rPr lang="en-US" sz="1200" dirty="0">
-                <a:latin typeface="Calibri" panose="020F0502020204030204" pitchFamily="34" charset="0"/>
-                <a:cs typeface="Calibri" panose="020F0502020204030204" pitchFamily="34" charset="0"/>
-              </a:rPr>
-              <a:t>Service Mesh</a:t>
-            </a:r>
-          </a:p>
-          <a:p>
-            <a:pPr marL="815975" lvl="1" indent="-358775" algn="just">
-              <a:lnSpc>
-                <a:spcPct val="150000"/>
-              </a:lnSpc>
-              <a:buFont typeface="Wingdings" panose="05000000000000000000" pitchFamily="2" charset="2"/>
-              <a:buChar char="q"/>
-            </a:pPr>
-            <a:r>
-              <a:rPr lang="en-US" sz="1200" dirty="0">
-                <a:latin typeface="Calibri" panose="020F0502020204030204" pitchFamily="34" charset="0"/>
-                <a:cs typeface="Calibri" panose="020F0502020204030204" pitchFamily="34" charset="0"/>
-              </a:rPr>
-              <a:t>API Gateways</a:t>
-            </a:r>
-          </a:p>
-          <a:p>
-            <a:pPr marL="815975" lvl="1" indent="-358775" algn="just">
-              <a:lnSpc>
-                <a:spcPct val="150000"/>
-              </a:lnSpc>
-              <a:buFont typeface="Wingdings" panose="05000000000000000000" pitchFamily="2" charset="2"/>
-              <a:buChar char="q"/>
-            </a:pPr>
-            <a:r>
-              <a:rPr lang="en-US" sz="1200" dirty="0">
-                <a:latin typeface="Calibri" panose="020F0502020204030204" pitchFamily="34" charset="0"/>
-                <a:cs typeface="Calibri" panose="020F0502020204030204" pitchFamily="34" charset="0"/>
-              </a:rPr>
-              <a:t>Service Discovery</a:t>
-            </a:r>
-            <a:endParaRPr lang="en-US" sz="1000" dirty="0">
-              <a:latin typeface="Calibri" panose="020F0502020204030204" pitchFamily="34" charset="0"/>
-              <a:cs typeface="Calibri" panose="020F0502020204030204" pitchFamily="34" charset="0"/>
-            </a:endParaRPr>
-          </a:p>
-        </p:txBody>
-      </p:sp>
-      <p:pic>
-        <p:nvPicPr>
-          <p:cNvPr id="1026" name="Picture 2">
-            <a:extLst>
-              <a:ext uri="{FF2B5EF4-FFF2-40B4-BE49-F238E27FC236}">
-                <a16:creationId xmlns:a16="http://schemas.microsoft.com/office/drawing/2014/main" id="{9CDC6A8F-B082-2F54-471B-E26CE8EA2BA3}"/>
-              </a:ext>
-            </a:extLst>
-          </p:cNvPr>
-          <p:cNvPicPr>
-            <a:picLocks noChangeAspect="1" noChangeArrowheads="1"/>
-          </p:cNvPicPr>
-          <p:nvPr/>
-        </p:nvPicPr>
-        <p:blipFill rotWithShape="1">
-          <a:blip r:embed="rId2">
-            <a:extLst>
-              <a:ext uri="{28A0092B-C50C-407E-A947-70E740481C1C}">
-                <a14:useLocalDpi xmlns:a14="http://schemas.microsoft.com/office/drawing/2010/main" val="0"/>
-              </a:ext>
-            </a:extLst>
-          </a:blip>
-          <a:srcRect l="-31306" r="-31306"/>
-          <a:stretch/>
-        </p:blipFill>
-        <p:spPr bwMode="auto">
-          <a:xfrm>
-            <a:off x="448235" y="3133313"/>
-            <a:ext cx="3370729" cy="2072853"/>
-          </a:xfrm>
-          <a:prstGeom prst="rect">
-            <a:avLst/>
-          </a:prstGeom>
-          <a:noFill/>
-          <a:extLst>
-            <a:ext uri="{909E8E84-426E-40DD-AFC4-6F175D3DCCD1}">
-              <a14:hiddenFill xmlns:a14="http://schemas.microsoft.com/office/drawing/2010/main">
-                <a:solidFill>
-                  <a:srgbClr val="FFFFFF"/>
-                </a:solidFill>
-              </a14:hiddenFill>
-            </a:ext>
-          </a:extLst>
-        </p:spPr>
-      </p:pic>
-    </p:spTree>
-    <p:extLst>
-      <p:ext uri="{BB962C8B-B14F-4D97-AF65-F5344CB8AC3E}">
-        <p14:creationId xmlns:p14="http://schemas.microsoft.com/office/powerpoint/2010/main" val="2563713425"/>
-      </p:ext>
-    </p:extLst>
-  </p:cSld>
-  <p:clrMapOvr>
-    <a:masterClrMapping/>
-  </p:clrMapOvr>
-</p:sld>
-</file>
-
-<file path=ppt/slides/slide40.xml><?xml version="1.0" encoding="utf-8"?>
+<file path=ppt/slides/slide39.xml><?xml version="1.0" encoding="utf-8"?>
 <p:sld xmlns:a="http://schemas.openxmlformats.org/drawingml/2006/main" xmlns:r="http://schemas.openxmlformats.org/officeDocument/2006/relationships" xmlns:p="http://schemas.openxmlformats.org/presentationml/2006/main">
   <p:cSld>
     <p:bg>
@@ -15729,7 +15190,247 @@
 </p:sld>
 </file>
 
-<file path=ppt/slides/slide41.xml><?xml version="1.0" encoding="utf-8"?>
+<file path=ppt/slides/slide4.xml><?xml version="1.0" encoding="utf-8"?>
+<p:sld xmlns:a="http://schemas.openxmlformats.org/drawingml/2006/main" xmlns:r="http://schemas.openxmlformats.org/officeDocument/2006/relationships" xmlns:p="http://schemas.openxmlformats.org/presentationml/2006/main">
+  <p:cSld>
+    <p:spTree>
+      <p:nvGrpSpPr>
+        <p:cNvPr id="1" name=""/>
+        <p:cNvGrpSpPr/>
+        <p:nvPr/>
+      </p:nvGrpSpPr>
+      <p:grpSpPr>
+        <a:xfrm>
+          <a:off x="0" y="0"/>
+          <a:ext cx="0" cy="0"/>
+          <a:chOff x="0" y="0"/>
+          <a:chExt cx="0" cy="0"/>
+        </a:xfrm>
+      </p:grpSpPr>
+      <p:sp>
+        <p:nvSpPr>
+          <p:cNvPr id="2" name="Title 1">
+            <a:extLst>
+              <a:ext uri="{FF2B5EF4-FFF2-40B4-BE49-F238E27FC236}">
+                <a16:creationId xmlns:a16="http://schemas.microsoft.com/office/drawing/2014/main" id="{A8F39DBC-ED28-2B88-72EC-6260F5A12BB5}"/>
+              </a:ext>
+            </a:extLst>
+          </p:cNvPr>
+          <p:cNvSpPr>
+            <a:spLocks noGrp="1"/>
+          </p:cNvSpPr>
+          <p:nvPr>
+            <p:ph type="title"/>
+          </p:nvPr>
+        </p:nvSpPr>
+        <p:spPr/>
+        <p:txBody>
+          <a:bodyPr/>
+          <a:lstStyle/>
+          <a:p>
+            <a:pPr algn="r" rtl="1"/>
+            <a:r>
+              <a:rPr lang="he-IL" dirty="0">
+                <a:latin typeface="Calibri" panose="020F0502020204030204" pitchFamily="34" charset="0"/>
+                <a:cs typeface="Calibri" panose="020F0502020204030204" pitchFamily="34" charset="0"/>
+              </a:rPr>
+              <a:t>נושאי השיעור</a:t>
+            </a:r>
+            <a:endParaRPr lang="en-US" dirty="0">
+              <a:latin typeface="Calibri" panose="020F0502020204030204" pitchFamily="34" charset="0"/>
+              <a:cs typeface="Calibri" panose="020F0502020204030204" pitchFamily="34" charset="0"/>
+            </a:endParaRPr>
+          </a:p>
+        </p:txBody>
+      </p:sp>
+      <p:sp>
+        <p:nvSpPr>
+          <p:cNvPr id="3" name="Content Placeholder 2">
+            <a:extLst>
+              <a:ext uri="{FF2B5EF4-FFF2-40B4-BE49-F238E27FC236}">
+                <a16:creationId xmlns:a16="http://schemas.microsoft.com/office/drawing/2014/main" id="{E2B82204-E16D-1E57-4022-B1CB131AC737}"/>
+              </a:ext>
+            </a:extLst>
+          </p:cNvPr>
+          <p:cNvSpPr>
+            <a:spLocks noGrp="1"/>
+          </p:cNvSpPr>
+          <p:nvPr>
+            <p:ph idx="1"/>
+          </p:nvPr>
+        </p:nvSpPr>
+        <p:spPr>
+          <a:xfrm>
+            <a:off x="4374776" y="2115670"/>
+            <a:ext cx="6680078" cy="3937811"/>
+          </a:xfrm>
+        </p:spPr>
+        <p:txBody>
+          <a:bodyPr>
+            <a:noAutofit/>
+          </a:bodyPr>
+          <a:lstStyle/>
+          <a:p>
+            <a:pPr marL="358775" indent="-358775" algn="just">
+              <a:lnSpc>
+                <a:spcPct val="150000"/>
+              </a:lnSpc>
+              <a:buFont typeface="Wingdings" panose="05000000000000000000" pitchFamily="2" charset="2"/>
+              <a:buChar char="q"/>
+            </a:pPr>
+            <a:r>
+              <a:rPr lang="en-US" sz="1400" dirty="0">
+                <a:latin typeface="Calibri" panose="020F0502020204030204" pitchFamily="34" charset="0"/>
+                <a:cs typeface="Calibri" panose="020F0502020204030204" pitchFamily="34" charset="0"/>
+              </a:rPr>
+              <a:t>Git &amp; GitHub Essentials</a:t>
+            </a:r>
+          </a:p>
+          <a:p>
+            <a:pPr marL="358775" indent="-358775" algn="just">
+              <a:lnSpc>
+                <a:spcPct val="150000"/>
+              </a:lnSpc>
+              <a:buFont typeface="Wingdings" panose="05000000000000000000" pitchFamily="2" charset="2"/>
+              <a:buChar char="q"/>
+            </a:pPr>
+            <a:r>
+              <a:rPr lang="en-US" sz="1400" dirty="0">
+                <a:latin typeface="Calibri" panose="020F0502020204030204" pitchFamily="34" charset="0"/>
+                <a:cs typeface="Calibri" panose="020F0502020204030204" pitchFamily="34" charset="0"/>
+              </a:rPr>
+              <a:t>Cloud Native Infrastructure</a:t>
+            </a:r>
+          </a:p>
+          <a:p>
+            <a:pPr marL="815975" lvl="1" indent="-358775" algn="just">
+              <a:lnSpc>
+                <a:spcPct val="150000"/>
+              </a:lnSpc>
+              <a:buFont typeface="Wingdings" panose="05000000000000000000" pitchFamily="2" charset="2"/>
+              <a:buChar char="q"/>
+            </a:pPr>
+            <a:r>
+              <a:rPr lang="en-US" sz="1200" dirty="0">
+                <a:latin typeface="Calibri" panose="020F0502020204030204" pitchFamily="34" charset="0"/>
+                <a:cs typeface="Calibri" panose="020F0502020204030204" pitchFamily="34" charset="0"/>
+              </a:rPr>
+              <a:t>Infrastructure patterns</a:t>
+            </a:r>
+          </a:p>
+          <a:p>
+            <a:pPr marL="815975" lvl="1" indent="-358775" algn="just">
+              <a:lnSpc>
+                <a:spcPct val="150000"/>
+              </a:lnSpc>
+              <a:buFont typeface="Wingdings" panose="05000000000000000000" pitchFamily="2" charset="2"/>
+              <a:buChar char="q"/>
+            </a:pPr>
+            <a:r>
+              <a:rPr lang="en-US" sz="1200" dirty="0">
+                <a:latin typeface="Calibri" panose="020F0502020204030204" pitchFamily="34" charset="0"/>
+                <a:cs typeface="Calibri" panose="020F0502020204030204" pitchFamily="34" charset="0"/>
+              </a:rPr>
+              <a:t>Service Mesh</a:t>
+            </a:r>
+          </a:p>
+          <a:p>
+            <a:pPr marL="815975" lvl="1" indent="-358775" algn="just">
+              <a:lnSpc>
+                <a:spcPct val="150000"/>
+              </a:lnSpc>
+              <a:buFont typeface="Wingdings" panose="05000000000000000000" pitchFamily="2" charset="2"/>
+              <a:buChar char="q"/>
+            </a:pPr>
+            <a:r>
+              <a:rPr lang="en-US" sz="1200" dirty="0">
+                <a:latin typeface="Calibri" panose="020F0502020204030204" pitchFamily="34" charset="0"/>
+                <a:cs typeface="Calibri" panose="020F0502020204030204" pitchFamily="34" charset="0"/>
+              </a:rPr>
+              <a:t>API Gateways</a:t>
+            </a:r>
+          </a:p>
+          <a:p>
+            <a:pPr marL="815975" lvl="1" indent="-358775" algn="just">
+              <a:lnSpc>
+                <a:spcPct val="150000"/>
+              </a:lnSpc>
+              <a:buFont typeface="Wingdings" panose="05000000000000000000" pitchFamily="2" charset="2"/>
+              <a:buChar char="q"/>
+            </a:pPr>
+            <a:r>
+              <a:rPr lang="en-US" sz="1200" dirty="0">
+                <a:latin typeface="Calibri" panose="020F0502020204030204" pitchFamily="34" charset="0"/>
+                <a:cs typeface="Calibri" panose="020F0502020204030204" pitchFamily="34" charset="0"/>
+              </a:rPr>
+              <a:t>Service Discovery</a:t>
+            </a:r>
+            <a:endParaRPr lang="en-US" sz="1000" dirty="0">
+              <a:latin typeface="Calibri" panose="020F0502020204030204" pitchFamily="34" charset="0"/>
+              <a:cs typeface="Calibri" panose="020F0502020204030204" pitchFamily="34" charset="0"/>
+            </a:endParaRPr>
+          </a:p>
+        </p:txBody>
+      </p:sp>
+      <p:pic>
+        <p:nvPicPr>
+          <p:cNvPr id="1026" name="Picture 2">
+            <a:extLst>
+              <a:ext uri="{FF2B5EF4-FFF2-40B4-BE49-F238E27FC236}">
+                <a16:creationId xmlns:a16="http://schemas.microsoft.com/office/drawing/2014/main" id="{9CDC6A8F-B082-2F54-471B-E26CE8EA2BA3}"/>
+              </a:ext>
+            </a:extLst>
+          </p:cNvPr>
+          <p:cNvPicPr>
+            <a:picLocks noChangeAspect="1" noChangeArrowheads="1"/>
+          </p:cNvPicPr>
+          <p:nvPr/>
+        </p:nvPicPr>
+        <p:blipFill rotWithShape="1">
+          <a:blip r:embed="rId2">
+            <a:extLst>
+              <a:ext uri="{28A0092B-C50C-407E-A947-70E740481C1C}">
+                <a14:useLocalDpi xmlns:a14="http://schemas.microsoft.com/office/drawing/2010/main" val="0"/>
+              </a:ext>
+            </a:extLst>
+          </a:blip>
+          <a:srcRect l="-31306" r="-31306"/>
+          <a:stretch/>
+        </p:blipFill>
+        <p:spPr bwMode="auto">
+          <a:xfrm>
+            <a:off x="448235" y="3133313"/>
+            <a:ext cx="3370729" cy="2072853"/>
+          </a:xfrm>
+          <a:prstGeom prst="rect">
+            <a:avLst/>
+          </a:prstGeom>
+          <a:noFill/>
+          <a:extLst>
+            <a:ext uri="{909E8E84-426E-40DD-AFC4-6F175D3DCCD1}">
+              <a14:hiddenFill xmlns:a14="http://schemas.microsoft.com/office/drawing/2010/main">
+                <a:solidFill>
+                  <a:srgbClr val="FFFFFF"/>
+                </a:solidFill>
+              </a14:hiddenFill>
+            </a:ext>
+          </a:extLst>
+        </p:spPr>
+      </p:pic>
+    </p:spTree>
+    <p:extLst>
+      <p:ext uri="{BB962C8B-B14F-4D97-AF65-F5344CB8AC3E}">
+        <p14:creationId xmlns:p14="http://schemas.microsoft.com/office/powerpoint/2010/main" val="2563713425"/>
+      </p:ext>
+    </p:extLst>
+  </p:cSld>
+  <p:clrMapOvr>
+    <a:masterClrMapping/>
+  </p:clrMapOvr>
+</p:sld>
+</file>
+
+<file path=ppt/slides/slide40.xml><?xml version="1.0" encoding="utf-8"?>
 <p:sld xmlns:a="http://schemas.openxmlformats.org/drawingml/2006/main" xmlns:r="http://schemas.openxmlformats.org/officeDocument/2006/relationships" xmlns:p="http://schemas.openxmlformats.org/presentationml/2006/main">
   <p:cSld>
     <p:spTree>
@@ -15969,7 +15670,7 @@
 </p:sld>
 </file>
 
-<file path=ppt/slides/slide42.xml><?xml version="1.0" encoding="utf-8"?>
+<file path=ppt/slides/slide41.xml><?xml version="1.0" encoding="utf-8"?>
 <p:sld xmlns:a="http://schemas.openxmlformats.org/drawingml/2006/main" xmlns:r="http://schemas.openxmlformats.org/officeDocument/2006/relationships" xmlns:p="http://schemas.openxmlformats.org/presentationml/2006/main">
   <p:cSld>
     <p:spTree>
@@ -16287,7 +15988,7 @@
 </p:sld>
 </file>
 
-<file path=ppt/slides/slide43.xml><?xml version="1.0" encoding="utf-8"?>
+<file path=ppt/slides/slide42.xml><?xml version="1.0" encoding="utf-8"?>
 <p:sld xmlns:a="http://schemas.openxmlformats.org/drawingml/2006/main" xmlns:r="http://schemas.openxmlformats.org/officeDocument/2006/relationships" xmlns:p="http://schemas.openxmlformats.org/presentationml/2006/main">
   <p:cSld>
     <p:spTree>
@@ -16571,7 +16272,7 @@
 </p:sld>
 </file>
 
-<file path=ppt/slides/slide44.xml><?xml version="1.0" encoding="utf-8"?>
+<file path=ppt/slides/slide43.xml><?xml version="1.0" encoding="utf-8"?>
 <p:sld xmlns:a="http://schemas.openxmlformats.org/drawingml/2006/main" xmlns:r="http://schemas.openxmlformats.org/officeDocument/2006/relationships" xmlns:p="http://schemas.openxmlformats.org/presentationml/2006/main">
   <p:cSld>
     <p:bg>
@@ -18506,7 +18207,7 @@
                 <a:latin typeface="Calibri" panose="020F0502020204030204" pitchFamily="34" charset="0"/>
                 <a:cs typeface="Calibri" panose="020F0502020204030204" pitchFamily="34" charset="0"/>
               </a:rPr>
-              <a:t>שולחן עבודה כשירות </a:t>
+              <a:t>נתונים כשירות </a:t>
             </a:r>
             <a:r>
               <a:rPr lang="en-US" sz="1600" b="1" dirty="0">
